--- a/circuit breaker.pptx
+++ b/circuit breaker.pptx
@@ -5,7 +5,7 @@
     <p:sldMasterId id="2147483648" r:id="rId1"/>
   </p:sldMasterIdLst>
   <p:notesMasterIdLst>
-    <p:notesMasterId r:id="rId12"/>
+    <p:notesMasterId r:id="rId14"/>
   </p:notesMasterIdLst>
   <p:sldIdLst>
     <p:sldId id="256" r:id="rId2"/>
@@ -18,6 +18,8 @@
     <p:sldId id="260" r:id="rId9"/>
     <p:sldId id="274" r:id="rId10"/>
     <p:sldId id="275" r:id="rId11"/>
+    <p:sldId id="276" r:id="rId12"/>
+    <p:sldId id="277" r:id="rId13"/>
   </p:sldIdLst>
   <p:sldSz cx="12192000" cy="6858000"/>
   <p:notesSz cx="6858000" cy="9144000"/>
@@ -206,7 +208,7 @@
           <a:p>
             <a:fld id="{FB94CB17-A0FB-4517-AB07-3CA3AE17D330}" type="datetimeFigureOut">
               <a:rPr lang="pt-BR" smtClean="0"/>
-              <a:t>25/09/2021</a:t>
+              <a:t>26/09/2021</a:t>
             </a:fld>
             <a:endParaRPr lang="pt-BR"/>
           </a:p>
@@ -1009,7 +1011,7 @@
           <a:p>
             <a:fld id="{AD73DC33-42DD-4062-BC62-231C1BBE072E}" type="datetimeFigureOut">
               <a:rPr lang="pt-BR" smtClean="0"/>
-              <a:t>23/09/2021</a:t>
+              <a:t>26/09/2021</a:t>
             </a:fld>
             <a:endParaRPr lang="pt-BR"/>
           </a:p>
@@ -1207,7 +1209,7 @@
           <a:p>
             <a:fld id="{AD73DC33-42DD-4062-BC62-231C1BBE072E}" type="datetimeFigureOut">
               <a:rPr lang="pt-BR" smtClean="0"/>
-              <a:t>23/09/2021</a:t>
+              <a:t>26/09/2021</a:t>
             </a:fld>
             <a:endParaRPr lang="pt-BR"/>
           </a:p>
@@ -1415,7 +1417,7 @@
           <a:p>
             <a:fld id="{AD73DC33-42DD-4062-BC62-231C1BBE072E}" type="datetimeFigureOut">
               <a:rPr lang="pt-BR" smtClean="0"/>
-              <a:t>23/09/2021</a:t>
+              <a:t>26/09/2021</a:t>
             </a:fld>
             <a:endParaRPr lang="pt-BR"/>
           </a:p>
@@ -1613,7 +1615,7 @@
           <a:p>
             <a:fld id="{AD73DC33-42DD-4062-BC62-231C1BBE072E}" type="datetimeFigureOut">
               <a:rPr lang="pt-BR" smtClean="0"/>
-              <a:t>23/09/2021</a:t>
+              <a:t>26/09/2021</a:t>
             </a:fld>
             <a:endParaRPr lang="pt-BR"/>
           </a:p>
@@ -1888,7 +1890,7 @@
           <a:p>
             <a:fld id="{AD73DC33-42DD-4062-BC62-231C1BBE072E}" type="datetimeFigureOut">
               <a:rPr lang="pt-BR" smtClean="0"/>
-              <a:t>23/09/2021</a:t>
+              <a:t>26/09/2021</a:t>
             </a:fld>
             <a:endParaRPr lang="pt-BR"/>
           </a:p>
@@ -2153,7 +2155,7 @@
           <a:p>
             <a:fld id="{AD73DC33-42DD-4062-BC62-231C1BBE072E}" type="datetimeFigureOut">
               <a:rPr lang="pt-BR" smtClean="0"/>
-              <a:t>23/09/2021</a:t>
+              <a:t>26/09/2021</a:t>
             </a:fld>
             <a:endParaRPr lang="pt-BR"/>
           </a:p>
@@ -2565,7 +2567,7 @@
           <a:p>
             <a:fld id="{AD73DC33-42DD-4062-BC62-231C1BBE072E}" type="datetimeFigureOut">
               <a:rPr lang="pt-BR" smtClean="0"/>
-              <a:t>23/09/2021</a:t>
+              <a:t>26/09/2021</a:t>
             </a:fld>
             <a:endParaRPr lang="pt-BR"/>
           </a:p>
@@ -2706,7 +2708,7 @@
           <a:p>
             <a:fld id="{AD73DC33-42DD-4062-BC62-231C1BBE072E}" type="datetimeFigureOut">
               <a:rPr lang="pt-BR" smtClean="0"/>
-              <a:t>23/09/2021</a:t>
+              <a:t>26/09/2021</a:t>
             </a:fld>
             <a:endParaRPr lang="pt-BR"/>
           </a:p>
@@ -2819,7 +2821,7 @@
           <a:p>
             <a:fld id="{AD73DC33-42DD-4062-BC62-231C1BBE072E}" type="datetimeFigureOut">
               <a:rPr lang="pt-BR" smtClean="0"/>
-              <a:t>23/09/2021</a:t>
+              <a:t>26/09/2021</a:t>
             </a:fld>
             <a:endParaRPr lang="pt-BR"/>
           </a:p>
@@ -3130,7 +3132,7 @@
           <a:p>
             <a:fld id="{AD73DC33-42DD-4062-BC62-231C1BBE072E}" type="datetimeFigureOut">
               <a:rPr lang="pt-BR" smtClean="0"/>
-              <a:t>23/09/2021</a:t>
+              <a:t>26/09/2021</a:t>
             </a:fld>
             <a:endParaRPr lang="pt-BR"/>
           </a:p>
@@ -3418,7 +3420,7 @@
           <a:p>
             <a:fld id="{AD73DC33-42DD-4062-BC62-231C1BBE072E}" type="datetimeFigureOut">
               <a:rPr lang="pt-BR" smtClean="0"/>
-              <a:t>23/09/2021</a:t>
+              <a:t>26/09/2021</a:t>
             </a:fld>
             <a:endParaRPr lang="pt-BR"/>
           </a:p>
@@ -3659,7 +3661,7 @@
           <a:p>
             <a:fld id="{AD73DC33-42DD-4062-BC62-231C1BBE072E}" type="datetimeFigureOut">
               <a:rPr lang="pt-BR" smtClean="0"/>
-              <a:t>23/09/2021</a:t>
+              <a:t>26/09/2021</a:t>
             </a:fld>
             <a:endParaRPr lang="pt-BR"/>
           </a:p>
@@ -4098,43 +4100,18 @@
           <a:lstStyle/>
           <a:p>
             <a:r>
-              <a:rPr lang="pt-BR" dirty="0" err="1"/>
+              <a:rPr lang="pt-BR" i="1" dirty="0" err="1"/>
               <a:t>Circuit</a:t>
             </a:r>
             <a:r>
-              <a:rPr lang="pt-BR" dirty="0"/>
+              <a:rPr lang="pt-BR" i="1" dirty="0"/>
               <a:t> </a:t>
             </a:r>
             <a:r>
-              <a:rPr lang="pt-BR" dirty="0" err="1"/>
+              <a:rPr lang="pt-BR" i="1" dirty="0" err="1"/>
               <a:t>Breaker</a:t>
             </a:r>
-            <a:endParaRPr lang="pt-BR" dirty="0"/>
-          </a:p>
-        </p:txBody>
-      </p:sp>
-      <p:sp>
-        <p:nvSpPr>
-          <p:cNvPr id="3" name="Subtítulo 2">
-            <a:extLst>
-              <a:ext uri="{FF2B5EF4-FFF2-40B4-BE49-F238E27FC236}">
-                <a16:creationId xmlns:a16="http://schemas.microsoft.com/office/drawing/2014/main" id="{FEB3C09F-A695-44C6-AC6E-C0E8DFD5E534}"/>
-              </a:ext>
-            </a:extLst>
-          </p:cNvPr>
-          <p:cNvSpPr>
-            <a:spLocks noGrp="1"/>
-          </p:cNvSpPr>
-          <p:nvPr>
-            <p:ph type="subTitle" idx="1"/>
-          </p:nvPr>
-        </p:nvSpPr>
-        <p:spPr/>
-        <p:txBody>
-          <a:bodyPr/>
-          <a:lstStyle/>
-          <a:p>
-            <a:endParaRPr lang="pt-BR" dirty="0"/>
+            <a:endParaRPr lang="pt-BR" i="1" dirty="0"/>
           </a:p>
         </p:txBody>
       </p:sp>
@@ -4249,7 +4226,9 @@
               <a:t>:  </a:t>
             </a:r>
             <a:r>
-              <a:rPr lang="pt-BR" dirty="0" err="1"/>
+              <a:rPr lang="pt-BR" i="1" dirty="0" err="1">
+                <a:hlinkClick r:id="rId2"/>
+              </a:rPr>
               <a:t>Istio</a:t>
             </a:r>
             <a:r>
@@ -4265,7 +4244,7 @@
             <a:pPr lvl="1"/>
             <a:r>
               <a:rPr lang="pt-BR" dirty="0"/>
-              <a:t>Substituir por algo que depende de regra de negócios (</a:t>
+              <a:t>Substituir por algo que depende da lógica de negócios (</a:t>
             </a:r>
             <a:r>
               <a:rPr lang="pt-BR" dirty="0" err="1"/>
@@ -4290,6 +4269,733 @@
     <p:extLst>
       <p:ext uri="{BB962C8B-B14F-4D97-AF65-F5344CB8AC3E}">
         <p14:creationId xmlns:p14="http://schemas.microsoft.com/office/powerpoint/2010/main" val="306350363"/>
+      </p:ext>
+    </p:extLst>
+  </p:cSld>
+  <p:clrMapOvr>
+    <a:masterClrMapping/>
+  </p:clrMapOvr>
+</p:sld>
+</file>
+
+<file path=ppt/slides/slide11.xml><?xml version="1.0" encoding="utf-8"?>
+<p:sld xmlns:a="http://schemas.openxmlformats.org/drawingml/2006/main" xmlns:r="http://schemas.openxmlformats.org/officeDocument/2006/relationships" xmlns:p="http://schemas.openxmlformats.org/presentationml/2006/main">
+  <p:cSld>
+    <p:spTree>
+      <p:nvGrpSpPr>
+        <p:cNvPr id="1" name=""/>
+        <p:cNvGrpSpPr/>
+        <p:nvPr/>
+      </p:nvGrpSpPr>
+      <p:grpSpPr>
+        <a:xfrm>
+          <a:off x="0" y="0"/>
+          <a:ext cx="0" cy="0"/>
+          <a:chOff x="0" y="0"/>
+          <a:chExt cx="0" cy="0"/>
+        </a:xfrm>
+      </p:grpSpPr>
+      <p:sp>
+        <p:nvSpPr>
+          <p:cNvPr id="2" name="Título 1">
+            <a:extLst>
+              <a:ext uri="{FF2B5EF4-FFF2-40B4-BE49-F238E27FC236}">
+                <a16:creationId xmlns:a16="http://schemas.microsoft.com/office/drawing/2014/main" id="{819863A2-E765-4FE7-B3DB-88CB1BED83B1}"/>
+              </a:ext>
+            </a:extLst>
+          </p:cNvPr>
+          <p:cNvSpPr>
+            <a:spLocks noGrp="1"/>
+          </p:cNvSpPr>
+          <p:nvPr>
+            <p:ph type="title"/>
+          </p:nvPr>
+        </p:nvSpPr>
+        <p:spPr/>
+        <p:txBody>
+          <a:bodyPr/>
+          <a:lstStyle/>
+          <a:p>
+            <a:r>
+              <a:rPr lang="pt-BR" i="1" dirty="0"/>
+              <a:t>Service </a:t>
+            </a:r>
+            <a:r>
+              <a:rPr lang="pt-BR" i="1" dirty="0" err="1"/>
+              <a:t>Mesh</a:t>
+            </a:r>
+            <a:endParaRPr lang="pt-BR" i="1" dirty="0"/>
+          </a:p>
+        </p:txBody>
+      </p:sp>
+      <p:sp>
+        <p:nvSpPr>
+          <p:cNvPr id="3" name="Espaço Reservado para Conteúdo 2">
+            <a:extLst>
+              <a:ext uri="{FF2B5EF4-FFF2-40B4-BE49-F238E27FC236}">
+                <a16:creationId xmlns:a16="http://schemas.microsoft.com/office/drawing/2014/main" id="{E5B18A19-756A-4C42-8643-AE506AC5F2CF}"/>
+              </a:ext>
+            </a:extLst>
+          </p:cNvPr>
+          <p:cNvSpPr>
+            <a:spLocks noGrp="1"/>
+          </p:cNvSpPr>
+          <p:nvPr>
+            <p:ph idx="1"/>
+          </p:nvPr>
+        </p:nvSpPr>
+        <p:spPr/>
+        <p:txBody>
+          <a:bodyPr/>
+          <a:lstStyle/>
+          <a:p>
+            <a:r>
+              <a:rPr lang="pt-BR" dirty="0"/>
+              <a:t>Um </a:t>
+            </a:r>
+            <a:r>
+              <a:rPr lang="pt-BR" i="1" dirty="0"/>
+              <a:t>Service </a:t>
+            </a:r>
+            <a:r>
+              <a:rPr lang="pt-BR" i="1" dirty="0" err="1"/>
+              <a:t>Mesh</a:t>
+            </a:r>
+            <a:r>
+              <a:rPr lang="pt-BR" dirty="0"/>
+              <a:t>, é uma camada de infraestrutura de baixa latência configurável, projetada para lidar com alto volume de comunicações entre </a:t>
+            </a:r>
+            <a:r>
+              <a:rPr lang="pt-BR" i="1" dirty="0" err="1"/>
+              <a:t>API</a:t>
+            </a:r>
+            <a:r>
+              <a:rPr lang="pt-BR" dirty="0" err="1"/>
+              <a:t>'s</a:t>
+            </a:r>
+            <a:r>
+              <a:rPr lang="pt-BR" dirty="0"/>
+              <a:t>.</a:t>
+            </a:r>
+          </a:p>
+          <a:p>
+            <a:r>
+              <a:rPr lang="pt-BR" dirty="0"/>
+              <a:t>Ela garante que a comunicação entre as instancias dos serviços, flexível, confiável e rápida. Além disso fornece algumas capacidades como </a:t>
+            </a:r>
+            <a:r>
+              <a:rPr lang="pt-BR" i="1" dirty="0" err="1"/>
+              <a:t>Load</a:t>
+            </a:r>
+            <a:r>
+              <a:rPr lang="pt-BR" i="1" dirty="0"/>
+              <a:t> </a:t>
+            </a:r>
+            <a:r>
+              <a:rPr lang="pt-BR" i="1" dirty="0" err="1"/>
+              <a:t>Balancers</a:t>
+            </a:r>
+            <a:r>
+              <a:rPr lang="pt-BR" dirty="0"/>
+              <a:t>, Criptografia, Autenticação, suporte para os padrões de </a:t>
+            </a:r>
+            <a:r>
+              <a:rPr lang="pt-BR" i="1" dirty="0" err="1"/>
+              <a:t>Circuit</a:t>
+            </a:r>
+            <a:r>
+              <a:rPr lang="pt-BR" i="1" dirty="0"/>
+              <a:t> </a:t>
+            </a:r>
+            <a:r>
+              <a:rPr lang="pt-BR" i="1" dirty="0" err="1"/>
+              <a:t>Breakers</a:t>
+            </a:r>
+            <a:r>
+              <a:rPr lang="pt-BR" dirty="0"/>
+              <a:t>, dentre outras.</a:t>
+            </a:r>
+          </a:p>
+        </p:txBody>
+      </p:sp>
+      <p:sp>
+        <p:nvSpPr>
+          <p:cNvPr id="5" name="Retângulo 4">
+            <a:extLst>
+              <a:ext uri="{FF2B5EF4-FFF2-40B4-BE49-F238E27FC236}">
+                <a16:creationId xmlns:a16="http://schemas.microsoft.com/office/drawing/2014/main" id="{1B1B98C2-882E-44B8-94B2-6498B4952B06}"/>
+              </a:ext>
+            </a:extLst>
+          </p:cNvPr>
+          <p:cNvSpPr/>
+          <p:nvPr/>
+        </p:nvSpPr>
+        <p:spPr>
+          <a:xfrm>
+            <a:off x="1315612" y="4904406"/>
+            <a:ext cx="4355724" cy="1080654"/>
+          </a:xfrm>
+          <a:prstGeom prst="rect">
+            <a:avLst/>
+          </a:prstGeom>
+        </p:spPr>
+        <p:style>
+          <a:lnRef idx="1">
+            <a:schemeClr val="accent1"/>
+          </a:lnRef>
+          <a:fillRef idx="2">
+            <a:schemeClr val="accent1"/>
+          </a:fillRef>
+          <a:effectRef idx="1">
+            <a:schemeClr val="accent1"/>
+          </a:effectRef>
+          <a:fontRef idx="minor">
+            <a:schemeClr val="dk1"/>
+          </a:fontRef>
+        </p:style>
+        <p:txBody>
+          <a:bodyPr rtlCol="0" anchor="ctr"/>
+          <a:lstStyle/>
+          <a:p>
+            <a:r>
+              <a:rPr lang="pt-BR" dirty="0"/>
+              <a:t>Container</a:t>
+            </a:r>
+          </a:p>
+        </p:txBody>
+      </p:sp>
+      <p:sp>
+        <p:nvSpPr>
+          <p:cNvPr id="6" name="Retângulo: Cantos Arredondados 5">
+            <a:extLst>
+              <a:ext uri="{FF2B5EF4-FFF2-40B4-BE49-F238E27FC236}">
+                <a16:creationId xmlns:a16="http://schemas.microsoft.com/office/drawing/2014/main" id="{D83F12DE-4BD6-4E49-BD1E-FE54D513AF67}"/>
+              </a:ext>
+            </a:extLst>
+          </p:cNvPr>
+          <p:cNvSpPr/>
+          <p:nvPr/>
+        </p:nvSpPr>
+        <p:spPr>
+          <a:xfrm>
+            <a:off x="2403297" y="4987533"/>
+            <a:ext cx="1561673" cy="914400"/>
+          </a:xfrm>
+          <a:prstGeom prst="roundRect">
+            <a:avLst/>
+          </a:prstGeom>
+        </p:spPr>
+        <p:style>
+          <a:lnRef idx="1">
+            <a:schemeClr val="accent6"/>
+          </a:lnRef>
+          <a:fillRef idx="2">
+            <a:schemeClr val="accent6"/>
+          </a:fillRef>
+          <a:effectRef idx="1">
+            <a:schemeClr val="accent6"/>
+          </a:effectRef>
+          <a:fontRef idx="minor">
+            <a:schemeClr val="dk1"/>
+          </a:fontRef>
+        </p:style>
+        <p:txBody>
+          <a:bodyPr rtlCol="0" anchor="ctr"/>
+          <a:lstStyle/>
+          <a:p>
+            <a:pPr algn="ctr"/>
+            <a:r>
+              <a:rPr lang="pt-BR" dirty="0"/>
+              <a:t>Aplicação A</a:t>
+            </a:r>
+          </a:p>
+        </p:txBody>
+      </p:sp>
+      <p:sp>
+        <p:nvSpPr>
+          <p:cNvPr id="7" name="Retângulo: Cantos Arredondados 6">
+            <a:extLst>
+              <a:ext uri="{FF2B5EF4-FFF2-40B4-BE49-F238E27FC236}">
+                <a16:creationId xmlns:a16="http://schemas.microsoft.com/office/drawing/2014/main" id="{376280D4-7EBB-45E9-AE70-61C68D8BF6C5}"/>
+              </a:ext>
+            </a:extLst>
+          </p:cNvPr>
+          <p:cNvSpPr/>
+          <p:nvPr/>
+        </p:nvSpPr>
+        <p:spPr>
+          <a:xfrm>
+            <a:off x="4595455" y="4987533"/>
+            <a:ext cx="914400" cy="914400"/>
+          </a:xfrm>
+          <a:prstGeom prst="roundRect">
+            <a:avLst/>
+          </a:prstGeom>
+        </p:spPr>
+        <p:style>
+          <a:lnRef idx="1">
+            <a:schemeClr val="accent4"/>
+          </a:lnRef>
+          <a:fillRef idx="2">
+            <a:schemeClr val="accent4"/>
+          </a:fillRef>
+          <a:effectRef idx="1">
+            <a:schemeClr val="accent4"/>
+          </a:effectRef>
+          <a:fontRef idx="minor">
+            <a:schemeClr val="dk1"/>
+          </a:fontRef>
+        </p:style>
+        <p:txBody>
+          <a:bodyPr rtlCol="0" anchor="ctr"/>
+          <a:lstStyle/>
+          <a:p>
+            <a:pPr algn="ctr"/>
+            <a:r>
+              <a:rPr lang="pt-BR" dirty="0"/>
+              <a:t>Proxy</a:t>
+            </a:r>
+          </a:p>
+        </p:txBody>
+      </p:sp>
+      <p:cxnSp>
+        <p:nvCxnSpPr>
+          <p:cNvPr id="8" name="Conector de Seta Reta 7">
+            <a:extLst>
+              <a:ext uri="{FF2B5EF4-FFF2-40B4-BE49-F238E27FC236}">
+                <a16:creationId xmlns:a16="http://schemas.microsoft.com/office/drawing/2014/main" id="{4A50D032-A5CB-4F07-93C0-15CC6F3C3A19}"/>
+              </a:ext>
+            </a:extLst>
+          </p:cNvPr>
+          <p:cNvCxnSpPr>
+            <a:stCxn id="6" idx="3"/>
+            <a:endCxn id="7" idx="1"/>
+          </p:cNvCxnSpPr>
+          <p:nvPr/>
+        </p:nvCxnSpPr>
+        <p:spPr>
+          <a:xfrm>
+            <a:off x="3964970" y="5444733"/>
+            <a:ext cx="630485" cy="0"/>
+          </a:xfrm>
+          <a:prstGeom prst="straightConnector1">
+            <a:avLst/>
+          </a:prstGeom>
+          <a:ln>
+            <a:tailEnd type="triangle"/>
+          </a:ln>
+        </p:spPr>
+        <p:style>
+          <a:lnRef idx="3">
+            <a:schemeClr val="dk1"/>
+          </a:lnRef>
+          <a:fillRef idx="0">
+            <a:schemeClr val="dk1"/>
+          </a:fillRef>
+          <a:effectRef idx="2">
+            <a:schemeClr val="dk1"/>
+          </a:effectRef>
+          <a:fontRef idx="minor">
+            <a:schemeClr val="tx1"/>
+          </a:fontRef>
+        </p:style>
+      </p:cxnSp>
+      <p:sp>
+        <p:nvSpPr>
+          <p:cNvPr id="9" name="Retângulo 8">
+            <a:extLst>
+              <a:ext uri="{FF2B5EF4-FFF2-40B4-BE49-F238E27FC236}">
+                <a16:creationId xmlns:a16="http://schemas.microsoft.com/office/drawing/2014/main" id="{D140E804-5D85-43F7-9741-F98CDF4C1955}"/>
+              </a:ext>
+            </a:extLst>
+          </p:cNvPr>
+          <p:cNvSpPr/>
+          <p:nvPr/>
+        </p:nvSpPr>
+        <p:spPr>
+          <a:xfrm>
+            <a:off x="7078894" y="4904406"/>
+            <a:ext cx="3433957" cy="1080654"/>
+          </a:xfrm>
+          <a:prstGeom prst="rect">
+            <a:avLst/>
+          </a:prstGeom>
+        </p:spPr>
+        <p:style>
+          <a:lnRef idx="1">
+            <a:schemeClr val="accent1"/>
+          </a:lnRef>
+          <a:fillRef idx="2">
+            <a:schemeClr val="accent1"/>
+          </a:fillRef>
+          <a:effectRef idx="1">
+            <a:schemeClr val="accent1"/>
+          </a:effectRef>
+          <a:fontRef idx="minor">
+            <a:schemeClr val="dk1"/>
+          </a:fontRef>
+        </p:style>
+        <p:txBody>
+          <a:bodyPr rtlCol="0" anchor="ctr"/>
+          <a:lstStyle/>
+          <a:p>
+            <a:endParaRPr lang="pt-BR" dirty="0"/>
+          </a:p>
+        </p:txBody>
+      </p:sp>
+      <p:sp>
+        <p:nvSpPr>
+          <p:cNvPr id="11" name="Retângulo: Cantos Arredondados 10">
+            <a:extLst>
+              <a:ext uri="{FF2B5EF4-FFF2-40B4-BE49-F238E27FC236}">
+                <a16:creationId xmlns:a16="http://schemas.microsoft.com/office/drawing/2014/main" id="{8A30243B-EAC8-414C-B8ED-70E220CA0FE7}"/>
+              </a:ext>
+            </a:extLst>
+          </p:cNvPr>
+          <p:cNvSpPr/>
+          <p:nvPr/>
+        </p:nvSpPr>
+        <p:spPr>
+          <a:xfrm>
+            <a:off x="7244813" y="4987533"/>
+            <a:ext cx="914400" cy="914400"/>
+          </a:xfrm>
+          <a:prstGeom prst="roundRect">
+            <a:avLst/>
+          </a:prstGeom>
+        </p:spPr>
+        <p:style>
+          <a:lnRef idx="1">
+            <a:schemeClr val="accent4"/>
+          </a:lnRef>
+          <a:fillRef idx="2">
+            <a:schemeClr val="accent4"/>
+          </a:fillRef>
+          <a:effectRef idx="1">
+            <a:schemeClr val="accent4"/>
+          </a:effectRef>
+          <a:fontRef idx="minor">
+            <a:schemeClr val="dk1"/>
+          </a:fontRef>
+        </p:style>
+        <p:txBody>
+          <a:bodyPr rtlCol="0" anchor="ctr"/>
+          <a:lstStyle/>
+          <a:p>
+            <a:pPr algn="ctr"/>
+            <a:r>
+              <a:rPr lang="pt-BR" dirty="0"/>
+              <a:t>Proxy</a:t>
+            </a:r>
+          </a:p>
+        </p:txBody>
+      </p:sp>
+      <p:cxnSp>
+        <p:nvCxnSpPr>
+          <p:cNvPr id="13" name="Conector de Seta Reta 12">
+            <a:extLst>
+              <a:ext uri="{FF2B5EF4-FFF2-40B4-BE49-F238E27FC236}">
+                <a16:creationId xmlns:a16="http://schemas.microsoft.com/office/drawing/2014/main" id="{0D8DB861-640A-4836-9842-A51283AA229E}"/>
+              </a:ext>
+            </a:extLst>
+          </p:cNvPr>
+          <p:cNvCxnSpPr>
+            <a:cxnSpLocks/>
+            <a:stCxn id="7" idx="3"/>
+            <a:endCxn id="11" idx="1"/>
+          </p:cNvCxnSpPr>
+          <p:nvPr/>
+        </p:nvCxnSpPr>
+        <p:spPr>
+          <a:xfrm>
+            <a:off x="5509855" y="5444733"/>
+            <a:ext cx="1734958" cy="0"/>
+          </a:xfrm>
+          <a:prstGeom prst="straightConnector1">
+            <a:avLst/>
+          </a:prstGeom>
+          <a:ln>
+            <a:tailEnd type="triangle"/>
+          </a:ln>
+        </p:spPr>
+        <p:style>
+          <a:lnRef idx="3">
+            <a:schemeClr val="dk1"/>
+          </a:lnRef>
+          <a:fillRef idx="0">
+            <a:schemeClr val="dk1"/>
+          </a:fillRef>
+          <a:effectRef idx="2">
+            <a:schemeClr val="dk1"/>
+          </a:effectRef>
+          <a:fontRef idx="minor">
+            <a:schemeClr val="tx1"/>
+          </a:fontRef>
+        </p:style>
+      </p:cxnSp>
+      <p:sp>
+        <p:nvSpPr>
+          <p:cNvPr id="14" name="Retângulo: Cantos Arredondados 13">
+            <a:extLst>
+              <a:ext uri="{FF2B5EF4-FFF2-40B4-BE49-F238E27FC236}">
+                <a16:creationId xmlns:a16="http://schemas.microsoft.com/office/drawing/2014/main" id="{F3A5DF86-C9EF-4616-8917-17DF3B3C0BA6}"/>
+              </a:ext>
+            </a:extLst>
+          </p:cNvPr>
+          <p:cNvSpPr/>
+          <p:nvPr/>
+        </p:nvSpPr>
+        <p:spPr>
+          <a:xfrm>
+            <a:off x="8652371" y="4987533"/>
+            <a:ext cx="1561673" cy="914400"/>
+          </a:xfrm>
+          <a:prstGeom prst="roundRect">
+            <a:avLst/>
+          </a:prstGeom>
+        </p:spPr>
+        <p:style>
+          <a:lnRef idx="1">
+            <a:schemeClr val="accent6"/>
+          </a:lnRef>
+          <a:fillRef idx="2">
+            <a:schemeClr val="accent6"/>
+          </a:fillRef>
+          <a:effectRef idx="1">
+            <a:schemeClr val="accent6"/>
+          </a:effectRef>
+          <a:fontRef idx="minor">
+            <a:schemeClr val="dk1"/>
+          </a:fontRef>
+        </p:style>
+        <p:txBody>
+          <a:bodyPr rtlCol="0" anchor="ctr"/>
+          <a:lstStyle/>
+          <a:p>
+            <a:pPr algn="ctr"/>
+            <a:r>
+              <a:rPr lang="pt-BR" dirty="0"/>
+              <a:t>Aplicação B</a:t>
+            </a:r>
+          </a:p>
+        </p:txBody>
+      </p:sp>
+      <p:cxnSp>
+        <p:nvCxnSpPr>
+          <p:cNvPr id="16" name="Conector de Seta Reta 15">
+            <a:extLst>
+              <a:ext uri="{FF2B5EF4-FFF2-40B4-BE49-F238E27FC236}">
+                <a16:creationId xmlns:a16="http://schemas.microsoft.com/office/drawing/2014/main" id="{929F0549-F908-4360-BBD3-AFF319DBE27A}"/>
+              </a:ext>
+            </a:extLst>
+          </p:cNvPr>
+          <p:cNvCxnSpPr>
+            <a:cxnSpLocks/>
+            <a:stCxn id="11" idx="3"/>
+            <a:endCxn id="14" idx="1"/>
+          </p:cNvCxnSpPr>
+          <p:nvPr/>
+        </p:nvCxnSpPr>
+        <p:spPr>
+          <a:xfrm>
+            <a:off x="8159213" y="5444733"/>
+            <a:ext cx="493158" cy="0"/>
+          </a:xfrm>
+          <a:prstGeom prst="straightConnector1">
+            <a:avLst/>
+          </a:prstGeom>
+          <a:ln>
+            <a:tailEnd type="triangle"/>
+          </a:ln>
+        </p:spPr>
+        <p:style>
+          <a:lnRef idx="3">
+            <a:schemeClr val="dk1"/>
+          </a:lnRef>
+          <a:fillRef idx="0">
+            <a:schemeClr val="dk1"/>
+          </a:fillRef>
+          <a:effectRef idx="2">
+            <a:schemeClr val="dk1"/>
+          </a:effectRef>
+          <a:fontRef idx="minor">
+            <a:schemeClr val="tx1"/>
+          </a:fontRef>
+        </p:style>
+      </p:cxnSp>
+    </p:spTree>
+    <p:extLst>
+      <p:ext uri="{BB962C8B-B14F-4D97-AF65-F5344CB8AC3E}">
+        <p14:creationId xmlns:p14="http://schemas.microsoft.com/office/powerpoint/2010/main" val="687999733"/>
+      </p:ext>
+    </p:extLst>
+  </p:cSld>
+  <p:clrMapOvr>
+    <a:masterClrMapping/>
+  </p:clrMapOvr>
+</p:sld>
+</file>
+
+<file path=ppt/slides/slide12.xml><?xml version="1.0" encoding="utf-8"?>
+<p:sld xmlns:a="http://schemas.openxmlformats.org/drawingml/2006/main" xmlns:r="http://schemas.openxmlformats.org/officeDocument/2006/relationships" xmlns:p="http://schemas.openxmlformats.org/presentationml/2006/main">
+  <p:cSld>
+    <p:spTree>
+      <p:nvGrpSpPr>
+        <p:cNvPr id="1" name=""/>
+        <p:cNvGrpSpPr/>
+        <p:nvPr/>
+      </p:nvGrpSpPr>
+      <p:grpSpPr>
+        <a:xfrm>
+          <a:off x="0" y="0"/>
+          <a:ext cx="0" cy="0"/>
+          <a:chOff x="0" y="0"/>
+          <a:chExt cx="0" cy="0"/>
+        </a:xfrm>
+      </p:grpSpPr>
+      <p:sp>
+        <p:nvSpPr>
+          <p:cNvPr id="2" name="Título 1">
+            <a:extLst>
+              <a:ext uri="{FF2B5EF4-FFF2-40B4-BE49-F238E27FC236}">
+                <a16:creationId xmlns:a16="http://schemas.microsoft.com/office/drawing/2014/main" id="{08C4BC34-069E-4388-A23C-5AA9B26E5A0E}"/>
+              </a:ext>
+            </a:extLst>
+          </p:cNvPr>
+          <p:cNvSpPr>
+            <a:spLocks noGrp="1"/>
+          </p:cNvSpPr>
+          <p:nvPr>
+            <p:ph type="title"/>
+          </p:nvPr>
+        </p:nvSpPr>
+        <p:spPr/>
+        <p:txBody>
+          <a:bodyPr/>
+          <a:lstStyle/>
+          <a:p>
+            <a:r>
+              <a:rPr lang="pt-BR" i="1" dirty="0">
+                <a:hlinkClick r:id="rId2"/>
+              </a:rPr>
+              <a:t>Resilience4J</a:t>
+            </a:r>
+            <a:endParaRPr lang="pt-BR" i="1" dirty="0"/>
+          </a:p>
+        </p:txBody>
+      </p:sp>
+      <p:sp>
+        <p:nvSpPr>
+          <p:cNvPr id="3" name="Espaço Reservado para Conteúdo 2">
+            <a:extLst>
+              <a:ext uri="{FF2B5EF4-FFF2-40B4-BE49-F238E27FC236}">
+                <a16:creationId xmlns:a16="http://schemas.microsoft.com/office/drawing/2014/main" id="{E44529AB-04B4-42BB-8C5E-C7063CEC3B14}"/>
+              </a:ext>
+            </a:extLst>
+          </p:cNvPr>
+          <p:cNvSpPr>
+            <a:spLocks noGrp="1"/>
+          </p:cNvSpPr>
+          <p:nvPr>
+            <p:ph idx="1"/>
+          </p:nvPr>
+        </p:nvSpPr>
+        <p:spPr/>
+        <p:txBody>
+          <a:bodyPr>
+            <a:normAutofit lnSpcReduction="10000"/>
+          </a:bodyPr>
+          <a:lstStyle/>
+          <a:p>
+            <a:r>
+              <a:rPr lang="pt-BR" dirty="0"/>
+              <a:t>“É uma biblioteca de tolerância à falhas leve e fácil de usar, que foi inspirada na biblioteca da Netflix </a:t>
+            </a:r>
+            <a:r>
+              <a:rPr lang="pt-BR" dirty="0" err="1"/>
+              <a:t>Hystrix</a:t>
+            </a:r>
+            <a:r>
+              <a:rPr lang="pt-BR" dirty="0"/>
+              <a:t>, porém projetado para Java 8 e programação funcional”.</a:t>
+            </a:r>
+          </a:p>
+          <a:p>
+            <a:r>
+              <a:rPr lang="pt-BR" dirty="0"/>
+              <a:t>Recursos modularizados:</a:t>
+            </a:r>
+          </a:p>
+          <a:p>
+            <a:pPr lvl="1"/>
+            <a:r>
+              <a:rPr lang="pt-BR" dirty="0" err="1"/>
+              <a:t>CircuitBreaker</a:t>
+            </a:r>
+            <a:endParaRPr lang="pt-BR" dirty="0"/>
+          </a:p>
+          <a:p>
+            <a:pPr lvl="1"/>
+            <a:r>
+              <a:rPr lang="pt-BR" dirty="0" err="1"/>
+              <a:t>Bulkhead</a:t>
+            </a:r>
+            <a:endParaRPr lang="pt-BR" dirty="0"/>
+          </a:p>
+          <a:p>
+            <a:pPr lvl="1"/>
+            <a:r>
+              <a:rPr lang="pt-BR" dirty="0" err="1"/>
+              <a:t>RateLimiter</a:t>
+            </a:r>
+            <a:endParaRPr lang="pt-BR" dirty="0"/>
+          </a:p>
+          <a:p>
+            <a:pPr lvl="1"/>
+            <a:r>
+              <a:rPr lang="pt-BR" dirty="0" err="1"/>
+              <a:t>Retry</a:t>
+            </a:r>
+            <a:endParaRPr lang="pt-BR" dirty="0"/>
+          </a:p>
+          <a:p>
+            <a:pPr lvl="1"/>
+            <a:r>
+              <a:rPr lang="pt-BR" dirty="0" err="1"/>
+              <a:t>TimeLimiter</a:t>
+            </a:r>
+            <a:endParaRPr lang="pt-BR" dirty="0"/>
+          </a:p>
+          <a:p>
+            <a:pPr lvl="1"/>
+            <a:r>
+              <a:rPr lang="pt-BR" dirty="0"/>
+              <a:t>Cache</a:t>
+            </a:r>
+          </a:p>
+          <a:p>
+            <a:r>
+              <a:rPr lang="pt-BR" dirty="0"/>
+              <a:t>Usa algumas interfaces funcionais do Java 8 e é baseado no </a:t>
+            </a:r>
+            <a:r>
+              <a:rPr lang="pt-BR" i="1" dirty="0" err="1">
+                <a:hlinkClick r:id="rId3"/>
+              </a:rPr>
+              <a:t>Vavr</a:t>
+            </a:r>
+            <a:r>
+              <a:rPr lang="pt-BR" i="1" dirty="0"/>
+              <a:t>.</a:t>
+            </a:r>
+            <a:endParaRPr lang="pt-BR" dirty="0"/>
+          </a:p>
+        </p:txBody>
+      </p:sp>
+    </p:spTree>
+    <p:extLst>
+      <p:ext uri="{BB962C8B-B14F-4D97-AF65-F5344CB8AC3E}">
+        <p14:creationId xmlns:p14="http://schemas.microsoft.com/office/powerpoint/2010/main" val="2641428068"/>
       </p:ext>
     </p:extLst>
   </p:cSld>
@@ -5300,11 +6006,11 @@
   <p:clrMapOvr>
     <a:masterClrMapping/>
   </p:clrMapOvr>
-  <mc:AlternateContent xmlns:mc="http://schemas.openxmlformats.org/markup-compatibility/2006">
-    <mc:Choice xmlns:p14="http://schemas.microsoft.com/office/powerpoint/2010/main" Requires="p14">
+  <mc:AlternateContent xmlns:mc="http://schemas.openxmlformats.org/markup-compatibility/2006" xmlns:p14="http://schemas.microsoft.com/office/powerpoint/2010/main">
+    <mc:Choice Requires="p14">
       <p:transition p14:dur="10"/>
     </mc:Choice>
-    <mc:Fallback>
+    <mc:Fallback xmlns="">
       <p:transition/>
     </mc:Fallback>
   </mc:AlternateContent>
@@ -6409,11 +7115,11 @@
   <p:clrMapOvr>
     <a:masterClrMapping/>
   </p:clrMapOvr>
-  <mc:AlternateContent xmlns:mc="http://schemas.openxmlformats.org/markup-compatibility/2006">
-    <mc:Choice xmlns:p14="http://schemas.microsoft.com/office/powerpoint/2010/main" Requires="p14">
+  <mc:AlternateContent xmlns:mc="http://schemas.openxmlformats.org/markup-compatibility/2006" xmlns:p14="http://schemas.microsoft.com/office/powerpoint/2010/main">
+    <mc:Choice Requires="p14">
       <p:transition p14:dur="10"/>
     </mc:Choice>
-    <mc:Fallback>
+    <mc:Fallback xmlns="">
       <p:transition/>
     </mc:Fallback>
   </mc:AlternateContent>
@@ -7592,35 +8298,51 @@
           <a:lstStyle/>
           <a:p>
             <a:r>
-              <a:rPr lang="pt-BR" dirty="0" err="1"/>
+              <a:rPr lang="pt-BR" i="1" dirty="0" err="1"/>
               <a:t>Fallback</a:t>
             </a:r>
+            <a:endParaRPr lang="pt-BR" i="1" dirty="0"/>
+          </a:p>
+        </p:txBody>
+      </p:sp>
+      <p:sp>
+        <p:nvSpPr>
+          <p:cNvPr id="3" name="Espaço Reservado para Conteúdo 2">
+            <a:extLst>
+              <a:ext uri="{FF2B5EF4-FFF2-40B4-BE49-F238E27FC236}">
+                <a16:creationId xmlns:a16="http://schemas.microsoft.com/office/drawing/2014/main" id="{96D42B5D-80B9-486E-BB7C-723FC2F1294A}"/>
+              </a:ext>
+            </a:extLst>
+          </p:cNvPr>
+          <p:cNvSpPr>
+            <a:spLocks noGrp="1"/>
+          </p:cNvSpPr>
+          <p:nvPr>
+            <p:ph idx="1"/>
+          </p:nvPr>
+        </p:nvSpPr>
+        <p:spPr/>
+        <p:txBody>
+          <a:bodyPr/>
+          <a:lstStyle/>
+          <a:p>
+            <a:pPr algn="ctr"/>
             <a:endParaRPr lang="pt-BR" dirty="0"/>
           </a:p>
-        </p:txBody>
-      </p:sp>
-      <p:sp>
-        <p:nvSpPr>
-          <p:cNvPr id="3" name="Espaço Reservado para Conteúdo 2">
-            <a:extLst>
-              <a:ext uri="{FF2B5EF4-FFF2-40B4-BE49-F238E27FC236}">
-                <a16:creationId xmlns:a16="http://schemas.microsoft.com/office/drawing/2014/main" id="{96D42B5D-80B9-486E-BB7C-723FC2F1294A}"/>
-              </a:ext>
-            </a:extLst>
-          </p:cNvPr>
-          <p:cNvSpPr>
-            <a:spLocks noGrp="1"/>
-          </p:cNvSpPr>
-          <p:nvPr>
-            <p:ph idx="1"/>
-          </p:nvPr>
-        </p:nvSpPr>
-        <p:spPr/>
-        <p:txBody>
-          <a:bodyPr/>
-          <a:lstStyle/>
-          <a:p>
+          <a:p>
+            <a:pPr algn="ctr"/>
             <a:endParaRPr lang="pt-BR" dirty="0"/>
+          </a:p>
+          <a:p>
+            <a:pPr algn="ctr"/>
+            <a:endParaRPr lang="pt-BR" dirty="0"/>
+          </a:p>
+          <a:p>
+            <a:pPr algn="ctr"/>
+            <a:r>
+              <a:rPr lang="pt-BR" dirty="0"/>
+              <a:t>O que fazer caso hajam falhas nas chamadas à outros micros serviços?</a:t>
+            </a:r>
           </a:p>
         </p:txBody>
       </p:sp>
@@ -8122,11 +8844,11 @@
   <p:clrMapOvr>
     <a:masterClrMapping/>
   </p:clrMapOvr>
-  <mc:AlternateContent xmlns:mc="http://schemas.openxmlformats.org/markup-compatibility/2006">
-    <mc:Choice xmlns:p14="http://schemas.microsoft.com/office/powerpoint/2010/main" Requires="p14">
+  <mc:AlternateContent xmlns:mc="http://schemas.openxmlformats.org/markup-compatibility/2006" xmlns:p14="http://schemas.microsoft.com/office/powerpoint/2010/main">
+    <mc:Choice Requires="p14">
       <p:transition p14:dur="10"/>
     </mc:Choice>
-    <mc:Fallback>
+    <mc:Fallback xmlns="">
       <p:transition/>
     </mc:Fallback>
   </mc:AlternateContent>

--- a/circuit breaker.pptx
+++ b/circuit breaker.pptx
@@ -4929,47 +4929,47 @@
           <a:p>
             <a:pPr lvl="1"/>
             <a:r>
-              <a:rPr lang="pt-BR" dirty="0" err="1"/>
+              <a:rPr lang="pt-BR" i="1" dirty="0" err="1"/>
               <a:t>CircuitBreaker</a:t>
             </a:r>
-            <a:endParaRPr lang="pt-BR" dirty="0"/>
+            <a:endParaRPr lang="pt-BR" i="1" dirty="0"/>
           </a:p>
           <a:p>
             <a:pPr lvl="1"/>
             <a:r>
-              <a:rPr lang="pt-BR" dirty="0" err="1"/>
+              <a:rPr lang="pt-BR" i="1" dirty="0" err="1"/>
               <a:t>Bulkhead</a:t>
             </a:r>
-            <a:endParaRPr lang="pt-BR" dirty="0"/>
+            <a:endParaRPr lang="pt-BR" i="1" dirty="0"/>
           </a:p>
           <a:p>
             <a:pPr lvl="1"/>
             <a:r>
-              <a:rPr lang="pt-BR" dirty="0" err="1"/>
+              <a:rPr lang="pt-BR" i="1" dirty="0" err="1"/>
               <a:t>RateLimiter</a:t>
             </a:r>
-            <a:endParaRPr lang="pt-BR" dirty="0"/>
+            <a:endParaRPr lang="pt-BR" i="1" dirty="0"/>
           </a:p>
           <a:p>
             <a:pPr lvl="1"/>
             <a:r>
-              <a:rPr lang="pt-BR" dirty="0" err="1"/>
+              <a:rPr lang="pt-BR" i="1" dirty="0" err="1"/>
               <a:t>Retry</a:t>
             </a:r>
-            <a:endParaRPr lang="pt-BR" dirty="0"/>
+            <a:endParaRPr lang="pt-BR" i="1" dirty="0"/>
           </a:p>
           <a:p>
             <a:pPr lvl="1"/>
             <a:r>
-              <a:rPr lang="pt-BR" dirty="0" err="1"/>
+              <a:rPr lang="pt-BR" i="1" dirty="0" err="1"/>
               <a:t>TimeLimiter</a:t>
             </a:r>
-            <a:endParaRPr lang="pt-BR" dirty="0"/>
+            <a:endParaRPr lang="pt-BR" i="1" dirty="0"/>
           </a:p>
           <a:p>
             <a:pPr lvl="1"/>
             <a:r>
-              <a:rPr lang="pt-BR" dirty="0"/>
+              <a:rPr lang="pt-BR" i="1" dirty="0"/>
               <a:t>Cache</a:t>
             </a:r>
           </a:p>

--- a/circuit breaker.pptx
+++ b/circuit breaker.pptx
@@ -208,7 +208,7 @@
           <a:p>
             <a:fld id="{FB94CB17-A0FB-4517-AB07-3CA3AE17D330}" type="datetimeFigureOut">
               <a:rPr lang="pt-BR" smtClean="0"/>
-              <a:t>26/09/2021</a:t>
+              <a:t>04/10/2021</a:t>
             </a:fld>
             <a:endParaRPr lang="pt-BR"/>
           </a:p>
@@ -538,13 +538,23 @@
             </a:pPr>
             <a:r>
               <a:rPr lang="pt-BR" dirty="0"/>
-              <a:t>1 - é um interruptor elétrico projetado para proteger um circuito elétrico de danos causados ​​por falhas na alimentação elétrica, principalmente devido a situações de sobrecorrentes, causadas por exemplo por excesso de carga ou um curto-circuito.</a:t>
-            </a:r>
-          </a:p>
-          <a:p>
-            <a:r>
-              <a:rPr lang="pt-BR" dirty="0"/>
-              <a:t>2 - Ele fica analisando e caso perceba um potencial problema, ele abre o circuito.</a:t>
+              <a:t>O termo "</a:t>
+            </a:r>
+            <a:r>
+              <a:rPr lang="pt-BR" dirty="0" err="1"/>
+              <a:t>Circuit</a:t>
+            </a:r>
+            <a:r>
+              <a:rPr lang="pt-BR" dirty="0"/>
+              <a:t> </a:t>
+            </a:r>
+            <a:r>
+              <a:rPr lang="pt-BR" dirty="0" err="1"/>
+              <a:t>Breaker</a:t>
+            </a:r>
+            <a:r>
+              <a:rPr lang="pt-BR" dirty="0"/>
+              <a:t>" é utilizado na engenharia elétrica</a:t>
             </a:r>
             <a:br>
               <a:rPr lang="pt-BR" dirty="0"/>
@@ -554,7 +564,53 @@
             </a:br>
             <a:r>
               <a:rPr lang="pt-BR" dirty="0"/>
-              <a:t>3 – Antes de explicar o termo </a:t>
+              <a:t>É um interruptor elétrico projetado para proteger um circuito elétrico de danos causados ​​por falhas na alimentação elétrica, principalmente devido a situações de sobrecorrentes, causadas por exemplo por excesso de carga ou um curto-circuito.</a:t>
+            </a:r>
+          </a:p>
+          <a:p>
+            <a:pPr marL="0" marR="0" lvl="0" indent="0" algn="l" defTabSz="914400" rtl="0" eaLnBrk="1" fontAlgn="auto" latinLnBrk="0" hangingPunct="1">
+              <a:lnSpc>
+                <a:spcPct val="100000"/>
+              </a:lnSpc>
+              <a:spcBef>
+                <a:spcPts val="0"/>
+              </a:spcBef>
+              <a:spcAft>
+                <a:spcPts val="0"/>
+              </a:spcAft>
+              <a:buClrTx/>
+              <a:buSzTx/>
+              <a:buFontTx/>
+              <a:buNone/>
+              <a:tabLst/>
+              <a:defRPr/>
+            </a:pPr>
+            <a:endParaRPr lang="pt-BR" dirty="0"/>
+          </a:p>
+          <a:p>
+            <a:r>
+              <a:rPr lang="pt-BR" dirty="0"/>
+              <a:t>No caso, meio que ele fica analisando e caso perceba um potencial problema, ele abre o circuito. Evitando que dispositivos queimem caso haja uma descarga elétrica anormal que não é segura,  assim o mecanismo desliga e evita que a carga chegue aos </a:t>
+            </a:r>
+            <a:r>
+              <a:rPr lang="pt-BR" dirty="0" err="1"/>
+              <a:t>disposiivos</a:t>
+            </a:r>
+            <a:r>
+              <a:rPr lang="pt-BR" dirty="0"/>
+              <a:t>;</a:t>
+            </a:r>
+          </a:p>
+          <a:p>
+            <a:br>
+              <a:rPr lang="pt-BR" dirty="0"/>
+            </a:br>
+            <a:br>
+              <a:rPr lang="pt-BR" dirty="0"/>
+            </a:br>
+            <a:r>
+              <a:rPr lang="pt-BR" dirty="0"/>
+              <a:t>Antes da gente ver mais sobre o termo </a:t>
             </a:r>
             <a:r>
               <a:rPr lang="pt-BR" dirty="0" err="1"/>
@@ -570,7 +626,7 @@
             </a:r>
             <a:r>
               <a:rPr lang="pt-BR" dirty="0"/>
-              <a:t> em TI, vamos ver um fluxo de </a:t>
+              <a:t> na nossa área (em TI), vamos ver tentar problematizar um pouco e ver um fluxo de </a:t>
             </a:r>
             <a:r>
               <a:rPr lang="pt-BR" dirty="0" err="1"/>
@@ -578,7 +634,7 @@
             </a:r>
             <a:r>
               <a:rPr lang="pt-BR" dirty="0"/>
-              <a:t> para ilustrar e problematizar o cenário</a:t>
+              <a:t> para ilustrar esse cenário no nosso mundo.</a:t>
             </a:r>
           </a:p>
         </p:txBody>
@@ -610,6 +666,571 @@
     <p:extLst>
       <p:ext uri="{BB962C8B-B14F-4D97-AF65-F5344CB8AC3E}">
         <p14:creationId xmlns:p14="http://schemas.microsoft.com/office/powerpoint/2010/main" val="2057682464"/>
+      </p:ext>
+    </p:extLst>
+  </p:cSld>
+  <p:clrMapOvr>
+    <a:masterClrMapping/>
+  </p:clrMapOvr>
+</p:notes>
+</file>
+
+<file path=ppt/notesSlides/notesSlide10.xml><?xml version="1.0" encoding="utf-8"?>
+<p:notes xmlns:a="http://schemas.openxmlformats.org/drawingml/2006/main" xmlns:r="http://schemas.openxmlformats.org/officeDocument/2006/relationships" xmlns:p="http://schemas.openxmlformats.org/presentationml/2006/main">
+  <p:cSld>
+    <p:spTree>
+      <p:nvGrpSpPr>
+        <p:cNvPr id="1" name=""/>
+        <p:cNvGrpSpPr/>
+        <p:nvPr/>
+      </p:nvGrpSpPr>
+      <p:grpSpPr>
+        <a:xfrm>
+          <a:off x="0" y="0"/>
+          <a:ext cx="0" cy="0"/>
+          <a:chOff x="0" y="0"/>
+          <a:chExt cx="0" cy="0"/>
+        </a:xfrm>
+      </p:grpSpPr>
+      <p:sp>
+        <p:nvSpPr>
+          <p:cNvPr id="2" name="Espaço Reservado para Imagem de Slide 1"/>
+          <p:cNvSpPr>
+            <a:spLocks noGrp="1" noRot="1" noChangeAspect="1"/>
+          </p:cNvSpPr>
+          <p:nvPr>
+            <p:ph type="sldImg"/>
+          </p:nvPr>
+        </p:nvSpPr>
+        <p:spPr/>
+      </p:sp>
+      <p:sp>
+        <p:nvSpPr>
+          <p:cNvPr id="3" name="Espaço Reservado para Anotações 2"/>
+          <p:cNvSpPr>
+            <a:spLocks noGrp="1"/>
+          </p:cNvSpPr>
+          <p:nvPr>
+            <p:ph type="body" idx="1"/>
+          </p:nvPr>
+        </p:nvSpPr>
+        <p:spPr/>
+        <p:txBody>
+          <a:bodyPr/>
+          <a:lstStyle/>
+          <a:p>
+            <a:r>
+              <a:rPr lang="pt-BR" dirty="0"/>
+              <a:t>Eu não manjo muito, não consegui pesquisar muito a fundo, mas o </a:t>
+            </a:r>
+            <a:r>
+              <a:rPr lang="pt-BR" dirty="0" err="1"/>
+              <a:t>service</a:t>
+            </a:r>
+            <a:r>
+              <a:rPr lang="pt-BR" dirty="0"/>
+              <a:t> </a:t>
+            </a:r>
+            <a:r>
+              <a:rPr lang="pt-BR" dirty="0" err="1"/>
+              <a:t>mesh</a:t>
+            </a:r>
+            <a:r>
+              <a:rPr lang="pt-BR" dirty="0"/>
+              <a:t>&gt;</a:t>
+            </a:r>
+            <a:br>
+              <a:rPr lang="pt-BR" dirty="0"/>
+            </a:br>
+            <a:br>
+              <a:rPr lang="pt-BR" dirty="0"/>
+            </a:br>
+            <a:r>
+              <a:rPr lang="pt-BR" dirty="0"/>
+              <a:t>Aqui digamos q </a:t>
+            </a:r>
+            <a:r>
+              <a:rPr lang="pt-BR" dirty="0" err="1"/>
+              <a:t>vc</a:t>
+            </a:r>
+            <a:r>
+              <a:rPr lang="pt-BR" dirty="0"/>
+              <a:t> tem a sua aplicação ali, implantada num </a:t>
+            </a:r>
+            <a:r>
+              <a:rPr lang="pt-BR" dirty="0" err="1"/>
+              <a:t>containerzinho</a:t>
+            </a:r>
+            <a:r>
+              <a:rPr lang="pt-BR" dirty="0"/>
+              <a:t> junto com um proxy, e em vez de a aplicação se comunicar diretamente com a outra aplicação, ele vai trabalhar se comunicando com o proxy, assim </a:t>
+            </a:r>
+            <a:r>
+              <a:rPr lang="pt-BR" dirty="0" err="1"/>
+              <a:t>vc</a:t>
+            </a:r>
+            <a:r>
+              <a:rPr lang="pt-BR" dirty="0"/>
+              <a:t> consegue por ele, já saber as informações necessárias e configurações , pra ativar o </a:t>
+            </a:r>
+            <a:r>
+              <a:rPr lang="pt-BR" dirty="0" err="1"/>
+              <a:t>circuit</a:t>
+            </a:r>
+            <a:r>
+              <a:rPr lang="pt-BR" dirty="0"/>
+              <a:t> </a:t>
+            </a:r>
+            <a:r>
+              <a:rPr lang="pt-BR" dirty="0" err="1"/>
+              <a:t>breaker</a:t>
+            </a:r>
+            <a:r>
+              <a:rPr lang="pt-BR" dirty="0"/>
+              <a:t> caso ele identifique o problema</a:t>
+            </a:r>
+          </a:p>
+          <a:p>
+            <a:endParaRPr lang="pt-BR" dirty="0"/>
+          </a:p>
+          <a:p>
+            <a:r>
+              <a:rPr lang="pt-BR" dirty="0"/>
+              <a:t>Em questão a configuração por exemplo, no </a:t>
+            </a:r>
+            <a:r>
+              <a:rPr lang="pt-BR" dirty="0" err="1"/>
+              <a:t>istio</a:t>
+            </a:r>
+            <a:r>
+              <a:rPr lang="pt-BR" dirty="0"/>
+              <a:t>, </a:t>
+            </a:r>
+            <a:r>
+              <a:rPr lang="pt-BR" dirty="0" err="1"/>
+              <a:t>vc</a:t>
+            </a:r>
+            <a:r>
+              <a:rPr lang="pt-BR" dirty="0"/>
+              <a:t> iria informar , o numero de erros máximo q </a:t>
+            </a:r>
+            <a:r>
+              <a:rPr lang="pt-BR" dirty="0" err="1"/>
+              <a:t>vc</a:t>
+            </a:r>
+            <a:r>
+              <a:rPr lang="pt-BR" dirty="0"/>
+              <a:t> espera antes de ativar o </a:t>
+            </a:r>
+            <a:r>
+              <a:rPr lang="pt-BR" dirty="0" err="1"/>
+              <a:t>circuit</a:t>
+            </a:r>
+            <a:r>
+              <a:rPr lang="pt-BR" dirty="0"/>
+              <a:t> </a:t>
+            </a:r>
+            <a:r>
+              <a:rPr lang="pt-BR" dirty="0" err="1"/>
+              <a:t>breaker</a:t>
+            </a:r>
+            <a:r>
+              <a:rPr lang="pt-BR" dirty="0"/>
+              <a:t> (tipo 3 erros), o intervalo de </a:t>
+            </a:r>
+            <a:r>
+              <a:rPr lang="pt-BR" dirty="0" err="1"/>
+              <a:t>checkagem</a:t>
+            </a:r>
+            <a:r>
+              <a:rPr lang="pt-BR" dirty="0"/>
+              <a:t> (a quero chegar a cada 10 segundos), o tempo em que eu vou manter em estado aberto (1 minuto) e a porcentagem de </a:t>
+            </a:r>
+            <a:r>
+              <a:rPr lang="pt-BR" dirty="0" err="1"/>
+              <a:t>conteiners</a:t>
+            </a:r>
+            <a:r>
+              <a:rPr lang="pt-BR" dirty="0"/>
+              <a:t> q eu vou deixar no estado aberto, tipo aqui podendo configurar 100% ou por exemplo falhando diretamente, nessa janela de tempo q eu configurei ,ou  deixar 80% das chamadas fora com falha direta e 20% das chamadas ainda tentando se comunicar com a outra aplicação.</a:t>
+            </a:r>
+            <a:br>
+              <a:rPr lang="pt-BR" dirty="0"/>
+            </a:br>
+            <a:br>
+              <a:rPr lang="pt-BR" dirty="0"/>
+            </a:br>
+            <a:r>
+              <a:rPr lang="pt-BR" dirty="0"/>
+              <a:t>Se eu não me engano, o </a:t>
+            </a:r>
+            <a:r>
+              <a:rPr lang="pt-BR" dirty="0" err="1"/>
+              <a:t>kubernetes</a:t>
+            </a:r>
+            <a:r>
+              <a:rPr lang="pt-BR" dirty="0"/>
+              <a:t> seria uma espécie de </a:t>
+            </a:r>
+            <a:r>
+              <a:rPr lang="pt-BR" dirty="0" err="1"/>
+              <a:t>service</a:t>
+            </a:r>
+            <a:r>
+              <a:rPr lang="pt-BR" dirty="0"/>
+              <a:t> </a:t>
+            </a:r>
+            <a:r>
+              <a:rPr lang="pt-BR" dirty="0" err="1"/>
+              <a:t>mesh</a:t>
+            </a:r>
+            <a:r>
+              <a:rPr lang="pt-BR" dirty="0"/>
+              <a:t>, e ao subir algo com ele, </a:t>
+            </a:r>
+            <a:r>
+              <a:rPr lang="pt-BR" dirty="0" err="1"/>
+              <a:t>vc</a:t>
+            </a:r>
+            <a:r>
+              <a:rPr lang="pt-BR" dirty="0"/>
+              <a:t> já tem junto lá essas capacidades do </a:t>
+            </a:r>
+            <a:r>
+              <a:rPr lang="pt-BR" dirty="0" err="1"/>
+              <a:t>istio</a:t>
+            </a:r>
+            <a:r>
+              <a:rPr lang="pt-BR" dirty="0"/>
+              <a:t> por exemplo junto dele, assim ele já da o suporte pra </a:t>
+            </a:r>
+            <a:r>
+              <a:rPr lang="pt-BR" dirty="0" err="1"/>
+              <a:t>vc</a:t>
+            </a:r>
+            <a:r>
+              <a:rPr lang="pt-BR" dirty="0"/>
+              <a:t> com os padrões do </a:t>
+            </a:r>
+            <a:r>
+              <a:rPr lang="pt-BR" dirty="0" err="1"/>
+              <a:t>circuit</a:t>
+            </a:r>
+            <a:r>
+              <a:rPr lang="pt-BR" dirty="0"/>
+              <a:t> </a:t>
+            </a:r>
+            <a:r>
+              <a:rPr lang="pt-BR" dirty="0" err="1"/>
+              <a:t>breasker</a:t>
+            </a:r>
+            <a:r>
+              <a:rPr lang="pt-BR" dirty="0"/>
+              <a:t>, em q </a:t>
+            </a:r>
+            <a:r>
+              <a:rPr lang="pt-BR" dirty="0" err="1"/>
+              <a:t>vc</a:t>
+            </a:r>
+            <a:r>
+              <a:rPr lang="pt-BR" dirty="0"/>
+              <a:t> consegue </a:t>
+            </a:r>
+            <a:r>
+              <a:rPr lang="pt-BR" dirty="0" err="1"/>
+              <a:t>consegue</a:t>
+            </a:r>
+            <a:r>
+              <a:rPr lang="pt-BR" dirty="0"/>
+              <a:t> configurar ele pra aquela estratégia de “falhar rapidamente” pra cenários onde </a:t>
+            </a:r>
+            <a:r>
+              <a:rPr lang="pt-BR" dirty="0" err="1"/>
+              <a:t>vc</a:t>
+            </a:r>
+            <a:r>
+              <a:rPr lang="pt-BR" dirty="0"/>
+              <a:t> n precisa ter uma logica de negocio implementada como </a:t>
+            </a:r>
+            <a:r>
+              <a:rPr lang="pt-BR" dirty="0" err="1"/>
+              <a:t>fallback</a:t>
+            </a:r>
+            <a:r>
+              <a:rPr lang="pt-BR" dirty="0"/>
+              <a:t> ... Mas </a:t>
+            </a:r>
+            <a:r>
+              <a:rPr lang="pt-BR" dirty="0" err="1"/>
+              <a:t>qlqr</a:t>
+            </a:r>
+            <a:r>
+              <a:rPr lang="pt-BR" dirty="0"/>
+              <a:t> coisa se alguém manjar mais ai de </a:t>
+            </a:r>
+            <a:r>
+              <a:rPr lang="pt-BR" dirty="0" err="1"/>
+              <a:t>kubernetes</a:t>
+            </a:r>
+            <a:r>
+              <a:rPr lang="pt-BR" dirty="0"/>
+              <a:t> e </a:t>
+            </a:r>
+            <a:r>
+              <a:rPr lang="pt-BR" dirty="0" err="1"/>
+              <a:t>tals</a:t>
+            </a:r>
+            <a:r>
+              <a:rPr lang="pt-BR" dirty="0"/>
+              <a:t>, pode me corrigir ou dar uma explicada depois melhor ...</a:t>
+            </a:r>
+          </a:p>
+        </p:txBody>
+      </p:sp>
+      <p:sp>
+        <p:nvSpPr>
+          <p:cNvPr id="4" name="Espaço Reservado para Número de Slide 3"/>
+          <p:cNvSpPr>
+            <a:spLocks noGrp="1"/>
+          </p:cNvSpPr>
+          <p:nvPr>
+            <p:ph type="sldNum" sz="quarter" idx="5"/>
+          </p:nvPr>
+        </p:nvSpPr>
+        <p:spPr/>
+        <p:txBody>
+          <a:bodyPr/>
+          <a:lstStyle/>
+          <a:p>
+            <a:fld id="{CB471B41-DA84-4A75-B43F-B62CF19B31B6}" type="slidenum">
+              <a:rPr lang="pt-BR" smtClean="0"/>
+              <a:t>11</a:t>
+            </a:fld>
+            <a:endParaRPr lang="pt-BR"/>
+          </a:p>
+        </p:txBody>
+      </p:sp>
+    </p:spTree>
+    <p:extLst>
+      <p:ext uri="{BB962C8B-B14F-4D97-AF65-F5344CB8AC3E}">
+        <p14:creationId xmlns:p14="http://schemas.microsoft.com/office/powerpoint/2010/main" val="1846506851"/>
+      </p:ext>
+    </p:extLst>
+  </p:cSld>
+  <p:clrMapOvr>
+    <a:masterClrMapping/>
+  </p:clrMapOvr>
+</p:notes>
+</file>
+
+<file path=ppt/notesSlides/notesSlide11.xml><?xml version="1.0" encoding="utf-8"?>
+<p:notes xmlns:a="http://schemas.openxmlformats.org/drawingml/2006/main" xmlns:r="http://schemas.openxmlformats.org/officeDocument/2006/relationships" xmlns:p="http://schemas.openxmlformats.org/presentationml/2006/main">
+  <p:cSld>
+    <p:spTree>
+      <p:nvGrpSpPr>
+        <p:cNvPr id="1" name=""/>
+        <p:cNvGrpSpPr/>
+        <p:nvPr/>
+      </p:nvGrpSpPr>
+      <p:grpSpPr>
+        <a:xfrm>
+          <a:off x="0" y="0"/>
+          <a:ext cx="0" cy="0"/>
+          <a:chOff x="0" y="0"/>
+          <a:chExt cx="0" cy="0"/>
+        </a:xfrm>
+      </p:grpSpPr>
+      <p:sp>
+        <p:nvSpPr>
+          <p:cNvPr id="2" name="Espaço Reservado para Imagem de Slide 1"/>
+          <p:cNvSpPr>
+            <a:spLocks noGrp="1" noRot="1" noChangeAspect="1"/>
+          </p:cNvSpPr>
+          <p:nvPr>
+            <p:ph type="sldImg"/>
+          </p:nvPr>
+        </p:nvSpPr>
+        <p:spPr/>
+      </p:sp>
+      <p:sp>
+        <p:nvSpPr>
+          <p:cNvPr id="3" name="Espaço Reservado para Anotações 2"/>
+          <p:cNvSpPr>
+            <a:spLocks noGrp="1"/>
+          </p:cNvSpPr>
+          <p:nvPr>
+            <p:ph type="body" idx="1"/>
+          </p:nvPr>
+        </p:nvSpPr>
+        <p:spPr/>
+        <p:txBody>
+          <a:bodyPr/>
+          <a:lstStyle/>
+          <a:p>
+            <a:r>
+              <a:rPr lang="pt-BR" dirty="0"/>
+              <a:t>Agora com o R4J, Como descrito na própria documentação do resilience4j&gt;</a:t>
+            </a:r>
+            <a:br>
+              <a:rPr lang="pt-BR" dirty="0"/>
+            </a:br>
+            <a:br>
+              <a:rPr lang="pt-BR" dirty="0"/>
+            </a:br>
+            <a:r>
+              <a:rPr lang="pt-BR" dirty="0"/>
+              <a:t>Ela é bem interessante pois trabalha com os seus recursos modularizados, ou seja, </a:t>
+            </a:r>
+            <a:r>
+              <a:rPr lang="pt-BR" dirty="0" err="1"/>
+              <a:t>vc</a:t>
+            </a:r>
+            <a:r>
+              <a:rPr lang="pt-BR" dirty="0"/>
+              <a:t> vai pegar e importar a dependência que for utilizar apenas, pois cada uma delas foram projetadas como uma função.</a:t>
+            </a:r>
+          </a:p>
+          <a:p>
+            <a:endParaRPr lang="pt-BR" dirty="0"/>
+          </a:p>
+          <a:p>
+            <a:r>
+              <a:rPr lang="pt-BR" dirty="0"/>
+              <a:t>E também o R4J utiliza algumas interfaces funcionais do </a:t>
+            </a:r>
+            <a:r>
+              <a:rPr lang="pt-BR" dirty="0" err="1"/>
+              <a:t>java</a:t>
+            </a:r>
+            <a:r>
+              <a:rPr lang="pt-BR" dirty="0"/>
+              <a:t> 8, como por exemplo a interface </a:t>
+            </a:r>
+            <a:r>
+              <a:rPr lang="pt-BR" dirty="0" err="1"/>
+              <a:t>Supplier</a:t>
+            </a:r>
+            <a:r>
+              <a:rPr lang="pt-BR" dirty="0"/>
+              <a:t>, e é baseado no </a:t>
+            </a:r>
+            <a:r>
+              <a:rPr lang="pt-BR" dirty="0" err="1"/>
+              <a:t>Vavr</a:t>
+            </a:r>
+            <a:r>
+              <a:rPr lang="pt-BR" dirty="0"/>
+              <a:t>, q é uma espécie de </a:t>
+            </a:r>
+            <a:r>
+              <a:rPr lang="pt-BR" dirty="0" err="1"/>
+              <a:t>lib</a:t>
+            </a:r>
+            <a:r>
+              <a:rPr lang="pt-BR" dirty="0"/>
+              <a:t> funcional pro </a:t>
+            </a:r>
+            <a:r>
+              <a:rPr lang="pt-BR" dirty="0" err="1"/>
+              <a:t>java</a:t>
+            </a:r>
+            <a:r>
+              <a:rPr lang="pt-BR" dirty="0"/>
+              <a:t> 8 ou superior que fornece alguns tipos de dados persistentes e estruturas de controle funcional, ou seja, meio q uma </a:t>
+            </a:r>
+            <a:r>
+              <a:rPr lang="pt-BR" dirty="0" err="1"/>
+              <a:t>lib</a:t>
+            </a:r>
+            <a:r>
+              <a:rPr lang="pt-BR" dirty="0"/>
+              <a:t> q facilita a programação funcional conforme citado na </a:t>
+            </a:r>
+            <a:r>
+              <a:rPr lang="pt-BR" dirty="0" err="1"/>
+              <a:t>intro</a:t>
+            </a:r>
+            <a:r>
+              <a:rPr lang="pt-BR" dirty="0"/>
+              <a:t> do produto.</a:t>
+            </a:r>
+            <a:br>
+              <a:rPr lang="pt-BR" dirty="0"/>
+            </a:br>
+            <a:br>
+              <a:rPr lang="pt-BR" dirty="0"/>
+            </a:br>
+            <a:r>
+              <a:rPr lang="pt-BR" dirty="0"/>
+              <a:t>Agora vou mostrar uma pequena demo que preparei, só pra ilustrar mais ou menos o funcionamento de um </a:t>
+            </a:r>
+            <a:r>
+              <a:rPr lang="pt-BR" dirty="0" err="1"/>
+              <a:t>circuit</a:t>
+            </a:r>
+            <a:r>
+              <a:rPr lang="pt-BR" dirty="0"/>
+              <a:t> </a:t>
+            </a:r>
+            <a:r>
+              <a:rPr lang="pt-BR" dirty="0" err="1"/>
+              <a:t>breaker</a:t>
+            </a:r>
+            <a:r>
+              <a:rPr lang="pt-BR" dirty="0"/>
+              <a:t>, usando o R4J. </a:t>
+            </a:r>
+            <a:br>
+              <a:rPr lang="pt-BR" dirty="0"/>
+            </a:br>
+            <a:endParaRPr lang="pt-BR" dirty="0"/>
+          </a:p>
+          <a:p>
+            <a:endParaRPr lang="pt-BR" dirty="0"/>
+          </a:p>
+          <a:p>
+            <a:r>
+              <a:rPr lang="pt-BR" dirty="0"/>
+              <a:t>* Talvez o problema do R4J é q </a:t>
+            </a:r>
+            <a:r>
+              <a:rPr lang="pt-BR" dirty="0" err="1"/>
+              <a:t>vc</a:t>
+            </a:r>
+            <a:r>
+              <a:rPr lang="pt-BR" dirty="0"/>
+              <a:t> tenha q ser um pouco familiarizado com esse estilo de programação funcional pra conseguir usufruir melhor dos recursos q ele fornece.</a:t>
+            </a:r>
+          </a:p>
+        </p:txBody>
+      </p:sp>
+      <p:sp>
+        <p:nvSpPr>
+          <p:cNvPr id="4" name="Espaço Reservado para Número de Slide 3"/>
+          <p:cNvSpPr>
+            <a:spLocks noGrp="1"/>
+          </p:cNvSpPr>
+          <p:nvPr>
+            <p:ph type="sldNum" sz="quarter" idx="5"/>
+          </p:nvPr>
+        </p:nvSpPr>
+        <p:spPr/>
+        <p:txBody>
+          <a:bodyPr/>
+          <a:lstStyle/>
+          <a:p>
+            <a:fld id="{CB471B41-DA84-4A75-B43F-B62CF19B31B6}" type="slidenum">
+              <a:rPr lang="pt-BR" smtClean="0"/>
+              <a:t>12</a:t>
+            </a:fld>
+            <a:endParaRPr lang="pt-BR"/>
+          </a:p>
+        </p:txBody>
+      </p:sp>
+    </p:spTree>
+    <p:extLst>
+      <p:ext uri="{BB962C8B-B14F-4D97-AF65-F5344CB8AC3E}">
+        <p14:creationId xmlns:p14="http://schemas.microsoft.com/office/powerpoint/2010/main" val="2586587050"/>
       </p:ext>
     </p:extLst>
   </p:cSld>
@@ -665,63 +1286,91 @@
           <a:p>
             <a:r>
               <a:rPr lang="pt-BR" dirty="0"/>
-              <a:t>1 - Aberto: Estado do </a:t>
-            </a:r>
-            <a:r>
-              <a:rPr lang="pt-BR" dirty="0" err="1"/>
-              <a:t>circuit</a:t>
-            </a:r>
-            <a:r>
-              <a:rPr lang="pt-BR" dirty="0"/>
-              <a:t> </a:t>
-            </a:r>
-            <a:r>
-              <a:rPr lang="pt-BR" dirty="0" err="1"/>
-              <a:t>breaker</a:t>
-            </a:r>
-            <a:r>
-              <a:rPr lang="pt-BR" dirty="0"/>
-              <a:t> quando a aplicação está funcionando normalmente.</a:t>
-            </a:r>
-            <a:br>
-              <a:rPr lang="pt-BR" dirty="0"/>
-            </a:br>
+              <a:t>Antigamente a maioria das empresas e os projetos/produtos, eles seguiam uma arquitetura monolítica</a:t>
+            </a:r>
+          </a:p>
+          <a:p>
             <a:endParaRPr lang="pt-BR" dirty="0"/>
           </a:p>
           <a:p>
             <a:r>
               <a:rPr lang="pt-BR" dirty="0"/>
-              <a:t>2 - Fechado: A partir do momento em que a aplicação atinge a quantidade de erros configurada, entra em estado de fechado.</a:t>
-            </a:r>
-            <a:br>
-              <a:rPr lang="pt-BR" dirty="0"/>
-            </a:br>
+              <a:t>Ou seja, tudo ficava centralizado em um único projeto, sem muitas chamadas externas, tudo funcionava dentro daquele mundinho único</a:t>
+            </a:r>
+          </a:p>
+          <a:p>
             <a:endParaRPr lang="pt-BR" dirty="0"/>
           </a:p>
           <a:p>
             <a:r>
               <a:rPr lang="pt-BR" dirty="0"/>
-              <a:t>3 - Meio-Aberto: Após um tempo </a:t>
-            </a:r>
-            <a:r>
-              <a:rPr lang="pt-BR" dirty="0" err="1"/>
-              <a:t>pré</a:t>
-            </a:r>
-            <a:r>
-              <a:rPr lang="pt-BR" dirty="0"/>
-              <a:t>-configurado quando a aplicação entrou no estado “fechado”, a aplicação começa a mandar algumas requisições normalmente, enquanto outras ela manda para o </a:t>
-            </a:r>
-            <a:r>
-              <a:rPr lang="pt-BR" dirty="0" err="1"/>
-              <a:t>fallback</a:t>
-            </a:r>
-            <a:r>
-              <a:rPr lang="pt-BR" dirty="0"/>
-              <a:t>, para verificar se a aplicação que esta sendo chamada remotamente voltou ao funcionamento.</a:t>
+              <a:t>Mas com o surgimento dos </a:t>
+            </a:r>
+            <a:r>
+              <a:rPr lang="pt-BR" dirty="0" err="1"/>
+              <a:t>microsserviços</a:t>
+            </a:r>
+            <a:r>
+              <a:rPr lang="pt-BR" dirty="0"/>
+              <a:t>, apesar dessa arquitetura ter facilitado alguns pontos nas organizações, esse tipo de arquitetura também trouxe consigo, um problema, pois ao mudar do monolito, onde </a:t>
+            </a:r>
+            <a:r>
+              <a:rPr lang="pt-BR" dirty="0" err="1"/>
+              <a:t>vc</a:t>
+            </a:r>
+            <a:r>
+              <a:rPr lang="pt-BR" dirty="0"/>
+              <a:t> tinha tudo centralizado ali, e caso ocorresse um erro interno, </a:t>
+            </a:r>
+            <a:r>
+              <a:rPr lang="pt-BR" dirty="0" err="1"/>
+              <a:t>vc</a:t>
+            </a:r>
+            <a:r>
+              <a:rPr lang="pt-BR" dirty="0"/>
+              <a:t> tratava em um único ponto, com os </a:t>
+            </a:r>
+            <a:r>
+              <a:rPr lang="pt-BR" dirty="0" err="1"/>
+              <a:t>microsserviços</a:t>
+            </a:r>
+            <a:r>
+              <a:rPr lang="pt-BR" dirty="0"/>
+              <a:t>, você até consegue separar e escalar cada serviço em especialidades diferentes, mas durante a integração desses serviços, onde </a:t>
+            </a:r>
+            <a:r>
+              <a:rPr lang="pt-BR" dirty="0" err="1"/>
+              <a:t>vc</a:t>
+            </a:r>
+            <a:r>
+              <a:rPr lang="pt-BR" dirty="0"/>
+              <a:t> tem um serviço chamando outro, ou seja, onde haja essa dependência, pode ocorrer alguns problemas durante essa comunicação, acarretando em todo um sistema de </a:t>
+            </a:r>
+            <a:r>
+              <a:rPr lang="pt-BR" dirty="0" err="1"/>
+              <a:t>microsserviços</a:t>
+            </a:r>
+            <a:r>
+              <a:rPr lang="pt-BR" dirty="0"/>
+              <a:t> com falhas, caso </a:t>
+            </a:r>
+            <a:r>
+              <a:rPr lang="pt-BR" dirty="0" err="1"/>
+              <a:t>vc</a:t>
+            </a:r>
+            <a:r>
+              <a:rPr lang="pt-BR" dirty="0"/>
+              <a:t> n trabalhe direito esse aspecto ...</a:t>
             </a:r>
           </a:p>
           <a:p>
             <a:endParaRPr lang="pt-BR" dirty="0"/>
+          </a:p>
+          <a:p>
+            <a:r>
+              <a:rPr lang="pt-BR" dirty="0"/>
+              <a:t>Bem, vamos ver um caso de uso a seguir de uma web-loja por exemplo</a:t>
+            </a:r>
           </a:p>
         </p:txBody>
       </p:sp>
@@ -742,7 +1391,7 @@
           <a:p>
             <a:fld id="{CB471B41-DA84-4A75-B43F-B62CF19B31B6}" type="slidenum">
               <a:rPr lang="pt-BR" smtClean="0"/>
-              <a:t>6</a:t>
+              <a:t>3</a:t>
             </a:fld>
             <a:endParaRPr lang="pt-BR"/>
           </a:p>
@@ -751,7 +1400,7 @@
     </p:spTree>
     <p:extLst>
       <p:ext uri="{BB962C8B-B14F-4D97-AF65-F5344CB8AC3E}">
-        <p14:creationId xmlns:p14="http://schemas.microsoft.com/office/powerpoint/2010/main" val="707777181"/>
+        <p14:creationId xmlns:p14="http://schemas.microsoft.com/office/powerpoint/2010/main" val="1230171435"/>
       </p:ext>
     </p:extLst>
   </p:cSld>
@@ -807,6 +1456,540 @@
           <a:p>
             <a:r>
               <a:rPr lang="pt-BR" dirty="0"/>
+              <a:t>Digamos que aqui você tem uma web-loja, aqui a gente vai ignorar a interface q o cliente utiliza e </a:t>
+            </a:r>
+            <a:r>
+              <a:rPr lang="pt-BR" dirty="0" err="1"/>
+              <a:t>tals</a:t>
+            </a:r>
+            <a:r>
+              <a:rPr lang="pt-BR" dirty="0"/>
+              <a:t>, mas vamos dizer q pra essa interface q o cliente acessa, eu tenho alguns serviços que eu mostro pra ele que se comunicam </a:t>
+            </a:r>
+            <a:r>
+              <a:rPr lang="pt-BR" dirty="0" err="1"/>
+              <a:t>entre-si</a:t>
+            </a:r>
+            <a:r>
+              <a:rPr lang="pt-BR" dirty="0"/>
+              <a:t> e são dependentes</a:t>
+            </a:r>
+          </a:p>
+          <a:p>
+            <a:endParaRPr lang="pt-BR" dirty="0"/>
+          </a:p>
+          <a:p>
+            <a:r>
+              <a:rPr lang="pt-BR" dirty="0"/>
+              <a:t>Eu tenho 1 serviço de recomendação de produtos da minha loja, 1 serviço que analisa e mostra os preços (</a:t>
+            </a:r>
+            <a:r>
+              <a:rPr lang="pt-BR" dirty="0" err="1"/>
+              <a:t>ve</a:t>
+            </a:r>
+            <a:r>
+              <a:rPr lang="pt-BR" dirty="0"/>
+              <a:t> promoção, desconto, cupom </a:t>
+            </a:r>
+            <a:r>
+              <a:rPr lang="pt-BR" dirty="0" err="1"/>
+              <a:t>etc</a:t>
+            </a:r>
+            <a:r>
+              <a:rPr lang="pt-BR" dirty="0"/>
+              <a:t>) e o ultimo serviço de pagamento, q eu mando </a:t>
+            </a:r>
+            <a:r>
+              <a:rPr lang="pt-BR" dirty="0" err="1"/>
+              <a:t>la</a:t>
+            </a:r>
+            <a:r>
+              <a:rPr lang="pt-BR" dirty="0"/>
+              <a:t> pro provedor do cara pra cobrar dele e cair o dinheiro na minha conta</a:t>
+            </a:r>
+          </a:p>
+          <a:p>
+            <a:endParaRPr lang="pt-BR" dirty="0"/>
+          </a:p>
+          <a:p>
+            <a:r>
+              <a:rPr lang="pt-BR" dirty="0"/>
+              <a:t>Digamos que por algum motivo, sei lá problema de trafego de rede, ou do servidor onde </a:t>
+            </a:r>
+            <a:r>
+              <a:rPr lang="pt-BR" dirty="0" err="1"/>
+              <a:t>ta</a:t>
+            </a:r>
+            <a:r>
+              <a:rPr lang="pt-BR" dirty="0"/>
+              <a:t> hospedado o serviço de pagamento, eu começo a demorar a ter resposta dele, isso vai acarretar numa lentidão pro meu serviço que verifica os preços, e </a:t>
+            </a:r>
+            <a:r>
+              <a:rPr lang="pt-BR" dirty="0" err="1"/>
+              <a:t>conseguentemente</a:t>
+            </a:r>
+            <a:r>
+              <a:rPr lang="pt-BR" dirty="0"/>
+              <a:t>, iria demorar também pra responder pro meu serviço de recomendação...</a:t>
+            </a:r>
+            <a:br>
+              <a:rPr lang="pt-BR" dirty="0"/>
+            </a:br>
+            <a:br>
+              <a:rPr lang="pt-BR" dirty="0"/>
+            </a:br>
+            <a:r>
+              <a:rPr lang="pt-BR" dirty="0"/>
+              <a:t>Até ai </a:t>
+            </a:r>
+            <a:r>
+              <a:rPr lang="pt-BR" dirty="0" err="1"/>
+              <a:t>blz</a:t>
+            </a:r>
+            <a:r>
+              <a:rPr lang="pt-BR" dirty="0"/>
+              <a:t>, mas mesmo assim, eu </a:t>
+            </a:r>
+            <a:r>
+              <a:rPr lang="pt-BR" dirty="0" err="1"/>
+              <a:t>to</a:t>
+            </a:r>
+            <a:r>
+              <a:rPr lang="pt-BR" dirty="0"/>
+              <a:t> lá recebendo dos clientes vários cliques  e pedidos, e gerando chamada atras de chamada de um serviço desses pro outro ... Onde vai chegar uma hora q por exemplo o serviço C, não vai conseguir processar todas essas chamadas, e digamos q ele caia, fique fora do ar ...</a:t>
+            </a:r>
+          </a:p>
+          <a:p>
+            <a:endParaRPr lang="pt-BR" dirty="0"/>
+          </a:p>
+          <a:p>
+            <a:r>
+              <a:rPr lang="pt-BR" dirty="0"/>
+              <a:t>Neste ponto, eu já comprometi todo o meu sistema de serviços q se comunicam, pois por exemplo eu estou recebendo muitas chamadas, pro serviço que já estava com demora pra responder, </a:t>
+            </a:r>
+            <a:r>
+              <a:rPr lang="pt-BR" dirty="0" err="1"/>
+              <a:t>tava</a:t>
+            </a:r>
+            <a:r>
+              <a:rPr lang="pt-BR" dirty="0"/>
+              <a:t> enfrentando algum problema, e ainda assim, continuam tendo varias chamadas, não dando tempo dele respirar e conseguir trabalhar pra voltar ao ar normalmente, assim deu uma sobrecarga e ele caiu ... Do mesmo jeito, isso vai continuar acontecendo pro serviço de preço ... E em sequencia, pro serviço de recomendação de produtos ... Até que assim, todo o meu sistema, minha web-loja esteja fora do ar, e eu não consigo trabalhar mais, perdendo clientes e lucro por não estar vendendo nenhum dos meus produtos ... Bem agora é aqui, neste tipo de situação que um </a:t>
+            </a:r>
+            <a:r>
+              <a:rPr lang="pt-BR" dirty="0" err="1"/>
+              <a:t>circuit-breaker</a:t>
+            </a:r>
+            <a:r>
+              <a:rPr lang="pt-BR" dirty="0"/>
+              <a:t> entraria</a:t>
+            </a:r>
+          </a:p>
+        </p:txBody>
+      </p:sp>
+      <p:sp>
+        <p:nvSpPr>
+          <p:cNvPr id="4" name="Espaço Reservado para Número de Slide 3"/>
+          <p:cNvSpPr>
+            <a:spLocks noGrp="1"/>
+          </p:cNvSpPr>
+          <p:nvPr>
+            <p:ph type="sldNum" sz="quarter" idx="5"/>
+          </p:nvPr>
+        </p:nvSpPr>
+        <p:spPr/>
+        <p:txBody>
+          <a:bodyPr/>
+          <a:lstStyle/>
+          <a:p>
+            <a:fld id="{CB471B41-DA84-4A75-B43F-B62CF19B31B6}" type="slidenum">
+              <a:rPr lang="pt-BR" smtClean="0"/>
+              <a:t>4</a:t>
+            </a:fld>
+            <a:endParaRPr lang="pt-BR"/>
+          </a:p>
+        </p:txBody>
+      </p:sp>
+    </p:spTree>
+    <p:extLst>
+      <p:ext uri="{BB962C8B-B14F-4D97-AF65-F5344CB8AC3E}">
+        <p14:creationId xmlns:p14="http://schemas.microsoft.com/office/powerpoint/2010/main" val="2035726903"/>
+      </p:ext>
+    </p:extLst>
+  </p:cSld>
+  <p:clrMapOvr>
+    <a:masterClrMapping/>
+  </p:clrMapOvr>
+</p:notes>
+</file>
+
+<file path=ppt/notesSlides/notesSlide4.xml><?xml version="1.0" encoding="utf-8"?>
+<p:notes xmlns:a="http://schemas.openxmlformats.org/drawingml/2006/main" xmlns:r="http://schemas.openxmlformats.org/officeDocument/2006/relationships" xmlns:p="http://schemas.openxmlformats.org/presentationml/2006/main">
+  <p:cSld>
+    <p:spTree>
+      <p:nvGrpSpPr>
+        <p:cNvPr id="1" name=""/>
+        <p:cNvGrpSpPr/>
+        <p:nvPr/>
+      </p:nvGrpSpPr>
+      <p:grpSpPr>
+        <a:xfrm>
+          <a:off x="0" y="0"/>
+          <a:ext cx="0" cy="0"/>
+          <a:chOff x="0" y="0"/>
+          <a:chExt cx="0" cy="0"/>
+        </a:xfrm>
+      </p:grpSpPr>
+      <p:sp>
+        <p:nvSpPr>
+          <p:cNvPr id="2" name="Espaço Reservado para Imagem de Slide 1"/>
+          <p:cNvSpPr>
+            <a:spLocks noGrp="1" noRot="1" noChangeAspect="1"/>
+          </p:cNvSpPr>
+          <p:nvPr>
+            <p:ph type="sldImg"/>
+          </p:nvPr>
+        </p:nvSpPr>
+        <p:spPr/>
+      </p:sp>
+      <p:sp>
+        <p:nvSpPr>
+          <p:cNvPr id="3" name="Espaço Reservado para Anotações 2"/>
+          <p:cNvSpPr>
+            <a:spLocks noGrp="1"/>
+          </p:cNvSpPr>
+          <p:nvPr>
+            <p:ph type="body" idx="1"/>
+          </p:nvPr>
+        </p:nvSpPr>
+        <p:spPr/>
+        <p:txBody>
+          <a:bodyPr/>
+          <a:lstStyle/>
+          <a:p>
+            <a:r>
+              <a:rPr lang="pt-BR" dirty="0"/>
+              <a:t>Neste caso por exemplo, poderíamos ter um </a:t>
+            </a:r>
+            <a:r>
+              <a:rPr lang="pt-BR" dirty="0" err="1"/>
+              <a:t>circuit</a:t>
+            </a:r>
+            <a:r>
+              <a:rPr lang="pt-BR" dirty="0"/>
+              <a:t> </a:t>
+            </a:r>
+            <a:r>
+              <a:rPr lang="pt-BR" dirty="0" err="1"/>
+              <a:t>breaker</a:t>
+            </a:r>
+            <a:r>
+              <a:rPr lang="pt-BR" dirty="0"/>
+              <a:t> implementado, para que ele consiga identificar, por meio de configurações pré-programadas, como se comportar caso o serviço de pagamento esteja fora, assim, não sobrecarregando ele, e também não deixando meu cliente esperando por um tempo X, indeterminado pra tomar apenas um erro e ficando mais estressado, já que aqui eu poderia trabalhar em algo mais amigável na visão do cliente e não onerar meus serviços</a:t>
+            </a:r>
+          </a:p>
+          <a:p>
+            <a:endParaRPr lang="pt-BR" dirty="0"/>
+          </a:p>
+          <a:p>
+            <a:r>
+              <a:rPr lang="pt-BR" dirty="0"/>
+              <a:t>Assim também daria para fazermos o mesmo do serviço de recomendação e ter um </a:t>
+            </a:r>
+            <a:r>
+              <a:rPr lang="pt-BR" dirty="0" err="1"/>
+              <a:t>circuit</a:t>
+            </a:r>
+            <a:r>
+              <a:rPr lang="pt-BR" dirty="0"/>
+              <a:t> </a:t>
+            </a:r>
+            <a:r>
+              <a:rPr lang="pt-BR" dirty="0" err="1"/>
+              <a:t>breaker</a:t>
+            </a:r>
+            <a:r>
+              <a:rPr lang="pt-BR" dirty="0"/>
+              <a:t> para trabalhar visando o mesmo cenário</a:t>
+            </a:r>
+          </a:p>
+        </p:txBody>
+      </p:sp>
+      <p:sp>
+        <p:nvSpPr>
+          <p:cNvPr id="4" name="Espaço Reservado para Número de Slide 3"/>
+          <p:cNvSpPr>
+            <a:spLocks noGrp="1"/>
+          </p:cNvSpPr>
+          <p:nvPr>
+            <p:ph type="sldNum" sz="quarter" idx="5"/>
+          </p:nvPr>
+        </p:nvSpPr>
+        <p:spPr/>
+        <p:txBody>
+          <a:bodyPr/>
+          <a:lstStyle/>
+          <a:p>
+            <a:fld id="{CB471B41-DA84-4A75-B43F-B62CF19B31B6}" type="slidenum">
+              <a:rPr lang="pt-BR" smtClean="0"/>
+              <a:t>5</a:t>
+            </a:fld>
+            <a:endParaRPr lang="pt-BR"/>
+          </a:p>
+        </p:txBody>
+      </p:sp>
+    </p:spTree>
+    <p:extLst>
+      <p:ext uri="{BB962C8B-B14F-4D97-AF65-F5344CB8AC3E}">
+        <p14:creationId xmlns:p14="http://schemas.microsoft.com/office/powerpoint/2010/main" val="1889002109"/>
+      </p:ext>
+    </p:extLst>
+  </p:cSld>
+  <p:clrMapOvr>
+    <a:masterClrMapping/>
+  </p:clrMapOvr>
+</p:notes>
+</file>
+
+<file path=ppt/notesSlides/notesSlide5.xml><?xml version="1.0" encoding="utf-8"?>
+<p:notes xmlns:a="http://schemas.openxmlformats.org/drawingml/2006/main" xmlns:r="http://schemas.openxmlformats.org/officeDocument/2006/relationships" xmlns:p="http://schemas.openxmlformats.org/presentationml/2006/main">
+  <p:cSld>
+    <p:spTree>
+      <p:nvGrpSpPr>
+        <p:cNvPr id="1" name=""/>
+        <p:cNvGrpSpPr/>
+        <p:nvPr/>
+      </p:nvGrpSpPr>
+      <p:grpSpPr>
+        <a:xfrm>
+          <a:off x="0" y="0"/>
+          <a:ext cx="0" cy="0"/>
+          <a:chOff x="0" y="0"/>
+          <a:chExt cx="0" cy="0"/>
+        </a:xfrm>
+      </p:grpSpPr>
+      <p:sp>
+        <p:nvSpPr>
+          <p:cNvPr id="2" name="Espaço Reservado para Imagem de Slide 1"/>
+          <p:cNvSpPr>
+            <a:spLocks noGrp="1" noRot="1" noChangeAspect="1"/>
+          </p:cNvSpPr>
+          <p:nvPr>
+            <p:ph type="sldImg"/>
+          </p:nvPr>
+        </p:nvSpPr>
+        <p:spPr/>
+      </p:sp>
+      <p:sp>
+        <p:nvSpPr>
+          <p:cNvPr id="3" name="Espaço Reservado para Anotações 2"/>
+          <p:cNvSpPr>
+            <a:spLocks noGrp="1"/>
+          </p:cNvSpPr>
+          <p:nvPr>
+            <p:ph type="body" idx="1"/>
+          </p:nvPr>
+        </p:nvSpPr>
+        <p:spPr/>
+        <p:txBody>
+          <a:bodyPr/>
+          <a:lstStyle/>
+          <a:p>
+            <a:r>
+              <a:rPr lang="pt-BR" dirty="0"/>
+              <a:t>Bem, agora com o cenário ilustrado que vimos anteriormente, a gente tem um desenho de como funcionaria o </a:t>
+            </a:r>
+            <a:r>
+              <a:rPr lang="pt-BR" dirty="0" err="1"/>
+              <a:t>circuit</a:t>
+            </a:r>
+            <a:r>
+              <a:rPr lang="pt-BR" dirty="0"/>
+              <a:t> </a:t>
+            </a:r>
+            <a:r>
+              <a:rPr lang="pt-BR" dirty="0" err="1"/>
+              <a:t>breaker</a:t>
+            </a:r>
+            <a:r>
+              <a:rPr lang="pt-BR" dirty="0"/>
+              <a:t> nos nossos projetos</a:t>
+            </a:r>
+            <a:br>
+              <a:rPr lang="pt-BR" dirty="0"/>
+            </a:br>
+            <a:br>
+              <a:rPr lang="pt-BR" dirty="0"/>
+            </a:br>
+            <a:r>
+              <a:rPr lang="pt-BR" dirty="0"/>
+              <a:t>1 - Aberto: Estado do </a:t>
+            </a:r>
+            <a:r>
+              <a:rPr lang="pt-BR" dirty="0" err="1"/>
+              <a:t>circuit</a:t>
+            </a:r>
+            <a:r>
+              <a:rPr lang="pt-BR" dirty="0"/>
+              <a:t> </a:t>
+            </a:r>
+            <a:r>
+              <a:rPr lang="pt-BR" dirty="0" err="1"/>
+              <a:t>breaker</a:t>
+            </a:r>
+            <a:r>
+              <a:rPr lang="pt-BR" dirty="0"/>
+              <a:t> quando a aplicação está funcionando normalmente.</a:t>
+            </a:r>
+            <a:br>
+              <a:rPr lang="pt-BR" dirty="0"/>
+            </a:br>
+            <a:endParaRPr lang="pt-BR" dirty="0"/>
+          </a:p>
+          <a:p>
+            <a:r>
+              <a:rPr lang="pt-BR" dirty="0"/>
+              <a:t>2 - Fechado: A partir do momento em que a aplicação atinge a quantidade de erros configurada, entra em estado de fechado.</a:t>
+            </a:r>
+            <a:br>
+              <a:rPr lang="pt-BR" dirty="0"/>
+            </a:br>
+            <a:endParaRPr lang="pt-BR" dirty="0"/>
+          </a:p>
+          <a:p>
+            <a:r>
+              <a:rPr lang="pt-BR" dirty="0"/>
+              <a:t>3 - Meio-Aberto: Após um tempo </a:t>
+            </a:r>
+            <a:r>
+              <a:rPr lang="pt-BR" dirty="0" err="1"/>
+              <a:t>pré</a:t>
+            </a:r>
+            <a:r>
+              <a:rPr lang="pt-BR" dirty="0"/>
+              <a:t>-configurado quando a aplicação entrou no estado “fechado”, a aplicação começa a mandar algumas requisições normalmente, enquanto outras ela manda para o </a:t>
+            </a:r>
+            <a:r>
+              <a:rPr lang="pt-BR" dirty="0" err="1"/>
+              <a:t>fallback</a:t>
+            </a:r>
+            <a:r>
+              <a:rPr lang="pt-BR" dirty="0"/>
+              <a:t>, para verificar se a aplicação que esta sendo chamada remotamente voltou ao funcionamento.</a:t>
+            </a:r>
+          </a:p>
+          <a:p>
+            <a:endParaRPr lang="pt-BR" dirty="0"/>
+          </a:p>
+        </p:txBody>
+      </p:sp>
+      <p:sp>
+        <p:nvSpPr>
+          <p:cNvPr id="4" name="Espaço Reservado para Número de Slide 3"/>
+          <p:cNvSpPr>
+            <a:spLocks noGrp="1"/>
+          </p:cNvSpPr>
+          <p:nvPr>
+            <p:ph type="sldNum" sz="quarter" idx="5"/>
+          </p:nvPr>
+        </p:nvSpPr>
+        <p:spPr/>
+        <p:txBody>
+          <a:bodyPr/>
+          <a:lstStyle/>
+          <a:p>
+            <a:fld id="{CB471B41-DA84-4A75-B43F-B62CF19B31B6}" type="slidenum">
+              <a:rPr lang="pt-BR" smtClean="0"/>
+              <a:t>6</a:t>
+            </a:fld>
+            <a:endParaRPr lang="pt-BR"/>
+          </a:p>
+        </p:txBody>
+      </p:sp>
+    </p:spTree>
+    <p:extLst>
+      <p:ext uri="{BB962C8B-B14F-4D97-AF65-F5344CB8AC3E}">
+        <p14:creationId xmlns:p14="http://schemas.microsoft.com/office/powerpoint/2010/main" val="707777181"/>
+      </p:ext>
+    </p:extLst>
+  </p:cSld>
+  <p:clrMapOvr>
+    <a:masterClrMapping/>
+  </p:clrMapOvr>
+</p:notes>
+</file>
+
+<file path=ppt/notesSlides/notesSlide6.xml><?xml version="1.0" encoding="utf-8"?>
+<p:notes xmlns:a="http://schemas.openxmlformats.org/drawingml/2006/main" xmlns:r="http://schemas.openxmlformats.org/officeDocument/2006/relationships" xmlns:p="http://schemas.openxmlformats.org/presentationml/2006/main">
+  <p:cSld>
+    <p:spTree>
+      <p:nvGrpSpPr>
+        <p:cNvPr id="1" name=""/>
+        <p:cNvGrpSpPr/>
+        <p:nvPr/>
+      </p:nvGrpSpPr>
+      <p:grpSpPr>
+        <a:xfrm>
+          <a:off x="0" y="0"/>
+          <a:ext cx="0" cy="0"/>
+          <a:chOff x="0" y="0"/>
+          <a:chExt cx="0" cy="0"/>
+        </a:xfrm>
+      </p:grpSpPr>
+      <p:sp>
+        <p:nvSpPr>
+          <p:cNvPr id="2" name="Espaço Reservado para Imagem de Slide 1"/>
+          <p:cNvSpPr>
+            <a:spLocks noGrp="1" noRot="1" noChangeAspect="1"/>
+          </p:cNvSpPr>
+          <p:nvPr>
+            <p:ph type="sldImg"/>
+          </p:nvPr>
+        </p:nvSpPr>
+        <p:spPr/>
+      </p:sp>
+      <p:sp>
+        <p:nvSpPr>
+          <p:cNvPr id="3" name="Espaço Reservado para Anotações 2"/>
+          <p:cNvSpPr>
+            <a:spLocks noGrp="1"/>
+          </p:cNvSpPr>
+          <p:nvPr>
+            <p:ph type="body" idx="1"/>
+          </p:nvPr>
+        </p:nvSpPr>
+        <p:spPr/>
+        <p:txBody>
+          <a:bodyPr/>
+          <a:lstStyle/>
+          <a:p>
+            <a:r>
+              <a:rPr lang="pt-BR" dirty="0"/>
+              <a:t>Visto os estados do </a:t>
+            </a:r>
+            <a:r>
+              <a:rPr lang="pt-BR" dirty="0" err="1"/>
+              <a:t>circuit</a:t>
+            </a:r>
+            <a:r>
+              <a:rPr lang="pt-BR" dirty="0"/>
+              <a:t> </a:t>
+            </a:r>
+            <a:r>
+              <a:rPr lang="pt-BR" dirty="0" err="1"/>
+              <a:t>breaker</a:t>
+            </a:r>
+            <a:r>
+              <a:rPr lang="pt-BR" dirty="0"/>
+              <a:t>, nele teremos algumas configurações a se trabalhar, programar, para que ele saiba analisar o erro, e o que fazer em seguida, como&gt;</a:t>
+            </a:r>
+            <a:br>
+              <a:rPr lang="pt-BR" dirty="0"/>
+            </a:br>
+            <a:br>
+              <a:rPr lang="pt-BR" dirty="0"/>
+            </a:br>
+            <a:r>
+              <a:rPr lang="pt-BR" dirty="0"/>
               <a:t>Perguntar qual é a configuração mais importante de um </a:t>
             </a:r>
             <a:r>
@@ -855,6 +2038,657 @@
     <p:extLst>
       <p:ext uri="{BB962C8B-B14F-4D97-AF65-F5344CB8AC3E}">
         <p14:creationId xmlns:p14="http://schemas.microsoft.com/office/powerpoint/2010/main" val="724896650"/>
+      </p:ext>
+    </p:extLst>
+  </p:cSld>
+  <p:clrMapOvr>
+    <a:masterClrMapping/>
+  </p:clrMapOvr>
+</p:notes>
+</file>
+
+<file path=ppt/notesSlides/notesSlide7.xml><?xml version="1.0" encoding="utf-8"?>
+<p:notes xmlns:a="http://schemas.openxmlformats.org/drawingml/2006/main" xmlns:r="http://schemas.openxmlformats.org/officeDocument/2006/relationships" xmlns:p="http://schemas.openxmlformats.org/presentationml/2006/main">
+  <p:cSld>
+    <p:spTree>
+      <p:nvGrpSpPr>
+        <p:cNvPr id="1" name=""/>
+        <p:cNvGrpSpPr/>
+        <p:nvPr/>
+      </p:nvGrpSpPr>
+      <p:grpSpPr>
+        <a:xfrm>
+          <a:off x="0" y="0"/>
+          <a:ext cx="0" cy="0"/>
+          <a:chOff x="0" y="0"/>
+          <a:chExt cx="0" cy="0"/>
+        </a:xfrm>
+      </p:grpSpPr>
+      <p:sp>
+        <p:nvSpPr>
+          <p:cNvPr id="2" name="Espaço Reservado para Imagem de Slide 1"/>
+          <p:cNvSpPr>
+            <a:spLocks noGrp="1" noRot="1" noChangeAspect="1"/>
+          </p:cNvSpPr>
+          <p:nvPr>
+            <p:ph type="sldImg"/>
+          </p:nvPr>
+        </p:nvSpPr>
+        <p:spPr/>
+      </p:sp>
+      <p:sp>
+        <p:nvSpPr>
+          <p:cNvPr id="3" name="Espaço Reservado para Anotações 2"/>
+          <p:cNvSpPr>
+            <a:spLocks noGrp="1"/>
+          </p:cNvSpPr>
+          <p:nvPr>
+            <p:ph type="body" idx="1"/>
+          </p:nvPr>
+        </p:nvSpPr>
+        <p:spPr/>
+        <p:txBody>
+          <a:bodyPr/>
+          <a:lstStyle/>
+          <a:p>
+            <a:r>
+              <a:rPr lang="pt-BR" dirty="0"/>
+              <a:t>Uma das configurações mais importantes do </a:t>
+            </a:r>
+            <a:r>
+              <a:rPr lang="pt-BR" dirty="0" err="1"/>
+              <a:t>circuit</a:t>
+            </a:r>
+            <a:r>
+              <a:rPr lang="pt-BR" dirty="0"/>
+              <a:t> </a:t>
+            </a:r>
+            <a:r>
+              <a:rPr lang="pt-BR" dirty="0" err="1"/>
+              <a:t>breaker</a:t>
+            </a:r>
+            <a:r>
+              <a:rPr lang="pt-BR" dirty="0"/>
+              <a:t>, é exatamente saber o QUE FAZER, caso hajam falhas, como que eu vou trabalhar a partir de um dado momento, que eu </a:t>
+            </a:r>
+            <a:r>
+              <a:rPr lang="pt-BR" dirty="0" err="1"/>
+              <a:t>to</a:t>
+            </a:r>
+            <a:r>
+              <a:rPr lang="pt-BR" dirty="0"/>
+              <a:t> vendo que o meu serviço do lado </a:t>
+            </a:r>
+            <a:r>
+              <a:rPr lang="pt-BR" dirty="0" err="1"/>
+              <a:t>ta</a:t>
+            </a:r>
+            <a:r>
+              <a:rPr lang="pt-BR" dirty="0"/>
+              <a:t> com problemas constantes</a:t>
+            </a:r>
+          </a:p>
+          <a:p>
+            <a:endParaRPr lang="pt-BR" dirty="0"/>
+          </a:p>
+          <a:p>
+            <a:r>
+              <a:rPr lang="pt-BR" dirty="0"/>
+              <a:t>Pra ilustrar mais um pouco, vamos voltar pro nosso caso de uso da web-loja</a:t>
+            </a:r>
+          </a:p>
+        </p:txBody>
+      </p:sp>
+      <p:sp>
+        <p:nvSpPr>
+          <p:cNvPr id="4" name="Espaço Reservado para Número de Slide 3"/>
+          <p:cNvSpPr>
+            <a:spLocks noGrp="1"/>
+          </p:cNvSpPr>
+          <p:nvPr>
+            <p:ph type="sldNum" sz="quarter" idx="5"/>
+          </p:nvPr>
+        </p:nvSpPr>
+        <p:spPr/>
+        <p:txBody>
+          <a:bodyPr/>
+          <a:lstStyle/>
+          <a:p>
+            <a:fld id="{CB471B41-DA84-4A75-B43F-B62CF19B31B6}" type="slidenum">
+              <a:rPr lang="pt-BR" smtClean="0"/>
+              <a:t>8</a:t>
+            </a:fld>
+            <a:endParaRPr lang="pt-BR"/>
+          </a:p>
+        </p:txBody>
+      </p:sp>
+    </p:spTree>
+    <p:extLst>
+      <p:ext uri="{BB962C8B-B14F-4D97-AF65-F5344CB8AC3E}">
+        <p14:creationId xmlns:p14="http://schemas.microsoft.com/office/powerpoint/2010/main" val="2129469509"/>
+      </p:ext>
+    </p:extLst>
+  </p:cSld>
+  <p:clrMapOvr>
+    <a:masterClrMapping/>
+  </p:clrMapOvr>
+</p:notes>
+</file>
+
+<file path=ppt/notesSlides/notesSlide8.xml><?xml version="1.0" encoding="utf-8"?>
+<p:notes xmlns:a="http://schemas.openxmlformats.org/drawingml/2006/main" xmlns:r="http://schemas.openxmlformats.org/officeDocument/2006/relationships" xmlns:p="http://schemas.openxmlformats.org/presentationml/2006/main">
+  <p:cSld>
+    <p:spTree>
+      <p:nvGrpSpPr>
+        <p:cNvPr id="1" name=""/>
+        <p:cNvGrpSpPr/>
+        <p:nvPr/>
+      </p:nvGrpSpPr>
+      <p:grpSpPr>
+        <a:xfrm>
+          <a:off x="0" y="0"/>
+          <a:ext cx="0" cy="0"/>
+          <a:chOff x="0" y="0"/>
+          <a:chExt cx="0" cy="0"/>
+        </a:xfrm>
+      </p:grpSpPr>
+      <p:sp>
+        <p:nvSpPr>
+          <p:cNvPr id="2" name="Espaço Reservado para Imagem de Slide 1"/>
+          <p:cNvSpPr>
+            <a:spLocks noGrp="1" noRot="1" noChangeAspect="1"/>
+          </p:cNvSpPr>
+          <p:nvPr>
+            <p:ph type="sldImg"/>
+          </p:nvPr>
+        </p:nvSpPr>
+        <p:spPr/>
+      </p:sp>
+      <p:sp>
+        <p:nvSpPr>
+          <p:cNvPr id="3" name="Espaço Reservado para Anotações 2"/>
+          <p:cNvSpPr>
+            <a:spLocks noGrp="1"/>
+          </p:cNvSpPr>
+          <p:nvPr>
+            <p:ph type="body" idx="1"/>
+          </p:nvPr>
+        </p:nvSpPr>
+        <p:spPr/>
+        <p:txBody>
+          <a:bodyPr/>
+          <a:lstStyle/>
+          <a:p>
+            <a:r>
+              <a:rPr lang="pt-BR" dirty="0"/>
+              <a:t>Aqui temos o mesmo caso de uso da web-loja que vimos anteriormente, já com os </a:t>
+            </a:r>
+            <a:r>
+              <a:rPr lang="pt-BR" dirty="0" err="1"/>
+              <a:t>circuit-breakers</a:t>
+            </a:r>
+            <a:r>
+              <a:rPr lang="pt-BR" dirty="0"/>
+              <a:t> no serviço A e B ali, e só pra dar mais uma ilustrada, digamos que temos um serviço apartado de log que o serviço de pagamento chama ...</a:t>
+            </a:r>
+          </a:p>
+          <a:p>
+            <a:endParaRPr lang="pt-BR" dirty="0"/>
+          </a:p>
+          <a:p>
+            <a:r>
+              <a:rPr lang="pt-BR" dirty="0"/>
+              <a:t>Bem, pensando no nosso negocio, e analisando um por um, por exemplo, o serviço de log, não seria obrigatório ter uma espécie de </a:t>
+            </a:r>
+            <a:r>
+              <a:rPr lang="pt-BR" dirty="0" err="1"/>
+              <a:t>circuit-breaker</a:t>
+            </a:r>
+            <a:r>
+              <a:rPr lang="pt-BR" dirty="0"/>
+              <a:t>, pois digamos q ele funciona de maneira assíncrona, eu mando do meu serviço de pagamento , pro serviço de log as informações lá pra </a:t>
+            </a:r>
+            <a:r>
+              <a:rPr lang="pt-BR" dirty="0" err="1"/>
+              <a:t>logar</a:t>
+            </a:r>
+            <a:r>
+              <a:rPr lang="pt-BR" dirty="0"/>
+              <a:t> e esqueço, funciona com chamadas assíncronas, ou seja, não preciso ficar esperando a resposta, e por exemplo, visando o meu negócio, não seria crucial, ele não impactaria tanto caso estivesse fora por algum problema X ai</a:t>
+            </a:r>
+          </a:p>
+          <a:p>
+            <a:endParaRPr lang="pt-BR" dirty="0"/>
+          </a:p>
+          <a:p>
+            <a:r>
+              <a:rPr lang="pt-BR" dirty="0"/>
+              <a:t>Agora o serviço de recomendação, bem, digamos que o </a:t>
+            </a:r>
+            <a:r>
+              <a:rPr lang="pt-BR" dirty="0" err="1"/>
+              <a:t>circuit</a:t>
+            </a:r>
+            <a:r>
+              <a:rPr lang="pt-BR" dirty="0"/>
+              <a:t> </a:t>
+            </a:r>
+            <a:r>
+              <a:rPr lang="pt-BR" dirty="0" err="1"/>
+              <a:t>breaker</a:t>
+            </a:r>
+            <a:r>
+              <a:rPr lang="pt-BR" dirty="0"/>
+              <a:t> pra chamada dele, seja opcional, por exemplo, ele é um serviço síncrono sim, onde o meu cliente </a:t>
+            </a:r>
+            <a:r>
+              <a:rPr lang="pt-BR" dirty="0" err="1"/>
+              <a:t>la</a:t>
+            </a:r>
+            <a:r>
+              <a:rPr lang="pt-BR" dirty="0"/>
+              <a:t> no app dele vai esperar a resposta desse serviço e </a:t>
+            </a:r>
+            <a:r>
+              <a:rPr lang="pt-BR" dirty="0" err="1"/>
+              <a:t>tals</a:t>
+            </a:r>
+            <a:r>
+              <a:rPr lang="pt-BR" dirty="0"/>
+              <a:t>, mas digamos que nele eu poderia ter nenhuma estratégia de </a:t>
+            </a:r>
+            <a:r>
+              <a:rPr lang="pt-BR" dirty="0" err="1"/>
+              <a:t>fallback</a:t>
+            </a:r>
+            <a:r>
+              <a:rPr lang="pt-BR" dirty="0"/>
+              <a:t>, não mostrar nada pro cliente ou simplesmente dar um erro direto, falando q algo está fora e já era, ou poderia ter alguma estratégia de </a:t>
+            </a:r>
+            <a:r>
+              <a:rPr lang="pt-BR" dirty="0" err="1"/>
+              <a:t>fallback</a:t>
+            </a:r>
+            <a:r>
+              <a:rPr lang="pt-BR" dirty="0"/>
+              <a:t> especifica, talvez trabalhar com algumas recomendações estáticas, mostrar os mais vendidos, os melhores avaliados , algo baseado em uma base de dados local, cache de uma chamada anterior, algo do tipo e mostrar pro cliente, mas nesse cenário depende .... Eu não tenho ideia do que seria melhor, pode depender do custo que é pra fazer isso, mas nesse caso é uma estratégia q depende exatamente de quem esta a frente do negócio (business) decidir o que é melhor fazer aqui nesse </a:t>
+            </a:r>
+            <a:r>
+              <a:rPr lang="pt-BR" dirty="0" err="1"/>
+              <a:t>cenario</a:t>
+            </a:r>
+            <a:endParaRPr lang="pt-BR" dirty="0"/>
+          </a:p>
+          <a:p>
+            <a:endParaRPr lang="pt-BR" dirty="0"/>
+          </a:p>
+          <a:p>
+            <a:r>
+              <a:rPr lang="pt-BR" dirty="0"/>
+              <a:t>O serviço de preço por exemplo, já seria talvez algo obrigatório, pois é melhor vender algo com um preço digamos que “desatualizado” do que vender nada, ai aqui eu poderia aceitar sei lá, dados do valor, nem q sejam desatualizados de alguma outra origem de dados, ou talvez ter um cache em memoria com esses valores como estratégia de </a:t>
+            </a:r>
+            <a:r>
+              <a:rPr lang="pt-BR" dirty="0" err="1"/>
+              <a:t>fallback</a:t>
+            </a:r>
+            <a:endParaRPr lang="pt-BR" dirty="0"/>
+          </a:p>
+          <a:p>
+            <a:endParaRPr lang="pt-BR" dirty="0"/>
+          </a:p>
+          <a:p>
+            <a:r>
+              <a:rPr lang="pt-BR" dirty="0"/>
+              <a:t>E o de pagamento, talvez o mais critico, pois de alguma maneira, eu tenho que receber o valor do produto q foi vendido, e cobrar o provedor de pagamento que vai cobrar do meu cliente, talvez, colocar de alguma maneira esses pagamentos em uma fila, e </a:t>
+            </a:r>
+            <a:r>
+              <a:rPr lang="pt-BR" dirty="0" err="1"/>
+              <a:t>qdo</a:t>
+            </a:r>
+            <a:r>
+              <a:rPr lang="pt-BR" dirty="0"/>
+              <a:t> tiver de volta eu mando pro serviço, ou sei lá ter alguma maneira de mandar pro meu cliente um </a:t>
+            </a:r>
+            <a:r>
+              <a:rPr lang="pt-BR" dirty="0" err="1"/>
+              <a:t>email</a:t>
+            </a:r>
+            <a:r>
+              <a:rPr lang="pt-BR" dirty="0"/>
+              <a:t> e avisar pra ele me pagar aquele “boleto” ou código gerado, sei </a:t>
+            </a:r>
+            <a:r>
+              <a:rPr lang="pt-BR" dirty="0" err="1"/>
+              <a:t>la</a:t>
+            </a:r>
+            <a:r>
+              <a:rPr lang="pt-BR" dirty="0"/>
+              <a:t> assim que eu identificar que o sistema tiver de volta e enviar uma notificação pra ele, pra </a:t>
+            </a:r>
+            <a:r>
+              <a:rPr lang="pt-BR" dirty="0" err="1"/>
+              <a:t>dps</a:t>
+            </a:r>
+            <a:r>
+              <a:rPr lang="pt-BR" dirty="0"/>
+              <a:t> disso o pedido dele ser preparado ... Bem, não seria a melhor maneira, mas também não iria impactar 100% no funcionamento da minha loja</a:t>
+            </a:r>
+          </a:p>
+        </p:txBody>
+      </p:sp>
+      <p:sp>
+        <p:nvSpPr>
+          <p:cNvPr id="4" name="Espaço Reservado para Número de Slide 3"/>
+          <p:cNvSpPr>
+            <a:spLocks noGrp="1"/>
+          </p:cNvSpPr>
+          <p:nvPr>
+            <p:ph type="sldNum" sz="quarter" idx="5"/>
+          </p:nvPr>
+        </p:nvSpPr>
+        <p:spPr/>
+        <p:txBody>
+          <a:bodyPr/>
+          <a:lstStyle/>
+          <a:p>
+            <a:fld id="{CB471B41-DA84-4A75-B43F-B62CF19B31B6}" type="slidenum">
+              <a:rPr lang="pt-BR" smtClean="0"/>
+              <a:t>9</a:t>
+            </a:fld>
+            <a:endParaRPr lang="pt-BR"/>
+          </a:p>
+        </p:txBody>
+      </p:sp>
+    </p:spTree>
+    <p:extLst>
+      <p:ext uri="{BB962C8B-B14F-4D97-AF65-F5344CB8AC3E}">
+        <p14:creationId xmlns:p14="http://schemas.microsoft.com/office/powerpoint/2010/main" val="3632789029"/>
+      </p:ext>
+    </p:extLst>
+  </p:cSld>
+  <p:clrMapOvr>
+    <a:masterClrMapping/>
+  </p:clrMapOvr>
+</p:notes>
+</file>
+
+<file path=ppt/notesSlides/notesSlide9.xml><?xml version="1.0" encoding="utf-8"?>
+<p:notes xmlns:a="http://schemas.openxmlformats.org/drawingml/2006/main" xmlns:r="http://schemas.openxmlformats.org/officeDocument/2006/relationships" xmlns:p="http://schemas.openxmlformats.org/presentationml/2006/main">
+  <p:cSld>
+    <p:spTree>
+      <p:nvGrpSpPr>
+        <p:cNvPr id="1" name=""/>
+        <p:cNvGrpSpPr/>
+        <p:nvPr/>
+      </p:nvGrpSpPr>
+      <p:grpSpPr>
+        <a:xfrm>
+          <a:off x="0" y="0"/>
+          <a:ext cx="0" cy="0"/>
+          <a:chOff x="0" y="0"/>
+          <a:chExt cx="0" cy="0"/>
+        </a:xfrm>
+      </p:grpSpPr>
+      <p:sp>
+        <p:nvSpPr>
+          <p:cNvPr id="2" name="Espaço Reservado para Imagem de Slide 1"/>
+          <p:cNvSpPr>
+            <a:spLocks noGrp="1" noRot="1" noChangeAspect="1"/>
+          </p:cNvSpPr>
+          <p:nvPr>
+            <p:ph type="sldImg"/>
+          </p:nvPr>
+        </p:nvSpPr>
+        <p:spPr/>
+      </p:sp>
+      <p:sp>
+        <p:nvSpPr>
+          <p:cNvPr id="3" name="Espaço Reservado para Anotações 2"/>
+          <p:cNvSpPr>
+            <a:spLocks noGrp="1"/>
+          </p:cNvSpPr>
+          <p:nvPr>
+            <p:ph type="body" idx="1"/>
+          </p:nvPr>
+        </p:nvSpPr>
+        <p:spPr/>
+        <p:txBody>
+          <a:bodyPr/>
+          <a:lstStyle/>
+          <a:p>
+            <a:r>
+              <a:rPr lang="pt-BR" dirty="0"/>
+              <a:t>Bem, ai baseado nisso, nessa explicação, pro </a:t>
+            </a:r>
+            <a:r>
+              <a:rPr lang="pt-BR" dirty="0" err="1"/>
+              <a:t>circuit</a:t>
+            </a:r>
+            <a:r>
+              <a:rPr lang="pt-BR" dirty="0"/>
+              <a:t> </a:t>
+            </a:r>
+            <a:r>
+              <a:rPr lang="pt-BR" dirty="0" err="1"/>
+              <a:t>breaker</a:t>
+            </a:r>
+            <a:r>
+              <a:rPr lang="pt-BR" dirty="0"/>
+              <a:t> na nossa </a:t>
+            </a:r>
+            <a:r>
+              <a:rPr lang="pt-BR" dirty="0" err="1"/>
+              <a:t>area</a:t>
+            </a:r>
+            <a:r>
+              <a:rPr lang="pt-BR" dirty="0"/>
+              <a:t>, tem algumas estratégias de </a:t>
+            </a:r>
+            <a:r>
+              <a:rPr lang="pt-BR" dirty="0" err="1"/>
+              <a:t>fallback</a:t>
+            </a:r>
+            <a:r>
+              <a:rPr lang="pt-BR" dirty="0"/>
+              <a:t> que a gente pode seguir ... </a:t>
+            </a:r>
+          </a:p>
+          <a:p>
+            <a:endParaRPr lang="pt-BR" dirty="0"/>
+          </a:p>
+          <a:p>
+            <a:r>
+              <a:rPr lang="pt-BR" dirty="0"/>
+              <a:t>Que seriam, simplesmente, falhar rapidamente , utilizando de uma estratégia de </a:t>
+            </a:r>
+            <a:r>
+              <a:rPr lang="pt-BR" dirty="0" err="1"/>
+              <a:t>service</a:t>
+            </a:r>
+            <a:r>
+              <a:rPr lang="pt-BR" dirty="0"/>
+              <a:t> </a:t>
+            </a:r>
+            <a:r>
+              <a:rPr lang="pt-BR" dirty="0" err="1"/>
+              <a:t>meshes</a:t>
+            </a:r>
+            <a:r>
+              <a:rPr lang="pt-BR" dirty="0"/>
+              <a:t>, com </a:t>
+            </a:r>
+            <a:r>
+              <a:rPr lang="pt-BR" dirty="0" err="1"/>
+              <a:t>proxys</a:t>
+            </a:r>
+            <a:r>
+              <a:rPr lang="pt-BR" dirty="0"/>
+              <a:t> e </a:t>
+            </a:r>
+            <a:r>
+              <a:rPr lang="pt-BR" dirty="0" err="1"/>
+              <a:t>tals</a:t>
+            </a:r>
+            <a:r>
+              <a:rPr lang="pt-BR" dirty="0"/>
+              <a:t>, esse cara eu não consegui entrar </a:t>
+            </a:r>
+            <a:r>
+              <a:rPr lang="pt-BR" dirty="0" err="1"/>
+              <a:t>mto</a:t>
+            </a:r>
+            <a:r>
+              <a:rPr lang="pt-BR" dirty="0"/>
+              <a:t> a fundo mas vou dar uma </a:t>
+            </a:r>
+            <a:r>
+              <a:rPr lang="pt-BR" dirty="0" err="1"/>
+              <a:t>intro</a:t>
+            </a:r>
+            <a:r>
+              <a:rPr lang="pt-BR" dirty="0"/>
+              <a:t> pra </a:t>
+            </a:r>
+            <a:r>
+              <a:rPr lang="pt-BR" dirty="0" err="1"/>
+              <a:t>vcs</a:t>
+            </a:r>
+            <a:r>
+              <a:rPr lang="pt-BR" dirty="0"/>
+              <a:t>, como exemplo de um framework q tem essas configurações em um </a:t>
+            </a:r>
+            <a:r>
+              <a:rPr lang="pt-BR" dirty="0" err="1"/>
+              <a:t>service</a:t>
+            </a:r>
+            <a:r>
+              <a:rPr lang="pt-BR" dirty="0"/>
+              <a:t> </a:t>
+            </a:r>
+            <a:r>
+              <a:rPr lang="pt-BR" dirty="0" err="1"/>
+              <a:t>mesh</a:t>
+            </a:r>
+            <a:r>
+              <a:rPr lang="pt-BR" dirty="0"/>
+              <a:t> seria o </a:t>
+            </a:r>
+            <a:r>
+              <a:rPr lang="pt-BR" dirty="0" err="1"/>
+              <a:t>istio</a:t>
+            </a:r>
+            <a:r>
+              <a:rPr lang="pt-BR" dirty="0"/>
+              <a:t> (eu linkei aqui um vídeo de explicação sobre esse método, caso alguém quiser </a:t>
+            </a:r>
+            <a:r>
+              <a:rPr lang="pt-BR" dirty="0" err="1"/>
+              <a:t>dps</a:t>
+            </a:r>
+            <a:r>
+              <a:rPr lang="pt-BR" dirty="0"/>
+              <a:t> me avisa q eu mando, ou então no final da apresentação eu jogo alguns links aqui).</a:t>
+            </a:r>
+            <a:br>
+              <a:rPr lang="pt-BR" dirty="0"/>
+            </a:br>
+            <a:br>
+              <a:rPr lang="pt-BR" dirty="0"/>
+            </a:br>
+            <a:r>
+              <a:rPr lang="pt-BR" dirty="0"/>
+              <a:t>Ou então, ter uma logica de negócios, q necessariamente vai ter que estar dentro da sua aplicação, onde </a:t>
+            </a:r>
+            <a:r>
+              <a:rPr lang="pt-BR" dirty="0" err="1"/>
+              <a:t>vc</a:t>
+            </a:r>
+            <a:r>
+              <a:rPr lang="pt-BR" dirty="0"/>
+              <a:t> vai implementar ela, e configurar ela pra ser utilizada com o </a:t>
+            </a:r>
+            <a:r>
+              <a:rPr lang="pt-BR" dirty="0" err="1"/>
+              <a:t>circuit</a:t>
+            </a:r>
+            <a:r>
+              <a:rPr lang="pt-BR" dirty="0"/>
+              <a:t> </a:t>
+            </a:r>
+            <a:r>
+              <a:rPr lang="pt-BR" dirty="0" err="1"/>
+              <a:t>breaker</a:t>
+            </a:r>
+            <a:r>
+              <a:rPr lang="pt-BR" dirty="0"/>
+              <a:t>, de alguma </a:t>
+            </a:r>
+            <a:r>
+              <a:rPr lang="pt-BR" dirty="0" err="1"/>
+              <a:t>lib</a:t>
+            </a:r>
+            <a:r>
+              <a:rPr lang="pt-BR" dirty="0"/>
+              <a:t> a sua escolha q vai </a:t>
+            </a:r>
+            <a:r>
+              <a:rPr lang="pt-BR" dirty="0" err="1"/>
+              <a:t>tar</a:t>
+            </a:r>
+            <a:r>
+              <a:rPr lang="pt-BR" dirty="0"/>
+              <a:t> junto com a sua aplicação.... a que eu pesquisei e vou mostrar um pouco pra </a:t>
+            </a:r>
+            <a:r>
+              <a:rPr lang="pt-BR" dirty="0" err="1"/>
+              <a:t>vcs</a:t>
+            </a:r>
+            <a:r>
+              <a:rPr lang="pt-BR" dirty="0"/>
+              <a:t> também aqui, é a do </a:t>
+            </a:r>
+            <a:r>
+              <a:rPr lang="pt-BR" dirty="0" err="1"/>
+              <a:t>Resilience</a:t>
+            </a:r>
+            <a:r>
+              <a:rPr lang="pt-BR" dirty="0"/>
+              <a:t> 4 J</a:t>
+            </a:r>
+            <a:br>
+              <a:rPr lang="pt-BR" dirty="0"/>
+            </a:br>
+            <a:endParaRPr lang="pt-BR" dirty="0"/>
+          </a:p>
+        </p:txBody>
+      </p:sp>
+      <p:sp>
+        <p:nvSpPr>
+          <p:cNvPr id="4" name="Espaço Reservado para Número de Slide 3"/>
+          <p:cNvSpPr>
+            <a:spLocks noGrp="1"/>
+          </p:cNvSpPr>
+          <p:nvPr>
+            <p:ph type="sldNum" sz="quarter" idx="5"/>
+          </p:nvPr>
+        </p:nvSpPr>
+        <p:spPr/>
+        <p:txBody>
+          <a:bodyPr/>
+          <a:lstStyle/>
+          <a:p>
+            <a:fld id="{CB471B41-DA84-4A75-B43F-B62CF19B31B6}" type="slidenum">
+              <a:rPr lang="pt-BR" smtClean="0"/>
+              <a:t>10</a:t>
+            </a:fld>
+            <a:endParaRPr lang="pt-BR"/>
+          </a:p>
+        </p:txBody>
+      </p:sp>
+    </p:spTree>
+    <p:extLst>
+      <p:ext uri="{BB962C8B-B14F-4D97-AF65-F5344CB8AC3E}">
+        <p14:creationId xmlns:p14="http://schemas.microsoft.com/office/powerpoint/2010/main" val="4214288901"/>
       </p:ext>
     </p:extLst>
   </p:cSld>
@@ -1011,7 +2845,7 @@
           <a:p>
             <a:fld id="{AD73DC33-42DD-4062-BC62-231C1BBE072E}" type="datetimeFigureOut">
               <a:rPr lang="pt-BR" smtClean="0"/>
-              <a:t>26/09/2021</a:t>
+              <a:t>04/10/2021</a:t>
             </a:fld>
             <a:endParaRPr lang="pt-BR"/>
           </a:p>
@@ -1209,7 +3043,7 @@
           <a:p>
             <a:fld id="{AD73DC33-42DD-4062-BC62-231C1BBE072E}" type="datetimeFigureOut">
               <a:rPr lang="pt-BR" smtClean="0"/>
-              <a:t>26/09/2021</a:t>
+              <a:t>04/10/2021</a:t>
             </a:fld>
             <a:endParaRPr lang="pt-BR"/>
           </a:p>
@@ -1417,7 +3251,7 @@
           <a:p>
             <a:fld id="{AD73DC33-42DD-4062-BC62-231C1BBE072E}" type="datetimeFigureOut">
               <a:rPr lang="pt-BR" smtClean="0"/>
-              <a:t>26/09/2021</a:t>
+              <a:t>04/10/2021</a:t>
             </a:fld>
             <a:endParaRPr lang="pt-BR"/>
           </a:p>
@@ -1615,7 +3449,7 @@
           <a:p>
             <a:fld id="{AD73DC33-42DD-4062-BC62-231C1BBE072E}" type="datetimeFigureOut">
               <a:rPr lang="pt-BR" smtClean="0"/>
-              <a:t>26/09/2021</a:t>
+              <a:t>04/10/2021</a:t>
             </a:fld>
             <a:endParaRPr lang="pt-BR"/>
           </a:p>
@@ -1890,7 +3724,7 @@
           <a:p>
             <a:fld id="{AD73DC33-42DD-4062-BC62-231C1BBE072E}" type="datetimeFigureOut">
               <a:rPr lang="pt-BR" smtClean="0"/>
-              <a:t>26/09/2021</a:t>
+              <a:t>04/10/2021</a:t>
             </a:fld>
             <a:endParaRPr lang="pt-BR"/>
           </a:p>
@@ -2155,7 +3989,7 @@
           <a:p>
             <a:fld id="{AD73DC33-42DD-4062-BC62-231C1BBE072E}" type="datetimeFigureOut">
               <a:rPr lang="pt-BR" smtClean="0"/>
-              <a:t>26/09/2021</a:t>
+              <a:t>04/10/2021</a:t>
             </a:fld>
             <a:endParaRPr lang="pt-BR"/>
           </a:p>
@@ -2567,7 +4401,7 @@
           <a:p>
             <a:fld id="{AD73DC33-42DD-4062-BC62-231C1BBE072E}" type="datetimeFigureOut">
               <a:rPr lang="pt-BR" smtClean="0"/>
-              <a:t>26/09/2021</a:t>
+              <a:t>04/10/2021</a:t>
             </a:fld>
             <a:endParaRPr lang="pt-BR"/>
           </a:p>
@@ -2708,7 +4542,7 @@
           <a:p>
             <a:fld id="{AD73DC33-42DD-4062-BC62-231C1BBE072E}" type="datetimeFigureOut">
               <a:rPr lang="pt-BR" smtClean="0"/>
-              <a:t>26/09/2021</a:t>
+              <a:t>04/10/2021</a:t>
             </a:fld>
             <a:endParaRPr lang="pt-BR"/>
           </a:p>
@@ -2821,7 +4655,7 @@
           <a:p>
             <a:fld id="{AD73DC33-42DD-4062-BC62-231C1BBE072E}" type="datetimeFigureOut">
               <a:rPr lang="pt-BR" smtClean="0"/>
-              <a:t>26/09/2021</a:t>
+              <a:t>04/10/2021</a:t>
             </a:fld>
             <a:endParaRPr lang="pt-BR"/>
           </a:p>
@@ -3132,7 +4966,7 @@
           <a:p>
             <a:fld id="{AD73DC33-42DD-4062-BC62-231C1BBE072E}" type="datetimeFigureOut">
               <a:rPr lang="pt-BR" smtClean="0"/>
-              <a:t>26/09/2021</a:t>
+              <a:t>04/10/2021</a:t>
             </a:fld>
             <a:endParaRPr lang="pt-BR"/>
           </a:p>
@@ -3420,7 +5254,7 @@
           <a:p>
             <a:fld id="{AD73DC33-42DD-4062-BC62-231C1BBE072E}" type="datetimeFigureOut">
               <a:rPr lang="pt-BR" smtClean="0"/>
-              <a:t>26/09/2021</a:t>
+              <a:t>04/10/2021</a:t>
             </a:fld>
             <a:endParaRPr lang="pt-BR"/>
           </a:p>
@@ -3661,7 +5495,7 @@
           <a:p>
             <a:fld id="{AD73DC33-42DD-4062-BC62-231C1BBE072E}" type="datetimeFigureOut">
               <a:rPr lang="pt-BR" smtClean="0"/>
-              <a:t>26/09/2021</a:t>
+              <a:t>04/10/2021</a:t>
             </a:fld>
             <a:endParaRPr lang="pt-BR"/>
           </a:p>
@@ -4227,7 +6061,7 @@
             </a:r>
             <a:r>
               <a:rPr lang="pt-BR" i="1" dirty="0" err="1">
-                <a:hlinkClick r:id="rId2"/>
+                <a:hlinkClick r:id="rId3"/>
               </a:rPr>
               <a:t>Istio</a:t>
             </a:r>
@@ -4876,7 +6710,7 @@
           <a:p>
             <a:r>
               <a:rPr lang="pt-BR" i="1" dirty="0">
-                <a:hlinkClick r:id="rId2"/>
+                <a:hlinkClick r:id="rId3"/>
               </a:rPr>
               <a:t>Resilience4J</a:t>
             </a:r>
@@ -4980,7 +6814,7 @@
             </a:r>
             <a:r>
               <a:rPr lang="pt-BR" i="1" dirty="0" err="1">
-                <a:hlinkClick r:id="rId3"/>
+                <a:hlinkClick r:id="rId4"/>
               </a:rPr>
               <a:t>Vavr</a:t>
             </a:r>
@@ -5278,7 +7112,7 @@
           <p:nvPr/>
         </p:nvPicPr>
         <p:blipFill>
-          <a:blip r:embed="rId2"/>
+          <a:blip r:embed="rId3"/>
           <a:stretch>
             <a:fillRect/>
           </a:stretch>
@@ -5591,7 +7425,7 @@
           <p:nvPr/>
         </p:nvPicPr>
         <p:blipFill>
-          <a:blip r:embed="rId2">
+          <a:blip r:embed="rId3">
             <a:extLst>
               <a:ext uri="{28A0092B-C50C-407E-A947-70E740481C1C}">
                 <a14:useLocalDpi xmlns:a14="http://schemas.microsoft.com/office/drawing/2010/main" val="0"/>
@@ -5627,7 +7461,7 @@
           <p:nvPr/>
         </p:nvPicPr>
         <p:blipFill>
-          <a:blip r:embed="rId2">
+          <a:blip r:embed="rId3">
             <a:extLst>
               <a:ext uri="{28A0092B-C50C-407E-A947-70E740481C1C}">
                 <a14:useLocalDpi xmlns:a14="http://schemas.microsoft.com/office/drawing/2010/main" val="0"/>
@@ -6890,7 +8724,7 @@
           <p:nvPr/>
         </p:nvPicPr>
         <p:blipFill>
-          <a:blip r:embed="rId2">
+          <a:blip r:embed="rId3">
             <a:extLst>
               <a:ext uri="{28A0092B-C50C-407E-A947-70E740481C1C}">
                 <a14:useLocalDpi xmlns:a14="http://schemas.microsoft.com/office/drawing/2010/main" val="0"/>
@@ -6968,7 +8802,7 @@
           <p:nvPr/>
         </p:nvPicPr>
         <p:blipFill>
-          <a:blip r:embed="rId2">
+          <a:blip r:embed="rId3">
             <a:extLst>
               <a:ext uri="{28A0092B-C50C-407E-A947-70E740481C1C}">
                 <a14:useLocalDpi xmlns:a14="http://schemas.microsoft.com/office/drawing/2010/main" val="0"/>
@@ -8559,7 +10393,7 @@
           <p:nvPr/>
         </p:nvPicPr>
         <p:blipFill>
-          <a:blip r:embed="rId2">
+          <a:blip r:embed="rId3">
             <a:extLst>
               <a:ext uri="{28A0092B-C50C-407E-A947-70E740481C1C}">
                 <a14:useLocalDpi xmlns:a14="http://schemas.microsoft.com/office/drawing/2010/main" val="0"/>
@@ -8637,7 +10471,7 @@
           <p:nvPr/>
         </p:nvPicPr>
         <p:blipFill>
-          <a:blip r:embed="rId2">
+          <a:blip r:embed="rId3">
             <a:extLst>
               <a:ext uri="{28A0092B-C50C-407E-A947-70E740481C1C}">
                 <a14:useLocalDpi xmlns:a14="http://schemas.microsoft.com/office/drawing/2010/main" val="0"/>

--- a/circuit breaker.pptx
+++ b/circuit breaker.pptx
@@ -5,10 +5,10 @@
     <p:sldMasterId id="2147483648" r:id="rId1"/>
   </p:sldMasterIdLst>
   <p:notesMasterIdLst>
-    <p:notesMasterId r:id="rId14"/>
+    <p:notesMasterId r:id="rId15"/>
   </p:notesMasterIdLst>
   <p:sldIdLst>
-    <p:sldId id="256" r:id="rId2"/>
+    <p:sldId id="278" r:id="rId2"/>
     <p:sldId id="262" r:id="rId3"/>
     <p:sldId id="273" r:id="rId4"/>
     <p:sldId id="266" r:id="rId5"/>
@@ -20,6 +20,7 @@
     <p:sldId id="275" r:id="rId11"/>
     <p:sldId id="276" r:id="rId12"/>
     <p:sldId id="277" r:id="rId13"/>
+    <p:sldId id="279" r:id="rId14"/>
   </p:sldIdLst>
   <p:sldSz cx="12192000" cy="6858000"/>
   <p:notesSz cx="6858000" cy="9144000"/>
@@ -208,7 +209,7 @@
           <a:p>
             <a:fld id="{FB94CB17-A0FB-4517-AB07-3CA3AE17D330}" type="datetimeFigureOut">
               <a:rPr lang="pt-BR" smtClean="0"/>
-              <a:t>04/10/2021</a:t>
+              <a:t>12/10/2021</a:t>
             </a:fld>
             <a:endParaRPr lang="pt-BR"/>
           </a:p>
@@ -476,11 +477,11 @@
 </file>
 
 <file path=ppt/notesSlides/notesSlide1.xml><?xml version="1.0" encoding="utf-8"?>
-<p:notes xmlns:a="http://schemas.openxmlformats.org/drawingml/2006/main" xmlns:r="http://schemas.openxmlformats.org/officeDocument/2006/relationships" xmlns:p="http://schemas.openxmlformats.org/presentationml/2006/main">
+<p:notes xmlns:a="http://schemas.openxmlformats.org/drawingml/2006/main" xmlns:r="http://schemas.openxmlformats.org/officeDocument/2006/relationships" xmlns:p="http://schemas.openxmlformats.org/presentationml/2006/main" showMasterSp="0" showMasterPhAnim="0">
   <p:cSld>
     <p:spTree>
       <p:nvGrpSpPr>
-        <p:cNvPr id="1" name=""/>
+        <p:cNvPr id="1" name="Shape 158"/>
         <p:cNvGrpSpPr/>
         <p:nvPr/>
       </p:nvGrpSpPr>
@@ -494,180 +495,84 @@
       </p:grpSpPr>
       <p:sp>
         <p:nvSpPr>
-          <p:cNvPr id="2" name="Espaço Reservado para Imagem de Slide 1"/>
+          <p:cNvPr id="159" name="Google Shape;159;p:notes"/>
           <p:cNvSpPr>
             <a:spLocks noGrp="1" noRot="1" noChangeAspect="1"/>
           </p:cNvSpPr>
           <p:nvPr>
-            <p:ph type="sldImg"/>
+            <p:ph type="sldImg" idx="2"/>
           </p:nvPr>
         </p:nvSpPr>
-        <p:spPr/>
-      </p:sp>
-      <p:sp>
-        <p:nvSpPr>
-          <p:cNvPr id="3" name="Espaço Reservado para Anotações 2"/>
-          <p:cNvSpPr>
+        <p:spPr>
+          <a:xfrm>
+            <a:off x="381000" y="685800"/>
+            <a:ext cx="6096000" cy="3429000"/>
+          </a:xfrm>
+          <a:custGeom>
+            <a:avLst/>
+            <a:gdLst/>
+            <a:ahLst/>
+            <a:cxnLst/>
+            <a:rect l="l" t="t" r="r" b="b"/>
+            <a:pathLst>
+              <a:path w="120000" h="120000" extrusionOk="0">
+                <a:moveTo>
+                  <a:pt x="0" y="0"/>
+                </a:moveTo>
+                <a:lnTo>
+                  <a:pt x="120000" y="0"/>
+                </a:lnTo>
+                <a:lnTo>
+                  <a:pt x="120000" y="120000"/>
+                </a:lnTo>
+                <a:lnTo>
+                  <a:pt x="0" y="120000"/>
+                </a:lnTo>
+                <a:close/>
+              </a:path>
+            </a:pathLst>
+          </a:custGeom>
+        </p:spPr>
+      </p:sp>
+      <p:sp>
+        <p:nvSpPr>
+          <p:cNvPr id="160" name="Google Shape;160;p:notes"/>
+          <p:cNvSpPr txBox="1">
             <a:spLocks noGrp="1"/>
           </p:cNvSpPr>
           <p:nvPr>
             <p:ph type="body" idx="1"/>
           </p:nvPr>
         </p:nvSpPr>
-        <p:spPr/>
-        <p:txBody>
-          <a:bodyPr/>
+        <p:spPr>
+          <a:xfrm>
+            <a:off x="685800" y="4343400"/>
+            <a:ext cx="5486400" cy="4114800"/>
+          </a:xfrm>
+          <a:prstGeom prst="rect">
+            <a:avLst/>
+          </a:prstGeom>
+        </p:spPr>
+        <p:txBody>
+          <a:bodyPr spcFirstLastPara="1" wrap="square" lIns="91425" tIns="91425" rIns="91425" bIns="91425" anchor="t" anchorCtr="0">
+            <a:noAutofit/>
+          </a:bodyPr>
           <a:lstStyle/>
           <a:p>
-            <a:pPr marL="0" marR="0" lvl="0" indent="0" algn="l" defTabSz="914400" rtl="0" eaLnBrk="1" fontAlgn="auto" latinLnBrk="0" hangingPunct="1">
-              <a:lnSpc>
-                <a:spcPct val="100000"/>
-              </a:lnSpc>
+            <a:pPr marL="0" lvl="0" indent="0" algn="l" rtl="0">
               <a:spcBef>
                 <a:spcPts val="0"/>
               </a:spcBef>
               <a:spcAft>
                 <a:spcPts val="0"/>
               </a:spcAft>
-              <a:buClrTx/>
-              <a:buSzTx/>
-              <a:buFontTx/>
               <a:buNone/>
-              <a:tabLst/>
-              <a:defRPr/>
             </a:pPr>
-            <a:r>
-              <a:rPr lang="pt-BR" dirty="0"/>
-              <a:t>O termo "</a:t>
-            </a:r>
-            <a:r>
-              <a:rPr lang="pt-BR" dirty="0" err="1"/>
-              <a:t>Circuit</a:t>
-            </a:r>
-            <a:r>
-              <a:rPr lang="pt-BR" dirty="0"/>
-              <a:t> </a:t>
-            </a:r>
-            <a:r>
-              <a:rPr lang="pt-BR" dirty="0" err="1"/>
-              <a:t>Breaker</a:t>
-            </a:r>
-            <a:r>
-              <a:rPr lang="pt-BR" dirty="0"/>
-              <a:t>" é utilizado na engenharia elétrica</a:t>
-            </a:r>
-            <a:br>
-              <a:rPr lang="pt-BR" dirty="0"/>
-            </a:br>
-            <a:br>
-              <a:rPr lang="pt-BR" dirty="0"/>
-            </a:br>
-            <a:r>
-              <a:rPr lang="pt-BR" dirty="0"/>
-              <a:t>É um interruptor elétrico projetado para proteger um circuito elétrico de danos causados ​​por falhas na alimentação elétrica, principalmente devido a situações de sobrecorrentes, causadas por exemplo por excesso de carga ou um curto-circuito.</a:t>
-            </a:r>
-          </a:p>
-          <a:p>
-            <a:pPr marL="0" marR="0" lvl="0" indent="0" algn="l" defTabSz="914400" rtl="0" eaLnBrk="1" fontAlgn="auto" latinLnBrk="0" hangingPunct="1">
-              <a:lnSpc>
-                <a:spcPct val="100000"/>
-              </a:lnSpc>
-              <a:spcBef>
-                <a:spcPts val="0"/>
-              </a:spcBef>
-              <a:spcAft>
-                <a:spcPts val="0"/>
-              </a:spcAft>
-              <a:buClrTx/>
-              <a:buSzTx/>
-              <a:buFontTx/>
-              <a:buNone/>
-              <a:tabLst/>
-              <a:defRPr/>
-            </a:pPr>
-            <a:endParaRPr lang="pt-BR" dirty="0"/>
-          </a:p>
-          <a:p>
-            <a:r>
-              <a:rPr lang="pt-BR" dirty="0"/>
-              <a:t>No caso, meio que ele fica analisando e caso perceba um potencial problema, ele abre o circuito. Evitando que dispositivos queimem caso haja uma descarga elétrica anormal que não é segura,  assim o mecanismo desliga e evita que a carga chegue aos </a:t>
-            </a:r>
-            <a:r>
-              <a:rPr lang="pt-BR" dirty="0" err="1"/>
-              <a:t>disposiivos</a:t>
-            </a:r>
-            <a:r>
-              <a:rPr lang="pt-BR" dirty="0"/>
-              <a:t>;</a:t>
-            </a:r>
-          </a:p>
-          <a:p>
-            <a:br>
-              <a:rPr lang="pt-BR" dirty="0"/>
-            </a:br>
-            <a:br>
-              <a:rPr lang="pt-BR" dirty="0"/>
-            </a:br>
-            <a:r>
-              <a:rPr lang="pt-BR" dirty="0"/>
-              <a:t>Antes da gente ver mais sobre o termo </a:t>
-            </a:r>
-            <a:r>
-              <a:rPr lang="pt-BR" dirty="0" err="1"/>
-              <a:t>circuit</a:t>
-            </a:r>
-            <a:r>
-              <a:rPr lang="pt-BR" dirty="0"/>
-              <a:t> </a:t>
-            </a:r>
-            <a:r>
-              <a:rPr lang="pt-BR" dirty="0" err="1"/>
-              <a:t>breaker</a:t>
-            </a:r>
-            <a:r>
-              <a:rPr lang="pt-BR" dirty="0"/>
-              <a:t> na nossa área (em TI), vamos ver tentar problematizar um pouco e ver um fluxo de </a:t>
-            </a:r>
-            <a:r>
-              <a:rPr lang="pt-BR" dirty="0" err="1"/>
-              <a:t>microsserviços</a:t>
-            </a:r>
-            <a:r>
-              <a:rPr lang="pt-BR" dirty="0"/>
-              <a:t> para ilustrar esse cenário no nosso mundo.</a:t>
-            </a:r>
-          </a:p>
-        </p:txBody>
-      </p:sp>
-      <p:sp>
-        <p:nvSpPr>
-          <p:cNvPr id="4" name="Espaço Reservado para Número de Slide 3"/>
-          <p:cNvSpPr>
-            <a:spLocks noGrp="1"/>
-          </p:cNvSpPr>
-          <p:nvPr>
-            <p:ph type="sldNum" sz="quarter" idx="5"/>
-          </p:nvPr>
-        </p:nvSpPr>
-        <p:spPr/>
-        <p:txBody>
-          <a:bodyPr/>
-          <a:lstStyle/>
-          <a:p>
-            <a:fld id="{CB471B41-DA84-4A75-B43F-B62CF19B31B6}" type="slidenum">
-              <a:rPr lang="pt-BR" smtClean="0"/>
-              <a:t>2</a:t>
-            </a:fld>
-            <a:endParaRPr lang="pt-BR"/>
+            <a:endParaRPr/>
           </a:p>
         </p:txBody>
       </p:sp>
     </p:spTree>
-    <p:extLst>
-      <p:ext uri="{BB962C8B-B14F-4D97-AF65-F5344CB8AC3E}">
-        <p14:creationId xmlns:p14="http://schemas.microsoft.com/office/powerpoint/2010/main" val="2057682464"/>
-      </p:ext>
-    </p:extLst>
   </p:cSld>
   <p:clrMapOvr>
     <a:masterClrMapping/>
@@ -721,7 +626,48 @@
           <a:p>
             <a:r>
               <a:rPr lang="pt-BR" dirty="0"/>
-              <a:t>Eu não manjo muito, não consegui pesquisar muito a fundo, mas o </a:t>
+              <a:t>Bem, ai baseado nisso, nessa explicação, pro </a:t>
+            </a:r>
+            <a:r>
+              <a:rPr lang="pt-BR" dirty="0" err="1"/>
+              <a:t>circuit</a:t>
+            </a:r>
+            <a:r>
+              <a:rPr lang="pt-BR" dirty="0"/>
+              <a:t> </a:t>
+            </a:r>
+            <a:r>
+              <a:rPr lang="pt-BR" dirty="0" err="1"/>
+              <a:t>breaker</a:t>
+            </a:r>
+            <a:r>
+              <a:rPr lang="pt-BR" dirty="0"/>
+              <a:t> na nossa </a:t>
+            </a:r>
+            <a:r>
+              <a:rPr lang="pt-BR" dirty="0" err="1"/>
+              <a:t>area</a:t>
+            </a:r>
+            <a:r>
+              <a:rPr lang="pt-BR" dirty="0"/>
+              <a:t>, tem algumas estratégias de </a:t>
+            </a:r>
+            <a:r>
+              <a:rPr lang="pt-BR" dirty="0" err="1"/>
+              <a:t>fallback</a:t>
+            </a:r>
+            <a:r>
+              <a:rPr lang="pt-BR" dirty="0"/>
+              <a:t> que a gente pode seguir ... </a:t>
+            </a:r>
+          </a:p>
+          <a:p>
+            <a:endParaRPr lang="pt-BR" dirty="0"/>
+          </a:p>
+          <a:p>
+            <a:r>
+              <a:rPr lang="pt-BR" dirty="0"/>
+              <a:t>Que seriam, simplesmente, falhar rapidamente , utilizando de uma estratégia de </a:t>
             </a:r>
             <a:r>
               <a:rPr lang="pt-BR" dirty="0" err="1"/>
@@ -733,11 +679,83 @@
             </a:r>
             <a:r>
               <a:rPr lang="pt-BR" dirty="0" err="1"/>
+              <a:t>meshes</a:t>
+            </a:r>
+            <a:r>
+              <a:rPr lang="pt-BR" dirty="0"/>
+              <a:t>, com </a:t>
+            </a:r>
+            <a:r>
+              <a:rPr lang="pt-BR" dirty="0" err="1"/>
+              <a:t>proxys</a:t>
+            </a:r>
+            <a:r>
+              <a:rPr lang="pt-BR" dirty="0"/>
+              <a:t> e </a:t>
+            </a:r>
+            <a:r>
+              <a:rPr lang="pt-BR" dirty="0" err="1"/>
+              <a:t>tals</a:t>
+            </a:r>
+            <a:r>
+              <a:rPr lang="pt-BR" dirty="0"/>
+              <a:t>, esse cara eu não consegui entrar </a:t>
+            </a:r>
+            <a:r>
+              <a:rPr lang="pt-BR" dirty="0" err="1"/>
+              <a:t>mto</a:t>
+            </a:r>
+            <a:r>
+              <a:rPr lang="pt-BR" dirty="0"/>
+              <a:t> a fundo mas vou dar uma </a:t>
+            </a:r>
+            <a:r>
+              <a:rPr lang="pt-BR" dirty="0" err="1"/>
+              <a:t>intro</a:t>
+            </a:r>
+            <a:r>
+              <a:rPr lang="pt-BR" dirty="0"/>
+              <a:t> pra </a:t>
+            </a:r>
+            <a:r>
+              <a:rPr lang="pt-BR" dirty="0" err="1"/>
+              <a:t>vcs</a:t>
+            </a:r>
+            <a:r>
+              <a:rPr lang="pt-BR" dirty="0"/>
+              <a:t>, como exemplo de um framework q tem essas configurações em um </a:t>
+            </a:r>
+            <a:r>
+              <a:rPr lang="pt-BR" dirty="0" err="1"/>
+              <a:t>service</a:t>
+            </a:r>
+            <a:r>
+              <a:rPr lang="pt-BR" dirty="0"/>
+              <a:t> </a:t>
+            </a:r>
+            <a:r>
+              <a:rPr lang="pt-BR" dirty="0" err="1"/>
               <a:t>mesh</a:t>
             </a:r>
             <a:r>
               <a:rPr lang="pt-BR" dirty="0"/>
-              <a:t>&gt;</a:t>
+              <a:t> seria o </a:t>
+            </a:r>
+            <a:r>
+              <a:rPr lang="pt-BR" dirty="0" err="1"/>
+              <a:t>istio</a:t>
+            </a:r>
+            <a:r>
+              <a:rPr lang="pt-BR" dirty="0"/>
+              <a:t> (eu linkei aqui um vídeo de explicação sobre esse método, caso alguém quiser </a:t>
+            </a:r>
+            <a:r>
+              <a:rPr lang="pt-BR" dirty="0" err="1"/>
+              <a:t>dps</a:t>
+            </a:r>
+            <a:r>
+              <a:rPr lang="pt-BR" dirty="0"/>
+              <a:t> me avisa q eu mando, ou então no final da apresentação eu jogo alguns links aqui).</a:t>
             </a:r>
             <a:br>
               <a:rPr lang="pt-BR" dirty="0"/>
@@ -747,7 +765,7 @@
             </a:br>
             <a:r>
               <a:rPr lang="pt-BR" dirty="0"/>
-              <a:t>Aqui digamos q </a:t>
+              <a:t>Ou então, ter uma logica de negócios, q necessariamente vai ter que estar dentro da sua aplicação, onde </a:t>
             </a:r>
             <a:r>
               <a:rPr lang="pt-BR" dirty="0" err="1"/>
@@ -755,23 +773,7 @@
             </a:r>
             <a:r>
               <a:rPr lang="pt-BR" dirty="0"/>
-              <a:t> tem a sua aplicação ali, implantada num </a:t>
-            </a:r>
-            <a:r>
-              <a:rPr lang="pt-BR" dirty="0" err="1"/>
-              <a:t>containerzinho</a:t>
-            </a:r>
-            <a:r>
-              <a:rPr lang="pt-BR" dirty="0"/>
-              <a:t> junto com um proxy, e em vez de a aplicação se comunicar diretamente com a outra aplicação, ele vai trabalhar se comunicando com o proxy, assim </a:t>
-            </a:r>
-            <a:r>
-              <a:rPr lang="pt-BR" dirty="0" err="1"/>
-              <a:t>vc</a:t>
-            </a:r>
-            <a:r>
-              <a:rPr lang="pt-BR" dirty="0"/>
-              <a:t> consegue por ele, já saber as informações necessárias e configurações , pra ativar o </a:t>
+              <a:t> vai implementar ela, e configurar ela pra ser utilizada com o </a:t>
             </a:r>
             <a:r>
               <a:rPr lang="pt-BR" dirty="0" err="1"/>
@@ -787,203 +789,44 @@
             </a:r>
             <a:r>
               <a:rPr lang="pt-BR" dirty="0"/>
-              <a:t> caso ele identifique o problema</a:t>
-            </a:r>
-          </a:p>
-          <a:p>
+              <a:t>, de alguma </a:t>
+            </a:r>
+            <a:r>
+              <a:rPr lang="pt-BR" dirty="0" err="1"/>
+              <a:t>lib</a:t>
+            </a:r>
+            <a:r>
+              <a:rPr lang="pt-BR" dirty="0"/>
+              <a:t> a sua escolha q vai </a:t>
+            </a:r>
+            <a:r>
+              <a:rPr lang="pt-BR" dirty="0" err="1"/>
+              <a:t>tar</a:t>
+            </a:r>
+            <a:r>
+              <a:rPr lang="pt-BR" dirty="0"/>
+              <a:t> junto com a sua aplicação.... a que eu pesquisei e vou mostrar um pouco pra </a:t>
+            </a:r>
+            <a:r>
+              <a:rPr lang="pt-BR" dirty="0" err="1"/>
+              <a:t>vcs</a:t>
+            </a:r>
+            <a:r>
+              <a:rPr lang="pt-BR" dirty="0"/>
+              <a:t> também aqui, é a do </a:t>
+            </a:r>
+            <a:r>
+              <a:rPr lang="pt-BR" dirty="0" err="1"/>
+              <a:t>Resilience</a:t>
+            </a:r>
+            <a:r>
+              <a:rPr lang="pt-BR" dirty="0"/>
+              <a:t> 4 J</a:t>
+            </a:r>
+            <a:br>
+              <a:rPr lang="pt-BR" dirty="0"/>
+            </a:br>
             <a:endParaRPr lang="pt-BR" dirty="0"/>
-          </a:p>
-          <a:p>
-            <a:r>
-              <a:rPr lang="pt-BR" dirty="0"/>
-              <a:t>Em questão a configuração por exemplo, no </a:t>
-            </a:r>
-            <a:r>
-              <a:rPr lang="pt-BR" dirty="0" err="1"/>
-              <a:t>istio</a:t>
-            </a:r>
-            <a:r>
-              <a:rPr lang="pt-BR" dirty="0"/>
-              <a:t>, </a:t>
-            </a:r>
-            <a:r>
-              <a:rPr lang="pt-BR" dirty="0" err="1"/>
-              <a:t>vc</a:t>
-            </a:r>
-            <a:r>
-              <a:rPr lang="pt-BR" dirty="0"/>
-              <a:t> iria informar , o numero de erros máximo q </a:t>
-            </a:r>
-            <a:r>
-              <a:rPr lang="pt-BR" dirty="0" err="1"/>
-              <a:t>vc</a:t>
-            </a:r>
-            <a:r>
-              <a:rPr lang="pt-BR" dirty="0"/>
-              <a:t> espera antes de ativar o </a:t>
-            </a:r>
-            <a:r>
-              <a:rPr lang="pt-BR" dirty="0" err="1"/>
-              <a:t>circuit</a:t>
-            </a:r>
-            <a:r>
-              <a:rPr lang="pt-BR" dirty="0"/>
-              <a:t> </a:t>
-            </a:r>
-            <a:r>
-              <a:rPr lang="pt-BR" dirty="0" err="1"/>
-              <a:t>breaker</a:t>
-            </a:r>
-            <a:r>
-              <a:rPr lang="pt-BR" dirty="0"/>
-              <a:t> (tipo 3 erros), o intervalo de </a:t>
-            </a:r>
-            <a:r>
-              <a:rPr lang="pt-BR" dirty="0" err="1"/>
-              <a:t>checkagem</a:t>
-            </a:r>
-            <a:r>
-              <a:rPr lang="pt-BR" dirty="0"/>
-              <a:t> (a quero chegar a cada 10 segundos), o tempo em que eu vou manter em estado aberto (1 minuto) e a porcentagem de </a:t>
-            </a:r>
-            <a:r>
-              <a:rPr lang="pt-BR" dirty="0" err="1"/>
-              <a:t>conteiners</a:t>
-            </a:r>
-            <a:r>
-              <a:rPr lang="pt-BR" dirty="0"/>
-              <a:t> q eu vou deixar no estado aberto, tipo aqui podendo configurar 100% ou por exemplo falhando diretamente, nessa janela de tempo q eu configurei ,ou  deixar 80% das chamadas fora com falha direta e 20% das chamadas ainda tentando se comunicar com a outra aplicação.</a:t>
-            </a:r>
-            <a:br>
-              <a:rPr lang="pt-BR" dirty="0"/>
-            </a:br>
-            <a:br>
-              <a:rPr lang="pt-BR" dirty="0"/>
-            </a:br>
-            <a:r>
-              <a:rPr lang="pt-BR" dirty="0"/>
-              <a:t>Se eu não me engano, o </a:t>
-            </a:r>
-            <a:r>
-              <a:rPr lang="pt-BR" dirty="0" err="1"/>
-              <a:t>kubernetes</a:t>
-            </a:r>
-            <a:r>
-              <a:rPr lang="pt-BR" dirty="0"/>
-              <a:t> seria uma espécie de </a:t>
-            </a:r>
-            <a:r>
-              <a:rPr lang="pt-BR" dirty="0" err="1"/>
-              <a:t>service</a:t>
-            </a:r>
-            <a:r>
-              <a:rPr lang="pt-BR" dirty="0"/>
-              <a:t> </a:t>
-            </a:r>
-            <a:r>
-              <a:rPr lang="pt-BR" dirty="0" err="1"/>
-              <a:t>mesh</a:t>
-            </a:r>
-            <a:r>
-              <a:rPr lang="pt-BR" dirty="0"/>
-              <a:t>, e ao subir algo com ele, </a:t>
-            </a:r>
-            <a:r>
-              <a:rPr lang="pt-BR" dirty="0" err="1"/>
-              <a:t>vc</a:t>
-            </a:r>
-            <a:r>
-              <a:rPr lang="pt-BR" dirty="0"/>
-              <a:t> já tem junto lá essas capacidades do </a:t>
-            </a:r>
-            <a:r>
-              <a:rPr lang="pt-BR" dirty="0" err="1"/>
-              <a:t>istio</a:t>
-            </a:r>
-            <a:r>
-              <a:rPr lang="pt-BR" dirty="0"/>
-              <a:t> por exemplo junto dele, assim ele já da o suporte pra </a:t>
-            </a:r>
-            <a:r>
-              <a:rPr lang="pt-BR" dirty="0" err="1"/>
-              <a:t>vc</a:t>
-            </a:r>
-            <a:r>
-              <a:rPr lang="pt-BR" dirty="0"/>
-              <a:t> com os padrões do </a:t>
-            </a:r>
-            <a:r>
-              <a:rPr lang="pt-BR" dirty="0" err="1"/>
-              <a:t>circuit</a:t>
-            </a:r>
-            <a:r>
-              <a:rPr lang="pt-BR" dirty="0"/>
-              <a:t> </a:t>
-            </a:r>
-            <a:r>
-              <a:rPr lang="pt-BR" dirty="0" err="1"/>
-              <a:t>breasker</a:t>
-            </a:r>
-            <a:r>
-              <a:rPr lang="pt-BR" dirty="0"/>
-              <a:t>, em q </a:t>
-            </a:r>
-            <a:r>
-              <a:rPr lang="pt-BR" dirty="0" err="1"/>
-              <a:t>vc</a:t>
-            </a:r>
-            <a:r>
-              <a:rPr lang="pt-BR" dirty="0"/>
-              <a:t> consegue </a:t>
-            </a:r>
-            <a:r>
-              <a:rPr lang="pt-BR" dirty="0" err="1"/>
-              <a:t>consegue</a:t>
-            </a:r>
-            <a:r>
-              <a:rPr lang="pt-BR" dirty="0"/>
-              <a:t> configurar ele pra aquela estratégia de “falhar rapidamente” pra cenários onde </a:t>
-            </a:r>
-            <a:r>
-              <a:rPr lang="pt-BR" dirty="0" err="1"/>
-              <a:t>vc</a:t>
-            </a:r>
-            <a:r>
-              <a:rPr lang="pt-BR" dirty="0"/>
-              <a:t> n precisa ter uma logica de negocio implementada como </a:t>
-            </a:r>
-            <a:r>
-              <a:rPr lang="pt-BR" dirty="0" err="1"/>
-              <a:t>fallback</a:t>
-            </a:r>
-            <a:r>
-              <a:rPr lang="pt-BR" dirty="0"/>
-              <a:t> ... Mas </a:t>
-            </a:r>
-            <a:r>
-              <a:rPr lang="pt-BR" dirty="0" err="1"/>
-              <a:t>qlqr</a:t>
-            </a:r>
-            <a:r>
-              <a:rPr lang="pt-BR" dirty="0"/>
-              <a:t> coisa se alguém manjar mais ai de </a:t>
-            </a:r>
-            <a:r>
-              <a:rPr lang="pt-BR" dirty="0" err="1"/>
-              <a:t>kubernetes</a:t>
-            </a:r>
-            <a:r>
-              <a:rPr lang="pt-BR" dirty="0"/>
-              <a:t> e </a:t>
-            </a:r>
-            <a:r>
-              <a:rPr lang="pt-BR" dirty="0" err="1"/>
-              <a:t>tals</a:t>
-            </a:r>
-            <a:r>
-              <a:rPr lang="pt-BR" dirty="0"/>
-              <a:t>, pode me corrigir ou dar uma explicada depois melhor ...</a:t>
-            </a:r>
           </a:p>
         </p:txBody>
       </p:sp>
@@ -1004,7 +847,7 @@
           <a:p>
             <a:fld id="{CB471B41-DA84-4A75-B43F-B62CF19B31B6}" type="slidenum">
               <a:rPr lang="pt-BR" smtClean="0"/>
-              <a:t>11</a:t>
+              <a:t>10</a:t>
             </a:fld>
             <a:endParaRPr lang="pt-BR"/>
           </a:p>
@@ -1013,7 +856,7 @@
     </p:spTree>
     <p:extLst>
       <p:ext uri="{BB962C8B-B14F-4D97-AF65-F5344CB8AC3E}">
-        <p14:creationId xmlns:p14="http://schemas.microsoft.com/office/powerpoint/2010/main" val="1846506851"/>
+        <p14:creationId xmlns:p14="http://schemas.microsoft.com/office/powerpoint/2010/main" val="4214288901"/>
       </p:ext>
     </p:extLst>
   </p:cSld>
@@ -1069,7 +912,23 @@
           <a:p>
             <a:r>
               <a:rPr lang="pt-BR" dirty="0"/>
-              <a:t>Agora com o R4J, Como descrito na própria documentação do resilience4j&gt;</a:t>
+              <a:t>Eu não manjo muito, não consegui pesquisar muito a fundo, mas o </a:t>
+            </a:r>
+            <a:r>
+              <a:rPr lang="pt-BR" dirty="0" err="1"/>
+              <a:t>service</a:t>
+            </a:r>
+            <a:r>
+              <a:rPr lang="pt-BR" dirty="0"/>
+              <a:t> </a:t>
+            </a:r>
+            <a:r>
+              <a:rPr lang="pt-BR" dirty="0" err="1"/>
+              <a:t>mesh</a:t>
+            </a:r>
+            <a:r>
+              <a:rPr lang="pt-BR" dirty="0"/>
+              <a:t>&gt;</a:t>
             </a:r>
             <a:br>
               <a:rPr lang="pt-BR" dirty="0"/>
@@ -1079,7 +938,7 @@
             </a:br>
             <a:r>
               <a:rPr lang="pt-BR" dirty="0"/>
-              <a:t>Ela é bem interessante pois trabalha com os seus recursos modularizados, ou seja, </a:t>
+              <a:t>Aqui digamos q </a:t>
             </a:r>
             <a:r>
               <a:rPr lang="pt-BR" dirty="0" err="1"/>
@@ -1087,7 +946,39 @@
             </a:r>
             <a:r>
               <a:rPr lang="pt-BR" dirty="0"/>
-              <a:t> vai pegar e importar a dependência que for utilizar apenas, pois cada uma delas foram projetadas como uma função.</a:t>
+              <a:t> tem a sua aplicação ali, implantada num </a:t>
+            </a:r>
+            <a:r>
+              <a:rPr lang="pt-BR" dirty="0" err="1"/>
+              <a:t>containerzinho</a:t>
+            </a:r>
+            <a:r>
+              <a:rPr lang="pt-BR" dirty="0"/>
+              <a:t> junto com um proxy, e em vez de a aplicação se comunicar diretamente com a outra aplicação, ele vai trabalhar se comunicando com o proxy, assim </a:t>
+            </a:r>
+            <a:r>
+              <a:rPr lang="pt-BR" dirty="0" err="1"/>
+              <a:t>vc</a:t>
+            </a:r>
+            <a:r>
+              <a:rPr lang="pt-BR" dirty="0"/>
+              <a:t> consegue por ele, já saber as informações necessárias e configurações , pra ativar o </a:t>
+            </a:r>
+            <a:r>
+              <a:rPr lang="pt-BR" dirty="0" err="1"/>
+              <a:t>circuit</a:t>
+            </a:r>
+            <a:r>
+              <a:rPr lang="pt-BR" dirty="0"/>
+              <a:t> </a:t>
+            </a:r>
+            <a:r>
+              <a:rPr lang="pt-BR" dirty="0" err="1"/>
+              <a:t>breaker</a:t>
+            </a:r>
+            <a:r>
+              <a:rPr lang="pt-BR" dirty="0"/>
+              <a:t> caso ele identifique o problema</a:t>
             </a:r>
           </a:p>
           <a:p>
@@ -1096,63 +987,63 @@
           <a:p>
             <a:r>
               <a:rPr lang="pt-BR" dirty="0"/>
-              <a:t>E também o R4J utiliza algumas interfaces funcionais do </a:t>
+              <a:t>Em questão a configuração por exemplo, no </a:t>
             </a:r>
             <a:r>
               <a:rPr lang="pt-BR" dirty="0" err="1"/>
-              <a:t>java</a:t>
-            </a:r>
-            <a:r>
-              <a:rPr lang="pt-BR" dirty="0"/>
-              <a:t> 8, como por exemplo a interface </a:t>
+              <a:t>istio</a:t>
+            </a:r>
+            <a:r>
+              <a:rPr lang="pt-BR" dirty="0"/>
+              <a:t>, </a:t>
             </a:r>
             <a:r>
               <a:rPr lang="pt-BR" dirty="0" err="1"/>
-              <a:t>Supplier</a:t>
-            </a:r>
-            <a:r>
-              <a:rPr lang="pt-BR" dirty="0"/>
-              <a:t>, e é baseado no </a:t>
+              <a:t>vc</a:t>
+            </a:r>
+            <a:r>
+              <a:rPr lang="pt-BR" dirty="0"/>
+              <a:t> iria informar , o numero de erros máximo q </a:t>
             </a:r>
             <a:r>
               <a:rPr lang="pt-BR" dirty="0" err="1"/>
-              <a:t>Vavr</a:t>
-            </a:r>
-            <a:r>
-              <a:rPr lang="pt-BR" dirty="0"/>
-              <a:t>, q é uma espécie de </a:t>
+              <a:t>vc</a:t>
+            </a:r>
+            <a:r>
+              <a:rPr lang="pt-BR" dirty="0"/>
+              <a:t> espera antes de ativar o </a:t>
             </a:r>
             <a:r>
               <a:rPr lang="pt-BR" dirty="0" err="1"/>
-              <a:t>lib</a:t>
-            </a:r>
-            <a:r>
-              <a:rPr lang="pt-BR" dirty="0"/>
-              <a:t> funcional pro </a:t>
+              <a:t>circuit</a:t>
+            </a:r>
+            <a:r>
+              <a:rPr lang="pt-BR" dirty="0"/>
+              <a:t> </a:t>
             </a:r>
             <a:r>
               <a:rPr lang="pt-BR" dirty="0" err="1"/>
-              <a:t>java</a:t>
-            </a:r>
-            <a:r>
-              <a:rPr lang="pt-BR" dirty="0"/>
-              <a:t> 8 ou superior que fornece alguns tipos de dados persistentes e estruturas de controle funcional, ou seja, meio q uma </a:t>
+              <a:t>breaker</a:t>
+            </a:r>
+            <a:r>
+              <a:rPr lang="pt-BR" dirty="0"/>
+              <a:t> (tipo 3 erros), o intervalo de </a:t>
             </a:r>
             <a:r>
               <a:rPr lang="pt-BR" dirty="0" err="1"/>
-              <a:t>lib</a:t>
-            </a:r>
-            <a:r>
-              <a:rPr lang="pt-BR" dirty="0"/>
-              <a:t> q facilita a programação funcional conforme citado na </a:t>
+              <a:t>checkagem</a:t>
+            </a:r>
+            <a:r>
+              <a:rPr lang="pt-BR" dirty="0"/>
+              <a:t> (a quero chegar a cada 10 segundos), o tempo em que eu vou manter em estado aberto (1 minuto) e a porcentagem de </a:t>
             </a:r>
             <a:r>
               <a:rPr lang="pt-BR" dirty="0" err="1"/>
-              <a:t>intro</a:t>
-            </a:r>
-            <a:r>
-              <a:rPr lang="pt-BR" dirty="0"/>
-              <a:t> do produto.</a:t>
+              <a:t>conteiners</a:t>
+            </a:r>
+            <a:r>
+              <a:rPr lang="pt-BR" dirty="0"/>
+              <a:t> q eu vou deixar no estado aberto, tipo aqui podendo configurar 100% ou por exemplo falhando diretamente, nessa janela de tempo q eu configurei ,ou  deixar 80% das chamadas fora com falha direta e 20% das chamadas ainda tentando se comunicar com a outra aplicação.</a:t>
             </a:r>
             <a:br>
               <a:rPr lang="pt-BR" dirty="0"/>
@@ -1162,7 +1053,55 @@
             </a:br>
             <a:r>
               <a:rPr lang="pt-BR" dirty="0"/>
-              <a:t>Agora vou mostrar uma pequena demo que preparei, só pra ilustrar mais ou menos o funcionamento de um </a:t>
+              <a:t>Se eu não me engano, o </a:t>
+            </a:r>
+            <a:r>
+              <a:rPr lang="pt-BR" dirty="0" err="1"/>
+              <a:t>kubernetes</a:t>
+            </a:r>
+            <a:r>
+              <a:rPr lang="pt-BR" dirty="0"/>
+              <a:t> seria uma espécie de </a:t>
+            </a:r>
+            <a:r>
+              <a:rPr lang="pt-BR" dirty="0" err="1"/>
+              <a:t>service</a:t>
+            </a:r>
+            <a:r>
+              <a:rPr lang="pt-BR" dirty="0"/>
+              <a:t> </a:t>
+            </a:r>
+            <a:r>
+              <a:rPr lang="pt-BR" dirty="0" err="1"/>
+              <a:t>mesh</a:t>
+            </a:r>
+            <a:r>
+              <a:rPr lang="pt-BR" dirty="0"/>
+              <a:t>, e ao subir algo com ele, </a:t>
+            </a:r>
+            <a:r>
+              <a:rPr lang="pt-BR" dirty="0" err="1"/>
+              <a:t>vc</a:t>
+            </a:r>
+            <a:r>
+              <a:rPr lang="pt-BR" dirty="0"/>
+              <a:t> já tem junto lá essas capacidades do </a:t>
+            </a:r>
+            <a:r>
+              <a:rPr lang="pt-BR" dirty="0" err="1"/>
+              <a:t>istio</a:t>
+            </a:r>
+            <a:r>
+              <a:rPr lang="pt-BR" dirty="0"/>
+              <a:t> por exemplo junto dele, assim ele já da o suporte pra </a:t>
+            </a:r>
+            <a:r>
+              <a:rPr lang="pt-BR" dirty="0" err="1"/>
+              <a:t>vc</a:t>
+            </a:r>
+            <a:r>
+              <a:rPr lang="pt-BR" dirty="0"/>
+              <a:t> com os padrões do </a:t>
             </a:r>
             <a:r>
               <a:rPr lang="pt-BR" dirty="0" err="1"/>
@@ -1174,24 +1113,11 @@
             </a:r>
             <a:r>
               <a:rPr lang="pt-BR" dirty="0" err="1"/>
-              <a:t>breaker</a:t>
-            </a:r>
-            <a:r>
-              <a:rPr lang="pt-BR" dirty="0"/>
-              <a:t>, usando o R4J. </a:t>
-            </a:r>
-            <a:br>
-              <a:rPr lang="pt-BR" dirty="0"/>
-            </a:br>
-            <a:endParaRPr lang="pt-BR" dirty="0"/>
-          </a:p>
-          <a:p>
-            <a:endParaRPr lang="pt-BR" dirty="0"/>
-          </a:p>
-          <a:p>
-            <a:r>
-              <a:rPr lang="pt-BR" dirty="0"/>
-              <a:t>* Talvez o problema do R4J é q </a:t>
+              <a:t>breasker</a:t>
+            </a:r>
+            <a:r>
+              <a:rPr lang="pt-BR" dirty="0"/>
+              <a:t>, em q </a:t>
             </a:r>
             <a:r>
               <a:rPr lang="pt-BR" dirty="0" err="1"/>
@@ -1199,7 +1125,55 @@
             </a:r>
             <a:r>
               <a:rPr lang="pt-BR" dirty="0"/>
-              <a:t> tenha q ser um pouco familiarizado com esse estilo de programação funcional pra conseguir usufruir melhor dos recursos q ele fornece.</a:t>
+              <a:t> consegue </a:t>
+            </a:r>
+            <a:r>
+              <a:rPr lang="pt-BR" dirty="0" err="1"/>
+              <a:t>consegue</a:t>
+            </a:r>
+            <a:r>
+              <a:rPr lang="pt-BR" dirty="0"/>
+              <a:t> configurar ele pra aquela estratégia de “falhar rapidamente” pra cenários onde </a:t>
+            </a:r>
+            <a:r>
+              <a:rPr lang="pt-BR" dirty="0" err="1"/>
+              <a:t>vc</a:t>
+            </a:r>
+            <a:r>
+              <a:rPr lang="pt-BR" dirty="0"/>
+              <a:t> n precisa ter uma logica de negocio implementada como </a:t>
+            </a:r>
+            <a:r>
+              <a:rPr lang="pt-BR" dirty="0" err="1"/>
+              <a:t>fallback</a:t>
+            </a:r>
+            <a:r>
+              <a:rPr lang="pt-BR" dirty="0"/>
+              <a:t> ... Mas </a:t>
+            </a:r>
+            <a:r>
+              <a:rPr lang="pt-BR" dirty="0" err="1"/>
+              <a:t>qlqr</a:t>
+            </a:r>
+            <a:r>
+              <a:rPr lang="pt-BR" dirty="0"/>
+              <a:t> coisa se alguém manjar mais ai de </a:t>
+            </a:r>
+            <a:r>
+              <a:rPr lang="pt-BR" dirty="0" err="1"/>
+              <a:t>kubernetes</a:t>
+            </a:r>
+            <a:r>
+              <a:rPr lang="pt-BR" dirty="0"/>
+              <a:t> e </a:t>
+            </a:r>
+            <a:r>
+              <a:rPr lang="pt-BR" dirty="0" err="1"/>
+              <a:t>tals</a:t>
+            </a:r>
+            <a:r>
+              <a:rPr lang="pt-BR" dirty="0"/>
+              <a:t>, pode me corrigir ou dar uma explicada depois melhor ...</a:t>
             </a:r>
           </a:p>
         </p:txBody>
@@ -1221,6 +1195,223 @@
           <a:p>
             <a:fld id="{CB471B41-DA84-4A75-B43F-B62CF19B31B6}" type="slidenum">
               <a:rPr lang="pt-BR" smtClean="0"/>
+              <a:t>11</a:t>
+            </a:fld>
+            <a:endParaRPr lang="pt-BR"/>
+          </a:p>
+        </p:txBody>
+      </p:sp>
+    </p:spTree>
+    <p:extLst>
+      <p:ext uri="{BB962C8B-B14F-4D97-AF65-F5344CB8AC3E}">
+        <p14:creationId xmlns:p14="http://schemas.microsoft.com/office/powerpoint/2010/main" val="1846506851"/>
+      </p:ext>
+    </p:extLst>
+  </p:cSld>
+  <p:clrMapOvr>
+    <a:masterClrMapping/>
+  </p:clrMapOvr>
+</p:notes>
+</file>
+
+<file path=ppt/notesSlides/notesSlide12.xml><?xml version="1.0" encoding="utf-8"?>
+<p:notes xmlns:a="http://schemas.openxmlformats.org/drawingml/2006/main" xmlns:r="http://schemas.openxmlformats.org/officeDocument/2006/relationships" xmlns:p="http://schemas.openxmlformats.org/presentationml/2006/main">
+  <p:cSld>
+    <p:spTree>
+      <p:nvGrpSpPr>
+        <p:cNvPr id="1" name=""/>
+        <p:cNvGrpSpPr/>
+        <p:nvPr/>
+      </p:nvGrpSpPr>
+      <p:grpSpPr>
+        <a:xfrm>
+          <a:off x="0" y="0"/>
+          <a:ext cx="0" cy="0"/>
+          <a:chOff x="0" y="0"/>
+          <a:chExt cx="0" cy="0"/>
+        </a:xfrm>
+      </p:grpSpPr>
+      <p:sp>
+        <p:nvSpPr>
+          <p:cNvPr id="2" name="Espaço Reservado para Imagem de Slide 1"/>
+          <p:cNvSpPr>
+            <a:spLocks noGrp="1" noRot="1" noChangeAspect="1"/>
+          </p:cNvSpPr>
+          <p:nvPr>
+            <p:ph type="sldImg"/>
+          </p:nvPr>
+        </p:nvSpPr>
+        <p:spPr/>
+      </p:sp>
+      <p:sp>
+        <p:nvSpPr>
+          <p:cNvPr id="3" name="Espaço Reservado para Anotações 2"/>
+          <p:cNvSpPr>
+            <a:spLocks noGrp="1"/>
+          </p:cNvSpPr>
+          <p:nvPr>
+            <p:ph type="body" idx="1"/>
+          </p:nvPr>
+        </p:nvSpPr>
+        <p:spPr/>
+        <p:txBody>
+          <a:bodyPr/>
+          <a:lstStyle/>
+          <a:p>
+            <a:r>
+              <a:rPr lang="pt-BR" dirty="0"/>
+              <a:t>Agora com o R4J, Como descrito na própria documentação do resilience4j&gt;</a:t>
+            </a:r>
+            <a:br>
+              <a:rPr lang="pt-BR" dirty="0"/>
+            </a:br>
+            <a:br>
+              <a:rPr lang="pt-BR" dirty="0"/>
+            </a:br>
+            <a:r>
+              <a:rPr lang="pt-BR" dirty="0"/>
+              <a:t>Ela é bem interessante pois trabalha com os seus recursos modularizados, ou seja, </a:t>
+            </a:r>
+            <a:r>
+              <a:rPr lang="pt-BR" dirty="0" err="1"/>
+              <a:t>vc</a:t>
+            </a:r>
+            <a:r>
+              <a:rPr lang="pt-BR" dirty="0"/>
+              <a:t> vai pegar e importar a dependência que for utilizar apenas, pois cada uma delas foram projetadas como uma função.</a:t>
+            </a:r>
+          </a:p>
+          <a:p>
+            <a:endParaRPr lang="pt-BR" dirty="0"/>
+          </a:p>
+          <a:p>
+            <a:r>
+              <a:rPr lang="pt-BR" dirty="0"/>
+              <a:t>E também o R4J utiliza algumas interfaces funcionais do </a:t>
+            </a:r>
+            <a:r>
+              <a:rPr lang="pt-BR" dirty="0" err="1"/>
+              <a:t>java</a:t>
+            </a:r>
+            <a:r>
+              <a:rPr lang="pt-BR" dirty="0"/>
+              <a:t> 8, como por exemplo a interface </a:t>
+            </a:r>
+            <a:r>
+              <a:rPr lang="pt-BR" dirty="0" err="1"/>
+              <a:t>Supplier</a:t>
+            </a:r>
+            <a:r>
+              <a:rPr lang="pt-BR" dirty="0"/>
+              <a:t>, e é baseado no </a:t>
+            </a:r>
+            <a:r>
+              <a:rPr lang="pt-BR" dirty="0" err="1"/>
+              <a:t>Vavr</a:t>
+            </a:r>
+            <a:r>
+              <a:rPr lang="pt-BR" dirty="0"/>
+              <a:t>, q é uma espécie de </a:t>
+            </a:r>
+            <a:r>
+              <a:rPr lang="pt-BR" dirty="0" err="1"/>
+              <a:t>lib</a:t>
+            </a:r>
+            <a:r>
+              <a:rPr lang="pt-BR" dirty="0"/>
+              <a:t> funcional pro </a:t>
+            </a:r>
+            <a:r>
+              <a:rPr lang="pt-BR" dirty="0" err="1"/>
+              <a:t>java</a:t>
+            </a:r>
+            <a:r>
+              <a:rPr lang="pt-BR" dirty="0"/>
+              <a:t> 8 ou superior que fornece alguns tipos de dados persistentes e estruturas de controle funcional, ou seja, meio q uma </a:t>
+            </a:r>
+            <a:r>
+              <a:rPr lang="pt-BR" dirty="0" err="1"/>
+              <a:t>lib</a:t>
+            </a:r>
+            <a:r>
+              <a:rPr lang="pt-BR" dirty="0"/>
+              <a:t> q facilita a programação funcional conforme citado na </a:t>
+            </a:r>
+            <a:r>
+              <a:rPr lang="pt-BR" dirty="0" err="1"/>
+              <a:t>intro</a:t>
+            </a:r>
+            <a:r>
+              <a:rPr lang="pt-BR" dirty="0"/>
+              <a:t> do produto.</a:t>
+            </a:r>
+            <a:br>
+              <a:rPr lang="pt-BR" dirty="0"/>
+            </a:br>
+            <a:br>
+              <a:rPr lang="pt-BR" dirty="0"/>
+            </a:br>
+            <a:r>
+              <a:rPr lang="pt-BR" dirty="0"/>
+              <a:t>Agora vou mostrar uma pequena demo que preparei, só pra ilustrar mais ou menos o funcionamento de um </a:t>
+            </a:r>
+            <a:r>
+              <a:rPr lang="pt-BR" dirty="0" err="1"/>
+              <a:t>circuit</a:t>
+            </a:r>
+            <a:r>
+              <a:rPr lang="pt-BR" dirty="0"/>
+              <a:t> </a:t>
+            </a:r>
+            <a:r>
+              <a:rPr lang="pt-BR" dirty="0" err="1"/>
+              <a:t>breaker</a:t>
+            </a:r>
+            <a:r>
+              <a:rPr lang="pt-BR" dirty="0"/>
+              <a:t>, usando o R4J. </a:t>
+            </a:r>
+            <a:br>
+              <a:rPr lang="pt-BR" dirty="0"/>
+            </a:br>
+            <a:endParaRPr lang="pt-BR" dirty="0"/>
+          </a:p>
+          <a:p>
+            <a:endParaRPr lang="pt-BR" dirty="0"/>
+          </a:p>
+          <a:p>
+            <a:r>
+              <a:rPr lang="pt-BR" dirty="0"/>
+              <a:t>* Talvez o problema do R4J é q </a:t>
+            </a:r>
+            <a:r>
+              <a:rPr lang="pt-BR" dirty="0" err="1"/>
+              <a:t>vc</a:t>
+            </a:r>
+            <a:r>
+              <a:rPr lang="pt-BR" dirty="0"/>
+              <a:t> tenha q ser um pouco familiarizado com esse estilo de programação funcional pra conseguir usufruir melhor dos recursos q ele fornece.</a:t>
+            </a:r>
+          </a:p>
+        </p:txBody>
+      </p:sp>
+      <p:sp>
+        <p:nvSpPr>
+          <p:cNvPr id="4" name="Espaço Reservado para Número de Slide 3"/>
+          <p:cNvSpPr>
+            <a:spLocks noGrp="1"/>
+          </p:cNvSpPr>
+          <p:nvPr>
+            <p:ph type="sldNum" sz="quarter" idx="5"/>
+          </p:nvPr>
+        </p:nvSpPr>
+        <p:spPr/>
+        <p:txBody>
+          <a:bodyPr/>
+          <a:lstStyle/>
+          <a:p>
+            <a:fld id="{CB471B41-DA84-4A75-B43F-B62CF19B31B6}" type="slidenum">
+              <a:rPr lang="pt-BR" smtClean="0"/>
               <a:t>12</a:t>
             </a:fld>
             <a:endParaRPr lang="pt-BR"/>
@@ -1231,6 +1422,115 @@
     <p:extLst>
       <p:ext uri="{BB962C8B-B14F-4D97-AF65-F5344CB8AC3E}">
         <p14:creationId xmlns:p14="http://schemas.microsoft.com/office/powerpoint/2010/main" val="2586587050"/>
+      </p:ext>
+    </p:extLst>
+  </p:cSld>
+  <p:clrMapOvr>
+    <a:masterClrMapping/>
+  </p:clrMapOvr>
+</p:notes>
+</file>
+
+<file path=ppt/notesSlides/notesSlide13.xml><?xml version="1.0" encoding="utf-8"?>
+<p:notes xmlns:a="http://schemas.openxmlformats.org/drawingml/2006/main" xmlns:r="http://schemas.openxmlformats.org/officeDocument/2006/relationships" xmlns:p="http://schemas.openxmlformats.org/presentationml/2006/main" showMasterSp="0" showMasterPhAnim="0">
+  <p:cSld>
+    <p:spTree>
+      <p:nvGrpSpPr>
+        <p:cNvPr id="1" name="Shape 158"/>
+        <p:cNvGrpSpPr/>
+        <p:nvPr/>
+      </p:nvGrpSpPr>
+      <p:grpSpPr>
+        <a:xfrm>
+          <a:off x="0" y="0"/>
+          <a:ext cx="0" cy="0"/>
+          <a:chOff x="0" y="0"/>
+          <a:chExt cx="0" cy="0"/>
+        </a:xfrm>
+      </p:grpSpPr>
+      <p:sp>
+        <p:nvSpPr>
+          <p:cNvPr id="159" name="Google Shape;159;p:notes"/>
+          <p:cNvSpPr>
+            <a:spLocks noGrp="1" noRot="1" noChangeAspect="1"/>
+          </p:cNvSpPr>
+          <p:nvPr>
+            <p:ph type="sldImg" idx="2"/>
+          </p:nvPr>
+        </p:nvSpPr>
+        <p:spPr>
+          <a:xfrm>
+            <a:off x="381000" y="685800"/>
+            <a:ext cx="6096000" cy="3429000"/>
+          </a:xfrm>
+          <a:custGeom>
+            <a:avLst/>
+            <a:gdLst/>
+            <a:ahLst/>
+            <a:cxnLst/>
+            <a:rect l="l" t="t" r="r" b="b"/>
+            <a:pathLst>
+              <a:path w="120000" h="120000" extrusionOk="0">
+                <a:moveTo>
+                  <a:pt x="0" y="0"/>
+                </a:moveTo>
+                <a:lnTo>
+                  <a:pt x="120000" y="0"/>
+                </a:lnTo>
+                <a:lnTo>
+                  <a:pt x="120000" y="120000"/>
+                </a:lnTo>
+                <a:lnTo>
+                  <a:pt x="0" y="120000"/>
+                </a:lnTo>
+                <a:close/>
+              </a:path>
+            </a:pathLst>
+          </a:custGeom>
+        </p:spPr>
+      </p:sp>
+      <p:sp>
+        <p:nvSpPr>
+          <p:cNvPr id="160" name="Google Shape;160;p:notes"/>
+          <p:cNvSpPr txBox="1">
+            <a:spLocks noGrp="1"/>
+          </p:cNvSpPr>
+          <p:nvPr>
+            <p:ph type="body" idx="1"/>
+          </p:nvPr>
+        </p:nvSpPr>
+        <p:spPr>
+          <a:xfrm>
+            <a:off x="685800" y="4343400"/>
+            <a:ext cx="5486400" cy="4114800"/>
+          </a:xfrm>
+          <a:prstGeom prst="rect">
+            <a:avLst/>
+          </a:prstGeom>
+        </p:spPr>
+        <p:txBody>
+          <a:bodyPr spcFirstLastPara="1" wrap="square" lIns="91425" tIns="91425" rIns="91425" bIns="91425" anchor="t" anchorCtr="0">
+            <a:noAutofit/>
+          </a:bodyPr>
+          <a:lstStyle/>
+          <a:p>
+            <a:pPr marL="0" lvl="0" indent="0" algn="l" rtl="0">
+              <a:spcBef>
+                <a:spcPts val="0"/>
+              </a:spcBef>
+              <a:spcAft>
+                <a:spcPts val="0"/>
+              </a:spcAft>
+              <a:buNone/>
+            </a:pPr>
+            <a:endParaRPr/>
+          </a:p>
+        </p:txBody>
+      </p:sp>
+    </p:spTree>
+    <p:extLst>
+      <p:ext uri="{BB962C8B-B14F-4D97-AF65-F5344CB8AC3E}">
+        <p14:creationId xmlns:p14="http://schemas.microsoft.com/office/powerpoint/2010/main" val="418493733"/>
       </p:ext>
     </p:extLst>
   </p:cSld>
@@ -1284,27 +1584,114 @@
           <a:bodyPr/>
           <a:lstStyle/>
           <a:p>
-            <a:r>
-              <a:rPr lang="pt-BR" dirty="0"/>
-              <a:t>Antigamente a maioria das empresas e os projetos/produtos, eles seguiam uma arquitetura monolítica</a:t>
-            </a:r>
-          </a:p>
-          <a:p>
+            <a:pPr marL="0" marR="0" lvl="0" indent="0" algn="l" defTabSz="914400" rtl="0" eaLnBrk="1" fontAlgn="auto" latinLnBrk="0" hangingPunct="1">
+              <a:lnSpc>
+                <a:spcPct val="100000"/>
+              </a:lnSpc>
+              <a:spcBef>
+                <a:spcPts val="0"/>
+              </a:spcBef>
+              <a:spcAft>
+                <a:spcPts val="0"/>
+              </a:spcAft>
+              <a:buClrTx/>
+              <a:buSzTx/>
+              <a:buFontTx/>
+              <a:buNone/>
+              <a:tabLst/>
+              <a:defRPr/>
+            </a:pPr>
+            <a:r>
+              <a:rPr lang="pt-BR" dirty="0"/>
+              <a:t>O termo "</a:t>
+            </a:r>
+            <a:r>
+              <a:rPr lang="pt-BR" dirty="0" err="1"/>
+              <a:t>Circuit</a:t>
+            </a:r>
+            <a:r>
+              <a:rPr lang="pt-BR" dirty="0"/>
+              <a:t> </a:t>
+            </a:r>
+            <a:r>
+              <a:rPr lang="pt-BR" dirty="0" err="1"/>
+              <a:t>Breaker</a:t>
+            </a:r>
+            <a:r>
+              <a:rPr lang="pt-BR" dirty="0"/>
+              <a:t>" é utilizado na engenharia elétrica</a:t>
+            </a:r>
+            <a:br>
+              <a:rPr lang="pt-BR" dirty="0"/>
+            </a:br>
+            <a:br>
+              <a:rPr lang="pt-BR" dirty="0"/>
+            </a:br>
+            <a:r>
+              <a:rPr lang="pt-BR" dirty="0"/>
+              <a:t>É um interruptor elétrico projetado para proteger um circuito elétrico de danos causados ​​por falhas na alimentação elétrica, principalmente devido a situações de sobrecorrentes, causadas por exemplo por excesso de carga ou um curto-circuito.</a:t>
+            </a:r>
+          </a:p>
+          <a:p>
+            <a:pPr marL="0" marR="0" lvl="0" indent="0" algn="l" defTabSz="914400" rtl="0" eaLnBrk="1" fontAlgn="auto" latinLnBrk="0" hangingPunct="1">
+              <a:lnSpc>
+                <a:spcPct val="100000"/>
+              </a:lnSpc>
+              <a:spcBef>
+                <a:spcPts val="0"/>
+              </a:spcBef>
+              <a:spcAft>
+                <a:spcPts val="0"/>
+              </a:spcAft>
+              <a:buClrTx/>
+              <a:buSzTx/>
+              <a:buFontTx/>
+              <a:buNone/>
+              <a:tabLst/>
+              <a:defRPr/>
+            </a:pPr>
             <a:endParaRPr lang="pt-BR" dirty="0"/>
           </a:p>
           <a:p>
             <a:r>
               <a:rPr lang="pt-BR" dirty="0"/>
-              <a:t>Ou seja, tudo ficava centralizado em um único projeto, sem muitas chamadas externas, tudo funcionava dentro daquele mundinho único</a:t>
-            </a:r>
-          </a:p>
-          <a:p>
-            <a:endParaRPr lang="pt-BR" dirty="0"/>
-          </a:p>
-          <a:p>
-            <a:r>
-              <a:rPr lang="pt-BR" dirty="0"/>
-              <a:t>Mas com o surgimento dos </a:t>
+              <a:t>No caso, meio que ele fica analisando e caso perceba um potencial problema, ele abre o circuito. Evitando que dispositivos queimem caso haja uma descarga elétrica anormal que não é segura,  assim o mecanismo desliga e evita que a carga chegue aos </a:t>
+            </a:r>
+            <a:r>
+              <a:rPr lang="pt-BR" dirty="0" err="1"/>
+              <a:t>disposiivos</a:t>
+            </a:r>
+            <a:r>
+              <a:rPr lang="pt-BR" dirty="0"/>
+              <a:t>;</a:t>
+            </a:r>
+          </a:p>
+          <a:p>
+            <a:br>
+              <a:rPr lang="pt-BR" dirty="0"/>
+            </a:br>
+            <a:br>
+              <a:rPr lang="pt-BR" dirty="0"/>
+            </a:br>
+            <a:r>
+              <a:rPr lang="pt-BR" dirty="0"/>
+              <a:t>Antes da gente ver mais sobre o termo </a:t>
+            </a:r>
+            <a:r>
+              <a:rPr lang="pt-BR" dirty="0" err="1"/>
+              <a:t>circuit</a:t>
+            </a:r>
+            <a:r>
+              <a:rPr lang="pt-BR" dirty="0"/>
+              <a:t> </a:t>
+            </a:r>
+            <a:r>
+              <a:rPr lang="pt-BR" dirty="0" err="1"/>
+              <a:t>breaker</a:t>
+            </a:r>
+            <a:r>
+              <a:rPr lang="pt-BR" dirty="0"/>
+              <a:t> na nossa área (em TI), vamos ver tentar problematizar um pouco e ver um fluxo de </a:t>
             </a:r>
             <a:r>
               <a:rPr lang="pt-BR" dirty="0" err="1"/>
@@ -1312,64 +1699,7 @@
             </a:r>
             <a:r>
               <a:rPr lang="pt-BR" dirty="0"/>
-              <a:t>, apesar dessa arquitetura ter facilitado alguns pontos nas organizações, esse tipo de arquitetura também trouxe consigo, um problema, pois ao mudar do monolito, onde </a:t>
-            </a:r>
-            <a:r>
-              <a:rPr lang="pt-BR" dirty="0" err="1"/>
-              <a:t>vc</a:t>
-            </a:r>
-            <a:r>
-              <a:rPr lang="pt-BR" dirty="0"/>
-              <a:t> tinha tudo centralizado ali, e caso ocorresse um erro interno, </a:t>
-            </a:r>
-            <a:r>
-              <a:rPr lang="pt-BR" dirty="0" err="1"/>
-              <a:t>vc</a:t>
-            </a:r>
-            <a:r>
-              <a:rPr lang="pt-BR" dirty="0"/>
-              <a:t> tratava em um único ponto, com os </a:t>
-            </a:r>
-            <a:r>
-              <a:rPr lang="pt-BR" dirty="0" err="1"/>
-              <a:t>microsserviços</a:t>
-            </a:r>
-            <a:r>
-              <a:rPr lang="pt-BR" dirty="0"/>
-              <a:t>, você até consegue separar e escalar cada serviço em especialidades diferentes, mas durante a integração desses serviços, onde </a:t>
-            </a:r>
-            <a:r>
-              <a:rPr lang="pt-BR" dirty="0" err="1"/>
-              <a:t>vc</a:t>
-            </a:r>
-            <a:r>
-              <a:rPr lang="pt-BR" dirty="0"/>
-              <a:t> tem um serviço chamando outro, ou seja, onde haja essa dependência, pode ocorrer alguns problemas durante essa comunicação, acarretando em todo um sistema de </a:t>
-            </a:r>
-            <a:r>
-              <a:rPr lang="pt-BR" dirty="0" err="1"/>
-              <a:t>microsserviços</a:t>
-            </a:r>
-            <a:r>
-              <a:rPr lang="pt-BR" dirty="0"/>
-              <a:t> com falhas, caso </a:t>
-            </a:r>
-            <a:r>
-              <a:rPr lang="pt-BR" dirty="0" err="1"/>
-              <a:t>vc</a:t>
-            </a:r>
-            <a:r>
-              <a:rPr lang="pt-BR" dirty="0"/>
-              <a:t> n trabalhe direito esse aspecto ...</a:t>
-            </a:r>
-          </a:p>
-          <a:p>
-            <a:endParaRPr lang="pt-BR" dirty="0"/>
-          </a:p>
-          <a:p>
-            <a:r>
-              <a:rPr lang="pt-BR" dirty="0"/>
-              <a:t>Bem, vamos ver um caso de uso a seguir de uma web-loja por exemplo</a:t>
+              <a:t> para ilustrar esse cenário no nosso mundo.</a:t>
             </a:r>
           </a:p>
         </p:txBody>
@@ -1391,7 +1721,7 @@
           <a:p>
             <a:fld id="{CB471B41-DA84-4A75-B43F-B62CF19B31B6}" type="slidenum">
               <a:rPr lang="pt-BR" smtClean="0"/>
-              <a:t>3</a:t>
+              <a:t>2</a:t>
             </a:fld>
             <a:endParaRPr lang="pt-BR"/>
           </a:p>
@@ -1400,7 +1730,7 @@
     </p:spTree>
     <p:extLst>
       <p:ext uri="{BB962C8B-B14F-4D97-AF65-F5344CB8AC3E}">
-        <p14:creationId xmlns:p14="http://schemas.microsoft.com/office/powerpoint/2010/main" val="1230171435"/>
+        <p14:creationId xmlns:p14="http://schemas.microsoft.com/office/powerpoint/2010/main" val="2057682464"/>
       </p:ext>
     </p:extLst>
   </p:cSld>
@@ -1456,23 +1786,81 @@
           <a:p>
             <a:r>
               <a:rPr lang="pt-BR" dirty="0"/>
-              <a:t>Digamos que aqui você tem uma web-loja, aqui a gente vai ignorar a interface q o cliente utiliza e </a:t>
+              <a:t>Antigamente a maioria das empresas e os projetos/produtos, eles seguiam uma arquitetura monolítica</a:t>
+            </a:r>
+          </a:p>
+          <a:p>
+            <a:endParaRPr lang="pt-BR" dirty="0"/>
+          </a:p>
+          <a:p>
+            <a:r>
+              <a:rPr lang="pt-BR" dirty="0"/>
+              <a:t>Ou seja, tudo ficava centralizado em um único projeto, sem muitas chamadas externas, tudo funcionava dentro daquele mundinho único</a:t>
+            </a:r>
+          </a:p>
+          <a:p>
+            <a:endParaRPr lang="pt-BR" dirty="0"/>
+          </a:p>
+          <a:p>
+            <a:r>
+              <a:rPr lang="pt-BR" dirty="0"/>
+              <a:t>Mas com o surgimento dos </a:t>
             </a:r>
             <a:r>
               <a:rPr lang="pt-BR" dirty="0" err="1"/>
-              <a:t>tals</a:t>
-            </a:r>
-            <a:r>
-              <a:rPr lang="pt-BR" dirty="0"/>
-              <a:t>, mas vamos dizer q pra essa interface q o cliente acessa, eu tenho alguns serviços que eu mostro pra ele que se comunicam </a:t>
+              <a:t>microsserviços</a:t>
+            </a:r>
+            <a:r>
+              <a:rPr lang="pt-BR" dirty="0"/>
+              <a:t>, apesar dessa arquitetura ter facilitado alguns pontos nas organizações, esse tipo de arquitetura também trouxe consigo, um problema, pois ao mudar do monolito, onde </a:t>
             </a:r>
             <a:r>
               <a:rPr lang="pt-BR" dirty="0" err="1"/>
-              <a:t>entre-si</a:t>
-            </a:r>
-            <a:r>
-              <a:rPr lang="pt-BR" dirty="0"/>
-              <a:t> e são dependentes</a:t>
+              <a:t>vc</a:t>
+            </a:r>
+            <a:r>
+              <a:rPr lang="pt-BR" dirty="0"/>
+              <a:t> tinha tudo centralizado ali, e caso ocorresse um erro interno, </a:t>
+            </a:r>
+            <a:r>
+              <a:rPr lang="pt-BR" dirty="0" err="1"/>
+              <a:t>vc</a:t>
+            </a:r>
+            <a:r>
+              <a:rPr lang="pt-BR" dirty="0"/>
+              <a:t> tratava em um único ponto, com os </a:t>
+            </a:r>
+            <a:r>
+              <a:rPr lang="pt-BR" dirty="0" err="1"/>
+              <a:t>microsserviços</a:t>
+            </a:r>
+            <a:r>
+              <a:rPr lang="pt-BR" dirty="0"/>
+              <a:t>, você até consegue separar e escalar cada serviço em especialidades diferentes, mas durante a integração desses serviços, onde </a:t>
+            </a:r>
+            <a:r>
+              <a:rPr lang="pt-BR" dirty="0" err="1"/>
+              <a:t>vc</a:t>
+            </a:r>
+            <a:r>
+              <a:rPr lang="pt-BR" dirty="0"/>
+              <a:t> tem um serviço chamando outro, ou seja, onde haja essa dependência, pode ocorrer alguns problemas durante essa comunicação, acarretando em todo um sistema de </a:t>
+            </a:r>
+            <a:r>
+              <a:rPr lang="pt-BR" dirty="0" err="1"/>
+              <a:t>microsserviços</a:t>
+            </a:r>
+            <a:r>
+              <a:rPr lang="pt-BR" dirty="0"/>
+              <a:t> com falhas, caso </a:t>
+            </a:r>
+            <a:r>
+              <a:rPr lang="pt-BR" dirty="0" err="1"/>
+              <a:t>vc</a:t>
+            </a:r>
+            <a:r>
+              <a:rPr lang="pt-BR" dirty="0"/>
+              <a:t> n trabalhe direito esse aspecto ...</a:t>
             </a:r>
           </a:p>
           <a:p>
@@ -1481,107 +1869,7 @@
           <a:p>
             <a:r>
               <a:rPr lang="pt-BR" dirty="0"/>
-              <a:t>Eu tenho 1 serviço de recomendação de produtos da minha loja, 1 serviço que analisa e mostra os preços (</a:t>
-            </a:r>
-            <a:r>
-              <a:rPr lang="pt-BR" dirty="0" err="1"/>
-              <a:t>ve</a:t>
-            </a:r>
-            <a:r>
-              <a:rPr lang="pt-BR" dirty="0"/>
-              <a:t> promoção, desconto, cupom </a:t>
-            </a:r>
-            <a:r>
-              <a:rPr lang="pt-BR" dirty="0" err="1"/>
-              <a:t>etc</a:t>
-            </a:r>
-            <a:r>
-              <a:rPr lang="pt-BR" dirty="0"/>
-              <a:t>) e o ultimo serviço de pagamento, q eu mando </a:t>
-            </a:r>
-            <a:r>
-              <a:rPr lang="pt-BR" dirty="0" err="1"/>
-              <a:t>la</a:t>
-            </a:r>
-            <a:r>
-              <a:rPr lang="pt-BR" dirty="0"/>
-              <a:t> pro provedor do cara pra cobrar dele e cair o dinheiro na minha conta</a:t>
-            </a:r>
-          </a:p>
-          <a:p>
-            <a:endParaRPr lang="pt-BR" dirty="0"/>
-          </a:p>
-          <a:p>
-            <a:r>
-              <a:rPr lang="pt-BR" dirty="0"/>
-              <a:t>Digamos que por algum motivo, sei lá problema de trafego de rede, ou do servidor onde </a:t>
-            </a:r>
-            <a:r>
-              <a:rPr lang="pt-BR" dirty="0" err="1"/>
-              <a:t>ta</a:t>
-            </a:r>
-            <a:r>
-              <a:rPr lang="pt-BR" dirty="0"/>
-              <a:t> hospedado o serviço de pagamento, eu começo a demorar a ter resposta dele, isso vai acarretar numa lentidão pro meu serviço que verifica os preços, e </a:t>
-            </a:r>
-            <a:r>
-              <a:rPr lang="pt-BR" dirty="0" err="1"/>
-              <a:t>conseguentemente</a:t>
-            </a:r>
-            <a:r>
-              <a:rPr lang="pt-BR" dirty="0"/>
-              <a:t>, iria demorar também pra responder pro meu serviço de recomendação...</a:t>
-            </a:r>
-            <a:br>
-              <a:rPr lang="pt-BR" dirty="0"/>
-            </a:br>
-            <a:br>
-              <a:rPr lang="pt-BR" dirty="0"/>
-            </a:br>
-            <a:r>
-              <a:rPr lang="pt-BR" dirty="0"/>
-              <a:t>Até ai </a:t>
-            </a:r>
-            <a:r>
-              <a:rPr lang="pt-BR" dirty="0" err="1"/>
-              <a:t>blz</a:t>
-            </a:r>
-            <a:r>
-              <a:rPr lang="pt-BR" dirty="0"/>
-              <a:t>, mas mesmo assim, eu </a:t>
-            </a:r>
-            <a:r>
-              <a:rPr lang="pt-BR" dirty="0" err="1"/>
-              <a:t>to</a:t>
-            </a:r>
-            <a:r>
-              <a:rPr lang="pt-BR" dirty="0"/>
-              <a:t> lá recebendo dos clientes vários cliques  e pedidos, e gerando chamada atras de chamada de um serviço desses pro outro ... Onde vai chegar uma hora q por exemplo o serviço C, não vai conseguir processar todas essas chamadas, e digamos q ele caia, fique fora do ar ...</a:t>
-            </a:r>
-          </a:p>
-          <a:p>
-            <a:endParaRPr lang="pt-BR" dirty="0"/>
-          </a:p>
-          <a:p>
-            <a:r>
-              <a:rPr lang="pt-BR" dirty="0"/>
-              <a:t>Neste ponto, eu já comprometi todo o meu sistema de serviços q se comunicam, pois por exemplo eu estou recebendo muitas chamadas, pro serviço que já estava com demora pra responder, </a:t>
-            </a:r>
-            <a:r>
-              <a:rPr lang="pt-BR" dirty="0" err="1"/>
-              <a:t>tava</a:t>
-            </a:r>
-            <a:r>
-              <a:rPr lang="pt-BR" dirty="0"/>
-              <a:t> enfrentando algum problema, e ainda assim, continuam tendo varias chamadas, não dando tempo dele respirar e conseguir trabalhar pra voltar ao ar normalmente, assim deu uma sobrecarga e ele caiu ... Do mesmo jeito, isso vai continuar acontecendo pro serviço de preço ... E em sequencia, pro serviço de recomendação de produtos ... Até que assim, todo o meu sistema, minha web-loja esteja fora do ar, e eu não consigo trabalhar mais, perdendo clientes e lucro por não estar vendendo nenhum dos meus produtos ... Bem agora é aqui, neste tipo de situação que um </a:t>
-            </a:r>
-            <a:r>
-              <a:rPr lang="pt-BR" dirty="0" err="1"/>
-              <a:t>circuit-breaker</a:t>
-            </a:r>
-            <a:r>
-              <a:rPr lang="pt-BR" dirty="0"/>
-              <a:t> entraria</a:t>
+              <a:t>Bem, vamos ver um caso de uso a seguir de uma web-loja por exemplo</a:t>
             </a:r>
           </a:p>
         </p:txBody>
@@ -1603,7 +1891,7 @@
           <a:p>
             <a:fld id="{CB471B41-DA84-4A75-B43F-B62CF19B31B6}" type="slidenum">
               <a:rPr lang="pt-BR" smtClean="0"/>
-              <a:t>4</a:t>
+              <a:t>3</a:t>
             </a:fld>
             <a:endParaRPr lang="pt-BR"/>
           </a:p>
@@ -1612,7 +1900,7 @@
     </p:spTree>
     <p:extLst>
       <p:ext uri="{BB962C8B-B14F-4D97-AF65-F5344CB8AC3E}">
-        <p14:creationId xmlns:p14="http://schemas.microsoft.com/office/powerpoint/2010/main" val="2035726903"/>
+        <p14:creationId xmlns:p14="http://schemas.microsoft.com/office/powerpoint/2010/main" val="1230171435"/>
       </p:ext>
     </p:extLst>
   </p:cSld>
@@ -1668,23 +1956,23 @@
           <a:p>
             <a:r>
               <a:rPr lang="pt-BR" dirty="0"/>
-              <a:t>Neste caso por exemplo, poderíamos ter um </a:t>
+              <a:t>Digamos que aqui você tem uma web-loja, aqui a gente vai ignorar a interface q o cliente utiliza e </a:t>
             </a:r>
             <a:r>
               <a:rPr lang="pt-BR" dirty="0" err="1"/>
-              <a:t>circuit</a:t>
-            </a:r>
-            <a:r>
-              <a:rPr lang="pt-BR" dirty="0"/>
-              <a:t> </a:t>
+              <a:t>tals</a:t>
+            </a:r>
+            <a:r>
+              <a:rPr lang="pt-BR" dirty="0"/>
+              <a:t>, mas vamos dizer q pra essa interface q o cliente acessa, eu tenho alguns serviços que eu mostro pra ele que se comunicam </a:t>
             </a:r>
             <a:r>
               <a:rPr lang="pt-BR" dirty="0" err="1"/>
-              <a:t>breaker</a:t>
-            </a:r>
-            <a:r>
-              <a:rPr lang="pt-BR" dirty="0"/>
-              <a:t> implementado, para que ele consiga identificar, por meio de configurações pré-programadas, como se comportar caso o serviço de pagamento esteja fora, assim, não sobrecarregando ele, e também não deixando meu cliente esperando por um tempo X, indeterminado pra tomar apenas um erro e ficando mais estressado, já que aqui eu poderia trabalhar em algo mais amigável na visão do cliente e não onerar meus serviços</a:t>
+              <a:t>entre-si</a:t>
+            </a:r>
+            <a:r>
+              <a:rPr lang="pt-BR" dirty="0"/>
+              <a:t> e são dependentes</a:t>
             </a:r>
           </a:p>
           <a:p>
@@ -1693,23 +1981,107 @@
           <a:p>
             <a:r>
               <a:rPr lang="pt-BR" dirty="0"/>
-              <a:t>Assim também daria para fazermos o mesmo do serviço de recomendação e ter um </a:t>
+              <a:t>Eu tenho 1 serviço de recomendação de produtos da minha loja, 1 serviço que analisa e mostra os preços (</a:t>
             </a:r>
             <a:r>
               <a:rPr lang="pt-BR" dirty="0" err="1"/>
-              <a:t>circuit</a:t>
-            </a:r>
-            <a:r>
-              <a:rPr lang="pt-BR" dirty="0"/>
-              <a:t> </a:t>
+              <a:t>ve</a:t>
+            </a:r>
+            <a:r>
+              <a:rPr lang="pt-BR" dirty="0"/>
+              <a:t> promoção, desconto, cupom </a:t>
             </a:r>
             <a:r>
               <a:rPr lang="pt-BR" dirty="0" err="1"/>
-              <a:t>breaker</a:t>
-            </a:r>
-            <a:r>
-              <a:rPr lang="pt-BR" dirty="0"/>
-              <a:t> para trabalhar visando o mesmo cenário</a:t>
+              <a:t>etc</a:t>
+            </a:r>
+            <a:r>
+              <a:rPr lang="pt-BR" dirty="0"/>
+              <a:t>) e o ultimo serviço de pagamento, q eu mando </a:t>
+            </a:r>
+            <a:r>
+              <a:rPr lang="pt-BR" dirty="0" err="1"/>
+              <a:t>la</a:t>
+            </a:r>
+            <a:r>
+              <a:rPr lang="pt-BR" dirty="0"/>
+              <a:t> pro provedor do cara pra cobrar dele e cair o dinheiro na minha conta</a:t>
+            </a:r>
+          </a:p>
+          <a:p>
+            <a:endParaRPr lang="pt-BR" dirty="0"/>
+          </a:p>
+          <a:p>
+            <a:r>
+              <a:rPr lang="pt-BR" dirty="0"/>
+              <a:t>Digamos que por algum motivo, sei lá problema de trafego de rede, ou do servidor onde </a:t>
+            </a:r>
+            <a:r>
+              <a:rPr lang="pt-BR" dirty="0" err="1"/>
+              <a:t>ta</a:t>
+            </a:r>
+            <a:r>
+              <a:rPr lang="pt-BR" dirty="0"/>
+              <a:t> hospedado o serviço de pagamento, eu começo a demorar a ter resposta dele, isso vai acarretar numa lentidão pro meu serviço que verifica os preços, e </a:t>
+            </a:r>
+            <a:r>
+              <a:rPr lang="pt-BR" dirty="0" err="1"/>
+              <a:t>conseguentemente</a:t>
+            </a:r>
+            <a:r>
+              <a:rPr lang="pt-BR" dirty="0"/>
+              <a:t>, iria demorar também pra responder pro meu serviço de recomendação...</a:t>
+            </a:r>
+            <a:br>
+              <a:rPr lang="pt-BR" dirty="0"/>
+            </a:br>
+            <a:br>
+              <a:rPr lang="pt-BR" dirty="0"/>
+            </a:br>
+            <a:r>
+              <a:rPr lang="pt-BR" dirty="0"/>
+              <a:t>Até ai </a:t>
+            </a:r>
+            <a:r>
+              <a:rPr lang="pt-BR" dirty="0" err="1"/>
+              <a:t>blz</a:t>
+            </a:r>
+            <a:r>
+              <a:rPr lang="pt-BR" dirty="0"/>
+              <a:t>, mas mesmo assim, eu </a:t>
+            </a:r>
+            <a:r>
+              <a:rPr lang="pt-BR" dirty="0" err="1"/>
+              <a:t>to</a:t>
+            </a:r>
+            <a:r>
+              <a:rPr lang="pt-BR" dirty="0"/>
+              <a:t> lá recebendo dos clientes vários cliques  e pedidos, e gerando chamada atras de chamada de um serviço desses pro outro ... Onde vai chegar uma hora q por exemplo o serviço C, não vai conseguir processar todas essas chamadas, e digamos q ele caia, fique fora do ar ...</a:t>
+            </a:r>
+          </a:p>
+          <a:p>
+            <a:endParaRPr lang="pt-BR" dirty="0"/>
+          </a:p>
+          <a:p>
+            <a:r>
+              <a:rPr lang="pt-BR" dirty="0"/>
+              <a:t>Neste ponto, eu já comprometi todo o meu sistema de serviços q se comunicam, pois por exemplo eu estou recebendo muitas chamadas, pro serviço que já estava com demora pra responder, </a:t>
+            </a:r>
+            <a:r>
+              <a:rPr lang="pt-BR" dirty="0" err="1"/>
+              <a:t>tava</a:t>
+            </a:r>
+            <a:r>
+              <a:rPr lang="pt-BR" dirty="0"/>
+              <a:t> enfrentando algum problema, e ainda assim, continuam tendo varias chamadas, não dando tempo dele respirar e conseguir trabalhar pra voltar ao ar normalmente, assim deu uma sobrecarga e ele caiu ... Do mesmo jeito, isso vai continuar acontecendo pro serviço de preço ... E em sequencia, pro serviço de recomendação de produtos ... Até que assim, todo o meu sistema, minha web-loja esteja fora do ar, e eu não consigo trabalhar mais, perdendo clientes e lucro por não estar vendendo nenhum dos meus produtos ... Bem agora é aqui, neste tipo de situação que um </a:t>
+            </a:r>
+            <a:r>
+              <a:rPr lang="pt-BR" dirty="0" err="1"/>
+              <a:t>circuit-breaker</a:t>
+            </a:r>
+            <a:r>
+              <a:rPr lang="pt-BR" dirty="0"/>
+              <a:t> entraria</a:t>
             </a:r>
           </a:p>
         </p:txBody>
@@ -1731,7 +2103,7 @@
           <a:p>
             <a:fld id="{CB471B41-DA84-4A75-B43F-B62CF19B31B6}" type="slidenum">
               <a:rPr lang="pt-BR" smtClean="0"/>
-              <a:t>5</a:t>
+              <a:t>4</a:t>
             </a:fld>
             <a:endParaRPr lang="pt-BR"/>
           </a:p>
@@ -1740,7 +2112,7 @@
     </p:spTree>
     <p:extLst>
       <p:ext uri="{BB962C8B-B14F-4D97-AF65-F5344CB8AC3E}">
-        <p14:creationId xmlns:p14="http://schemas.microsoft.com/office/powerpoint/2010/main" val="1889002109"/>
+        <p14:creationId xmlns:p14="http://schemas.microsoft.com/office/powerpoint/2010/main" val="2035726903"/>
       </p:ext>
     </p:extLst>
   </p:cSld>
@@ -1796,7 +2168,7 @@
           <a:p>
             <a:r>
               <a:rPr lang="pt-BR" dirty="0"/>
-              <a:t>Bem, agora com o cenário ilustrado que vimos anteriormente, a gente tem um desenho de como funcionaria o </a:t>
+              <a:t>Neste caso por exemplo, poderíamos ter um </a:t>
             </a:r>
             <a:r>
               <a:rPr lang="pt-BR" dirty="0" err="1"/>
@@ -1812,17 +2184,16 @@
             </a:r>
             <a:r>
               <a:rPr lang="pt-BR" dirty="0"/>
-              <a:t> nos nossos projetos</a:t>
-            </a:r>
-            <a:br>
-              <a:rPr lang="pt-BR" dirty="0"/>
-            </a:br>
-            <a:br>
-              <a:rPr lang="pt-BR" dirty="0"/>
-            </a:br>
-            <a:r>
-              <a:rPr lang="pt-BR" dirty="0"/>
-              <a:t>1 - Aberto: Estado do </a:t>
+              <a:t> implementado, para que ele consiga identificar, por meio de configurações pré-programadas, como se comportar caso o serviço de pagamento esteja fora, assim, não sobrecarregando ele, e também não deixando meu cliente esperando por um tempo X, indeterminado pra tomar apenas um erro e ficando mais estressado, já que aqui eu poderia trabalhar em algo mais amigável na visão do cliente e não onerar meus serviços</a:t>
+            </a:r>
+          </a:p>
+          <a:p>
+            <a:endParaRPr lang="pt-BR" dirty="0"/>
+          </a:p>
+          <a:p>
+            <a:r>
+              <a:rPr lang="pt-BR" dirty="0"/>
+              <a:t>Assim também daria para fazermos o mesmo do serviço de recomendação e ter um </a:t>
             </a:r>
             <a:r>
               <a:rPr lang="pt-BR" dirty="0" err="1"/>
@@ -1838,47 +2209,8 @@
             </a:r>
             <a:r>
               <a:rPr lang="pt-BR" dirty="0"/>
-              <a:t> quando a aplicação está funcionando normalmente.</a:t>
-            </a:r>
-            <a:br>
-              <a:rPr lang="pt-BR" dirty="0"/>
-            </a:br>
-            <a:endParaRPr lang="pt-BR" dirty="0"/>
-          </a:p>
-          <a:p>
-            <a:r>
-              <a:rPr lang="pt-BR" dirty="0"/>
-              <a:t>2 - Fechado: A partir do momento em que a aplicação atinge a quantidade de erros configurada, entra em estado de fechado.</a:t>
-            </a:r>
-            <a:br>
-              <a:rPr lang="pt-BR" dirty="0"/>
-            </a:br>
-            <a:endParaRPr lang="pt-BR" dirty="0"/>
-          </a:p>
-          <a:p>
-            <a:r>
-              <a:rPr lang="pt-BR" dirty="0"/>
-              <a:t>3 - Meio-Aberto: Após um tempo </a:t>
-            </a:r>
-            <a:r>
-              <a:rPr lang="pt-BR" dirty="0" err="1"/>
-              <a:t>pré</a:t>
-            </a:r>
-            <a:r>
-              <a:rPr lang="pt-BR" dirty="0"/>
-              <a:t>-configurado quando a aplicação entrou no estado “fechado”, a aplicação começa a mandar algumas requisições normalmente, enquanto outras ela manda para o </a:t>
-            </a:r>
-            <a:r>
-              <a:rPr lang="pt-BR" dirty="0" err="1"/>
-              <a:t>fallback</a:t>
-            </a:r>
-            <a:r>
-              <a:rPr lang="pt-BR" dirty="0"/>
-              <a:t>, para verificar se a aplicação que esta sendo chamada remotamente voltou ao funcionamento.</a:t>
-            </a:r>
-          </a:p>
-          <a:p>
-            <a:endParaRPr lang="pt-BR" dirty="0"/>
+              <a:t> para trabalhar visando o mesmo cenário</a:t>
+            </a:r>
           </a:p>
         </p:txBody>
       </p:sp>
@@ -1899,7 +2231,7 @@
           <a:p>
             <a:fld id="{CB471B41-DA84-4A75-B43F-B62CF19B31B6}" type="slidenum">
               <a:rPr lang="pt-BR" smtClean="0"/>
-              <a:t>6</a:t>
+              <a:t>5</a:t>
             </a:fld>
             <a:endParaRPr lang="pt-BR"/>
           </a:p>
@@ -1908,7 +2240,7 @@
     </p:spTree>
     <p:extLst>
       <p:ext uri="{BB962C8B-B14F-4D97-AF65-F5344CB8AC3E}">
-        <p14:creationId xmlns:p14="http://schemas.microsoft.com/office/powerpoint/2010/main" val="707777181"/>
+        <p14:creationId xmlns:p14="http://schemas.microsoft.com/office/powerpoint/2010/main" val="1889002109"/>
       </p:ext>
     </p:extLst>
   </p:cSld>
@@ -1964,7 +2296,7 @@
           <a:p>
             <a:r>
               <a:rPr lang="pt-BR" dirty="0"/>
-              <a:t>Visto os estados do </a:t>
+              <a:t>Bem, agora com o cenário ilustrado que vimos anteriormente, a gente tem um desenho de como funcionaria o </a:t>
             </a:r>
             <a:r>
               <a:rPr lang="pt-BR" dirty="0" err="1"/>
@@ -1980,7 +2312,7 @@
             </a:r>
             <a:r>
               <a:rPr lang="pt-BR" dirty="0"/>
-              <a:t>, nele teremos algumas configurações a se trabalhar, programar, para que ele saiba analisar o erro, e o que fazer em seguida, como&gt;</a:t>
+              <a:t> nos nossos projetos</a:t>
             </a:r>
             <a:br>
               <a:rPr lang="pt-BR" dirty="0"/>
@@ -1990,7 +2322,7 @@
             </a:br>
             <a:r>
               <a:rPr lang="pt-BR" dirty="0"/>
-              <a:t>Perguntar qual é a configuração mais importante de um </a:t>
+              <a:t>1 - Aberto: Estado do </a:t>
             </a:r>
             <a:r>
               <a:rPr lang="pt-BR" dirty="0" err="1"/>
@@ -2006,8 +2338,47 @@
             </a:r>
             <a:r>
               <a:rPr lang="pt-BR" dirty="0"/>
-              <a:t>?</a:t>
-            </a:r>
+              <a:t> quando a aplicação está funcionando normalmente.</a:t>
+            </a:r>
+            <a:br>
+              <a:rPr lang="pt-BR" dirty="0"/>
+            </a:br>
+            <a:endParaRPr lang="pt-BR" dirty="0"/>
+          </a:p>
+          <a:p>
+            <a:r>
+              <a:rPr lang="pt-BR" dirty="0"/>
+              <a:t>2 - Fechado: A partir do momento em que a aplicação atinge a quantidade de erros configurada, entra em estado de fechado.</a:t>
+            </a:r>
+            <a:br>
+              <a:rPr lang="pt-BR" dirty="0"/>
+            </a:br>
+            <a:endParaRPr lang="pt-BR" dirty="0"/>
+          </a:p>
+          <a:p>
+            <a:r>
+              <a:rPr lang="pt-BR" dirty="0"/>
+              <a:t>3 - Meio-Aberto: Após um tempo </a:t>
+            </a:r>
+            <a:r>
+              <a:rPr lang="pt-BR" dirty="0" err="1"/>
+              <a:t>pré</a:t>
+            </a:r>
+            <a:r>
+              <a:rPr lang="pt-BR" dirty="0"/>
+              <a:t>-configurado quando a aplicação entrou no estado “fechado”, a aplicação começa a mandar algumas requisições normalmente, enquanto outras ela manda para o </a:t>
+            </a:r>
+            <a:r>
+              <a:rPr lang="pt-BR" dirty="0" err="1"/>
+              <a:t>fallback</a:t>
+            </a:r>
+            <a:r>
+              <a:rPr lang="pt-BR" dirty="0"/>
+              <a:t>, para verificar se a aplicação que esta sendo chamada remotamente voltou ao funcionamento.</a:t>
+            </a:r>
+          </a:p>
+          <a:p>
+            <a:endParaRPr lang="pt-BR" dirty="0"/>
           </a:p>
         </p:txBody>
       </p:sp>
@@ -2028,7 +2399,7 @@
           <a:p>
             <a:fld id="{CB471B41-DA84-4A75-B43F-B62CF19B31B6}" type="slidenum">
               <a:rPr lang="pt-BR" smtClean="0"/>
-              <a:t>7</a:t>
+              <a:t>6</a:t>
             </a:fld>
             <a:endParaRPr lang="pt-BR"/>
           </a:p>
@@ -2037,7 +2408,7 @@
     </p:spTree>
     <p:extLst>
       <p:ext uri="{BB962C8B-B14F-4D97-AF65-F5344CB8AC3E}">
-        <p14:creationId xmlns:p14="http://schemas.microsoft.com/office/powerpoint/2010/main" val="724896650"/>
+        <p14:creationId xmlns:p14="http://schemas.microsoft.com/office/powerpoint/2010/main" val="707777181"/>
       </p:ext>
     </p:extLst>
   </p:cSld>
@@ -2093,7 +2464,7 @@
           <a:p>
             <a:r>
               <a:rPr lang="pt-BR" dirty="0"/>
-              <a:t>Uma das configurações mais importantes do </a:t>
+              <a:t>Visto os estados do </a:t>
             </a:r>
             <a:r>
               <a:rPr lang="pt-BR" dirty="0" err="1"/>
@@ -2109,32 +2480,33 @@
             </a:r>
             <a:r>
               <a:rPr lang="pt-BR" dirty="0"/>
-              <a:t>, é exatamente saber o QUE FAZER, caso hajam falhas, como que eu vou trabalhar a partir de um dado momento, que eu </a:t>
+              <a:t>, nele teremos algumas configurações a se trabalhar, programar, para que ele saiba analisar o erro, e o que fazer em seguida, como&gt;</a:t>
+            </a:r>
+            <a:br>
+              <a:rPr lang="pt-BR" dirty="0"/>
+            </a:br>
+            <a:br>
+              <a:rPr lang="pt-BR" dirty="0"/>
+            </a:br>
+            <a:r>
+              <a:rPr lang="pt-BR" dirty="0"/>
+              <a:t>Perguntar qual é a configuração mais importante de um </a:t>
             </a:r>
             <a:r>
               <a:rPr lang="pt-BR" dirty="0" err="1"/>
-              <a:t>to</a:t>
-            </a:r>
-            <a:r>
-              <a:rPr lang="pt-BR" dirty="0"/>
-              <a:t> vendo que o meu serviço do lado </a:t>
+              <a:t>circuit</a:t>
+            </a:r>
+            <a:r>
+              <a:rPr lang="pt-BR" dirty="0"/>
+              <a:t> </a:t>
             </a:r>
             <a:r>
               <a:rPr lang="pt-BR" dirty="0" err="1"/>
-              <a:t>ta</a:t>
-            </a:r>
-            <a:r>
-              <a:rPr lang="pt-BR" dirty="0"/>
-              <a:t> com problemas constantes</a:t>
-            </a:r>
-          </a:p>
-          <a:p>
-            <a:endParaRPr lang="pt-BR" dirty="0"/>
-          </a:p>
-          <a:p>
-            <a:r>
-              <a:rPr lang="pt-BR" dirty="0"/>
-              <a:t>Pra ilustrar mais um pouco, vamos voltar pro nosso caso de uso da web-loja</a:t>
+              <a:t>breaker</a:t>
+            </a:r>
+            <a:r>
+              <a:rPr lang="pt-BR" dirty="0"/>
+              <a:t>?</a:t>
             </a:r>
           </a:p>
         </p:txBody>
@@ -2156,7 +2528,7 @@
           <a:p>
             <a:fld id="{CB471B41-DA84-4A75-B43F-B62CF19B31B6}" type="slidenum">
               <a:rPr lang="pt-BR" smtClean="0"/>
-              <a:t>8</a:t>
+              <a:t>7</a:t>
             </a:fld>
             <a:endParaRPr lang="pt-BR"/>
           </a:p>
@@ -2165,7 +2537,7 @@
     </p:spTree>
     <p:extLst>
       <p:ext uri="{BB962C8B-B14F-4D97-AF65-F5344CB8AC3E}">
-        <p14:creationId xmlns:p14="http://schemas.microsoft.com/office/powerpoint/2010/main" val="2129469509"/>
+        <p14:creationId xmlns:p14="http://schemas.microsoft.com/office/powerpoint/2010/main" val="724896650"/>
       </p:ext>
     </p:extLst>
   </p:cSld>
@@ -2221,49 +2593,7 @@
           <a:p>
             <a:r>
               <a:rPr lang="pt-BR" dirty="0"/>
-              <a:t>Aqui temos o mesmo caso de uso da web-loja que vimos anteriormente, já com os </a:t>
-            </a:r>
-            <a:r>
-              <a:rPr lang="pt-BR" dirty="0" err="1"/>
-              <a:t>circuit-breakers</a:t>
-            </a:r>
-            <a:r>
-              <a:rPr lang="pt-BR" dirty="0"/>
-              <a:t> no serviço A e B ali, e só pra dar mais uma ilustrada, digamos que temos um serviço apartado de log que o serviço de pagamento chama ...</a:t>
-            </a:r>
-          </a:p>
-          <a:p>
-            <a:endParaRPr lang="pt-BR" dirty="0"/>
-          </a:p>
-          <a:p>
-            <a:r>
-              <a:rPr lang="pt-BR" dirty="0"/>
-              <a:t>Bem, pensando no nosso negocio, e analisando um por um, por exemplo, o serviço de log, não seria obrigatório ter uma espécie de </a:t>
-            </a:r>
-            <a:r>
-              <a:rPr lang="pt-BR" dirty="0" err="1"/>
-              <a:t>circuit-breaker</a:t>
-            </a:r>
-            <a:r>
-              <a:rPr lang="pt-BR" dirty="0"/>
-              <a:t>, pois digamos q ele funciona de maneira assíncrona, eu mando do meu serviço de pagamento , pro serviço de log as informações lá pra </a:t>
-            </a:r>
-            <a:r>
-              <a:rPr lang="pt-BR" dirty="0" err="1"/>
-              <a:t>logar</a:t>
-            </a:r>
-            <a:r>
-              <a:rPr lang="pt-BR" dirty="0"/>
-              <a:t> e esqueço, funciona com chamadas assíncronas, ou seja, não preciso ficar esperando a resposta, e por exemplo, visando o meu negócio, não seria crucial, ele não impactaria tanto caso estivesse fora por algum problema X ai</a:t>
-            </a:r>
-          </a:p>
-          <a:p>
-            <a:endParaRPr lang="pt-BR" dirty="0"/>
-          </a:p>
-          <a:p>
-            <a:r>
-              <a:rPr lang="pt-BR" dirty="0"/>
-              <a:t>Agora o serviço de recomendação, bem, digamos que o </a:t>
+              <a:t>Uma das configurações mais importantes do </a:t>
             </a:r>
             <a:r>
               <a:rPr lang="pt-BR" dirty="0" err="1"/>
@@ -2279,99 +2609,32 @@
             </a:r>
             <a:r>
               <a:rPr lang="pt-BR" dirty="0"/>
-              <a:t> pra chamada dele, seja opcional, por exemplo, ele é um serviço síncrono sim, onde o meu cliente </a:t>
+              <a:t>, é exatamente saber o QUE FAZER, caso hajam falhas, como que eu vou trabalhar a partir de um dado momento, que eu </a:t>
             </a:r>
             <a:r>
               <a:rPr lang="pt-BR" dirty="0" err="1"/>
-              <a:t>la</a:t>
-            </a:r>
-            <a:r>
-              <a:rPr lang="pt-BR" dirty="0"/>
-              <a:t> no app dele vai esperar a resposta desse serviço e </a:t>
+              <a:t>to</a:t>
+            </a:r>
+            <a:r>
+              <a:rPr lang="pt-BR" dirty="0"/>
+              <a:t> vendo que o meu serviço do lado </a:t>
             </a:r>
             <a:r>
               <a:rPr lang="pt-BR" dirty="0" err="1"/>
-              <a:t>tals</a:t>
-            </a:r>
-            <a:r>
-              <a:rPr lang="pt-BR" dirty="0"/>
-              <a:t>, mas digamos que nele eu poderia ter nenhuma estratégia de </a:t>
-            </a:r>
-            <a:r>
-              <a:rPr lang="pt-BR" dirty="0" err="1"/>
-              <a:t>fallback</a:t>
-            </a:r>
-            <a:r>
-              <a:rPr lang="pt-BR" dirty="0"/>
-              <a:t>, não mostrar nada pro cliente ou simplesmente dar um erro direto, falando q algo está fora e já era, ou poderia ter alguma estratégia de </a:t>
-            </a:r>
-            <a:r>
-              <a:rPr lang="pt-BR" dirty="0" err="1"/>
-              <a:t>fallback</a:t>
-            </a:r>
-            <a:r>
-              <a:rPr lang="pt-BR" dirty="0"/>
-              <a:t> especifica, talvez trabalhar com algumas recomendações estáticas, mostrar os mais vendidos, os melhores avaliados , algo baseado em uma base de dados local, cache de uma chamada anterior, algo do tipo e mostrar pro cliente, mas nesse cenário depende .... Eu não tenho ideia do que seria melhor, pode depender do custo que é pra fazer isso, mas nesse caso é uma estratégia q depende exatamente de quem esta a frente do negócio (business) decidir o que é melhor fazer aqui nesse </a:t>
-            </a:r>
-            <a:r>
-              <a:rPr lang="pt-BR" dirty="0" err="1"/>
-              <a:t>cenario</a:t>
-            </a:r>
+              <a:t>ta</a:t>
+            </a:r>
+            <a:r>
+              <a:rPr lang="pt-BR" dirty="0"/>
+              <a:t> com problemas constantes</a:t>
+            </a:r>
+          </a:p>
+          <a:p>
             <a:endParaRPr lang="pt-BR" dirty="0"/>
           </a:p>
           <a:p>
-            <a:endParaRPr lang="pt-BR" dirty="0"/>
-          </a:p>
-          <a:p>
-            <a:r>
-              <a:rPr lang="pt-BR" dirty="0"/>
-              <a:t>O serviço de preço por exemplo, já seria talvez algo obrigatório, pois é melhor vender algo com um preço digamos que “desatualizado” do que vender nada, ai aqui eu poderia aceitar sei lá, dados do valor, nem q sejam desatualizados de alguma outra origem de dados, ou talvez ter um cache em memoria com esses valores como estratégia de </a:t>
-            </a:r>
-            <a:r>
-              <a:rPr lang="pt-BR" dirty="0" err="1"/>
-              <a:t>fallback</a:t>
-            </a:r>
-            <a:endParaRPr lang="pt-BR" dirty="0"/>
-          </a:p>
-          <a:p>
-            <a:endParaRPr lang="pt-BR" dirty="0"/>
-          </a:p>
-          <a:p>
-            <a:r>
-              <a:rPr lang="pt-BR" dirty="0"/>
-              <a:t>E o de pagamento, talvez o mais critico, pois de alguma maneira, eu tenho que receber o valor do produto q foi vendido, e cobrar o provedor de pagamento que vai cobrar do meu cliente, talvez, colocar de alguma maneira esses pagamentos em uma fila, e </a:t>
-            </a:r>
-            <a:r>
-              <a:rPr lang="pt-BR" dirty="0" err="1"/>
-              <a:t>qdo</a:t>
-            </a:r>
-            <a:r>
-              <a:rPr lang="pt-BR" dirty="0"/>
-              <a:t> tiver de volta eu mando pro serviço, ou sei lá ter alguma maneira de mandar pro meu cliente um </a:t>
-            </a:r>
-            <a:r>
-              <a:rPr lang="pt-BR" dirty="0" err="1"/>
-              <a:t>email</a:t>
-            </a:r>
-            <a:r>
-              <a:rPr lang="pt-BR" dirty="0"/>
-              <a:t> e avisar pra ele me pagar aquele “boleto” ou código gerado, sei </a:t>
-            </a:r>
-            <a:r>
-              <a:rPr lang="pt-BR" dirty="0" err="1"/>
-              <a:t>la</a:t>
-            </a:r>
-            <a:r>
-              <a:rPr lang="pt-BR" dirty="0"/>
-              <a:t> assim que eu identificar que o sistema tiver de volta e enviar uma notificação pra ele, pra </a:t>
-            </a:r>
-            <a:r>
-              <a:rPr lang="pt-BR" dirty="0" err="1"/>
-              <a:t>dps</a:t>
-            </a:r>
-            <a:r>
-              <a:rPr lang="pt-BR" dirty="0"/>
-              <a:t> disso o pedido dele ser preparado ... Bem, não seria a melhor maneira, mas também não iria impactar 100% no funcionamento da minha loja</a:t>
+            <a:r>
+              <a:rPr lang="pt-BR" dirty="0"/>
+              <a:t>Pra ilustrar mais um pouco, vamos voltar pro nosso caso de uso da web-loja</a:t>
             </a:r>
           </a:p>
         </p:txBody>
@@ -2393,7 +2656,7 @@
           <a:p>
             <a:fld id="{CB471B41-DA84-4A75-B43F-B62CF19B31B6}" type="slidenum">
               <a:rPr lang="pt-BR" smtClean="0"/>
-              <a:t>9</a:t>
+              <a:t>8</a:t>
             </a:fld>
             <a:endParaRPr lang="pt-BR"/>
           </a:p>
@@ -2402,7 +2665,7 @@
     </p:spTree>
     <p:extLst>
       <p:ext uri="{BB962C8B-B14F-4D97-AF65-F5344CB8AC3E}">
-        <p14:creationId xmlns:p14="http://schemas.microsoft.com/office/powerpoint/2010/main" val="3632789029"/>
+        <p14:creationId xmlns:p14="http://schemas.microsoft.com/office/powerpoint/2010/main" val="2129469509"/>
       </p:ext>
     </p:extLst>
   </p:cSld>
@@ -2458,7 +2721,49 @@
           <a:p>
             <a:r>
               <a:rPr lang="pt-BR" dirty="0"/>
-              <a:t>Bem, ai baseado nisso, nessa explicação, pro </a:t>
+              <a:t>Aqui temos o mesmo caso de uso da web-loja que vimos anteriormente, já com os </a:t>
+            </a:r>
+            <a:r>
+              <a:rPr lang="pt-BR" dirty="0" err="1"/>
+              <a:t>circuit-breakers</a:t>
+            </a:r>
+            <a:r>
+              <a:rPr lang="pt-BR" dirty="0"/>
+              <a:t> no serviço A e B ali, e só pra dar mais uma ilustrada, digamos que temos um serviço apartado de log que o serviço de pagamento chama ...</a:t>
+            </a:r>
+          </a:p>
+          <a:p>
+            <a:endParaRPr lang="pt-BR" dirty="0"/>
+          </a:p>
+          <a:p>
+            <a:r>
+              <a:rPr lang="pt-BR" dirty="0"/>
+              <a:t>Bem, pensando no nosso negocio, e analisando um por um, por exemplo, o serviço de log, não seria obrigatório ter uma espécie de </a:t>
+            </a:r>
+            <a:r>
+              <a:rPr lang="pt-BR" dirty="0" err="1"/>
+              <a:t>circuit-breaker</a:t>
+            </a:r>
+            <a:r>
+              <a:rPr lang="pt-BR" dirty="0"/>
+              <a:t>, pois digamos q ele funciona de maneira assíncrona, eu mando do meu serviço de pagamento , pro serviço de log as informações lá pra </a:t>
+            </a:r>
+            <a:r>
+              <a:rPr lang="pt-BR" dirty="0" err="1"/>
+              <a:t>logar</a:t>
+            </a:r>
+            <a:r>
+              <a:rPr lang="pt-BR" dirty="0"/>
+              <a:t> e esqueço, funciona com chamadas assíncronas, ou seja, não preciso ficar esperando a resposta, e por exemplo, visando o meu negócio, não seria crucial, ele não impactaria tanto caso estivesse fora por algum problema X ai</a:t>
+            </a:r>
+          </a:p>
+          <a:p>
+            <a:endParaRPr lang="pt-BR" dirty="0"/>
+          </a:p>
+          <a:p>
+            <a:r>
+              <a:rPr lang="pt-BR" dirty="0"/>
+              <a:t>Agora o serviço de recomendação, bem, digamos que o </a:t>
             </a:r>
             <a:r>
               <a:rPr lang="pt-BR" dirty="0" err="1"/>
@@ -2474,15 +2779,23 @@
             </a:r>
             <a:r>
               <a:rPr lang="pt-BR" dirty="0"/>
-              <a:t> na nossa </a:t>
+              <a:t> pra chamada dele, seja opcional, por exemplo, ele é um serviço síncrono sim, onde o meu cliente </a:t>
             </a:r>
             <a:r>
               <a:rPr lang="pt-BR" dirty="0" err="1"/>
-              <a:t>area</a:t>
-            </a:r>
-            <a:r>
-              <a:rPr lang="pt-BR" dirty="0"/>
-              <a:t>, tem algumas estratégias de </a:t>
+              <a:t>la</a:t>
+            </a:r>
+            <a:r>
+              <a:rPr lang="pt-BR" dirty="0"/>
+              <a:t> no app dele vai esperar a resposta desse serviço e </a:t>
+            </a:r>
+            <a:r>
+              <a:rPr lang="pt-BR" dirty="0" err="1"/>
+              <a:t>tals</a:t>
+            </a:r>
+            <a:r>
+              <a:rPr lang="pt-BR" dirty="0"/>
+              <a:t>, mas digamos que nele eu poderia ter nenhuma estratégia de </a:t>
             </a:r>
             <a:r>
               <a:rPr lang="pt-BR" dirty="0" err="1"/>
@@ -2490,96 +2803,67 @@
             </a:r>
             <a:r>
               <a:rPr lang="pt-BR" dirty="0"/>
-              <a:t> que a gente pode seguir ... </a:t>
-            </a:r>
-          </a:p>
-          <a:p>
+              <a:t>, não mostrar nada pro cliente ou simplesmente dar um erro direto, falando q algo está fora e já era, ou poderia ter alguma estratégia de </a:t>
+            </a:r>
+            <a:r>
+              <a:rPr lang="pt-BR" dirty="0" err="1"/>
+              <a:t>fallback</a:t>
+            </a:r>
+            <a:r>
+              <a:rPr lang="pt-BR" dirty="0"/>
+              <a:t> especifica, talvez trabalhar com algumas recomendações estáticas, mostrar os mais vendidos, os melhores avaliados , algo baseado em uma base de dados local, cache de uma chamada anterior, algo do tipo e mostrar pro cliente, mas nesse cenário depende .... Eu não tenho ideia do que seria melhor, pode depender do custo que é pra fazer isso, mas nesse caso é uma estratégia q depende exatamente de quem esta a frente do negócio (business) decidir o que é melhor fazer aqui nesse </a:t>
+            </a:r>
+            <a:r>
+              <a:rPr lang="pt-BR" dirty="0" err="1"/>
+              <a:t>cenario</a:t>
+            </a:r>
             <a:endParaRPr lang="pt-BR" dirty="0"/>
           </a:p>
           <a:p>
-            <a:r>
-              <a:rPr lang="pt-BR" dirty="0"/>
-              <a:t>Que seriam, simplesmente, falhar rapidamente , utilizando de uma estratégia de </a:t>
+            <a:endParaRPr lang="pt-BR" dirty="0"/>
+          </a:p>
+          <a:p>
+            <a:r>
+              <a:rPr lang="pt-BR" dirty="0"/>
+              <a:t>O serviço de preço por exemplo, já seria talvez algo obrigatório, pois é melhor vender algo com um preço digamos que “desatualizado” do que vender nada, ai aqui eu poderia aceitar sei lá, dados do valor, nem q sejam desatualizados de alguma outra origem de dados, ou talvez ter um cache em memoria com esses valores como estratégia de </a:t>
             </a:r>
             <a:r>
               <a:rPr lang="pt-BR" dirty="0" err="1"/>
-              <a:t>service</a:t>
-            </a:r>
-            <a:r>
-              <a:rPr lang="pt-BR" dirty="0"/>
-              <a:t> </a:t>
+              <a:t>fallback</a:t>
+            </a:r>
+            <a:endParaRPr lang="pt-BR" dirty="0"/>
+          </a:p>
+          <a:p>
+            <a:endParaRPr lang="pt-BR" dirty="0"/>
+          </a:p>
+          <a:p>
+            <a:r>
+              <a:rPr lang="pt-BR" dirty="0"/>
+              <a:t>E o de pagamento, talvez o mais critico, pois de alguma maneira, eu tenho que receber o valor do produto q foi vendido, e cobrar o provedor de pagamento que vai cobrar do meu cliente, talvez, colocar de alguma maneira esses pagamentos em uma fila, e </a:t>
             </a:r>
             <a:r>
               <a:rPr lang="pt-BR" dirty="0" err="1"/>
-              <a:t>meshes</a:t>
-            </a:r>
-            <a:r>
-              <a:rPr lang="pt-BR" dirty="0"/>
-              <a:t>, com </a:t>
+              <a:t>qdo</a:t>
+            </a:r>
+            <a:r>
+              <a:rPr lang="pt-BR" dirty="0"/>
+              <a:t> tiver de volta eu mando pro serviço, ou sei lá ter alguma maneira de mandar pro meu cliente um </a:t>
             </a:r>
             <a:r>
               <a:rPr lang="pt-BR" dirty="0" err="1"/>
-              <a:t>proxys</a:t>
-            </a:r>
-            <a:r>
-              <a:rPr lang="pt-BR" dirty="0"/>
-              <a:t> e </a:t>
+              <a:t>email</a:t>
+            </a:r>
+            <a:r>
+              <a:rPr lang="pt-BR" dirty="0"/>
+              <a:t> e avisar pra ele me pagar aquele “boleto” ou código gerado, sei </a:t>
             </a:r>
             <a:r>
               <a:rPr lang="pt-BR" dirty="0" err="1"/>
-              <a:t>tals</a:t>
-            </a:r>
-            <a:r>
-              <a:rPr lang="pt-BR" dirty="0"/>
-              <a:t>, esse cara eu não consegui entrar </a:t>
-            </a:r>
-            <a:r>
-              <a:rPr lang="pt-BR" dirty="0" err="1"/>
-              <a:t>mto</a:t>
-            </a:r>
-            <a:r>
-              <a:rPr lang="pt-BR" dirty="0"/>
-              <a:t> a fundo mas vou dar uma </a:t>
-            </a:r>
-            <a:r>
-              <a:rPr lang="pt-BR" dirty="0" err="1"/>
-              <a:t>intro</a:t>
-            </a:r>
-            <a:r>
-              <a:rPr lang="pt-BR" dirty="0"/>
-              <a:t> pra </a:t>
-            </a:r>
-            <a:r>
-              <a:rPr lang="pt-BR" dirty="0" err="1"/>
-              <a:t>vcs</a:t>
-            </a:r>
-            <a:r>
-              <a:rPr lang="pt-BR" dirty="0"/>
-              <a:t>, como exemplo de um framework q tem essas configurações em um </a:t>
-            </a:r>
-            <a:r>
-              <a:rPr lang="pt-BR" dirty="0" err="1"/>
-              <a:t>service</a:t>
-            </a:r>
-            <a:r>
-              <a:rPr lang="pt-BR" dirty="0"/>
-              <a:t> </a:t>
-            </a:r>
-            <a:r>
-              <a:rPr lang="pt-BR" dirty="0" err="1"/>
-              <a:t>mesh</a:t>
-            </a:r>
-            <a:r>
-              <a:rPr lang="pt-BR" dirty="0"/>
-              <a:t> seria o </a:t>
-            </a:r>
-            <a:r>
-              <a:rPr lang="pt-BR" dirty="0" err="1"/>
-              <a:t>istio</a:t>
-            </a:r>
-            <a:r>
-              <a:rPr lang="pt-BR" dirty="0"/>
-              <a:t> (eu linkei aqui um vídeo de explicação sobre esse método, caso alguém quiser </a:t>
+              <a:t>la</a:t>
+            </a:r>
+            <a:r>
+              <a:rPr lang="pt-BR" dirty="0"/>
+              <a:t> assim que eu identificar que o sistema tiver de volta e enviar uma notificação pra ele, pra </a:t>
             </a:r>
             <a:r>
               <a:rPr lang="pt-BR" dirty="0" err="1"/>
@@ -2587,78 +2871,8 @@
             </a:r>
             <a:r>
               <a:rPr lang="pt-BR" dirty="0"/>
-              <a:t> me avisa q eu mando, ou então no final da apresentação eu jogo alguns links aqui).</a:t>
-            </a:r>
-            <a:br>
-              <a:rPr lang="pt-BR" dirty="0"/>
-            </a:br>
-            <a:br>
-              <a:rPr lang="pt-BR" dirty="0"/>
-            </a:br>
-            <a:r>
-              <a:rPr lang="pt-BR" dirty="0"/>
-              <a:t>Ou então, ter uma logica de negócios, q necessariamente vai ter que estar dentro da sua aplicação, onde </a:t>
-            </a:r>
-            <a:r>
-              <a:rPr lang="pt-BR" dirty="0" err="1"/>
-              <a:t>vc</a:t>
-            </a:r>
-            <a:r>
-              <a:rPr lang="pt-BR" dirty="0"/>
-              <a:t> vai implementar ela, e configurar ela pra ser utilizada com o </a:t>
-            </a:r>
-            <a:r>
-              <a:rPr lang="pt-BR" dirty="0" err="1"/>
-              <a:t>circuit</a:t>
-            </a:r>
-            <a:r>
-              <a:rPr lang="pt-BR" dirty="0"/>
-              <a:t> </a:t>
-            </a:r>
-            <a:r>
-              <a:rPr lang="pt-BR" dirty="0" err="1"/>
-              <a:t>breaker</a:t>
-            </a:r>
-            <a:r>
-              <a:rPr lang="pt-BR" dirty="0"/>
-              <a:t>, de alguma </a:t>
-            </a:r>
-            <a:r>
-              <a:rPr lang="pt-BR" dirty="0" err="1"/>
-              <a:t>lib</a:t>
-            </a:r>
-            <a:r>
-              <a:rPr lang="pt-BR" dirty="0"/>
-              <a:t> a sua escolha q vai </a:t>
-            </a:r>
-            <a:r>
-              <a:rPr lang="pt-BR" dirty="0" err="1"/>
-              <a:t>tar</a:t>
-            </a:r>
-            <a:r>
-              <a:rPr lang="pt-BR" dirty="0"/>
-              <a:t> junto com a sua aplicação.... a que eu pesquisei e vou mostrar um pouco pra </a:t>
-            </a:r>
-            <a:r>
-              <a:rPr lang="pt-BR" dirty="0" err="1"/>
-              <a:t>vcs</a:t>
-            </a:r>
-            <a:r>
-              <a:rPr lang="pt-BR" dirty="0"/>
-              <a:t> também aqui, é a do </a:t>
-            </a:r>
-            <a:r>
-              <a:rPr lang="pt-BR" dirty="0" err="1"/>
-              <a:t>Resilience</a:t>
-            </a:r>
-            <a:r>
-              <a:rPr lang="pt-BR" dirty="0"/>
-              <a:t> 4 J</a:t>
-            </a:r>
-            <a:br>
-              <a:rPr lang="pt-BR" dirty="0"/>
-            </a:br>
-            <a:endParaRPr lang="pt-BR" dirty="0"/>
+              <a:t> disso o pedido dele ser preparado ... Bem, não seria a melhor maneira, mas também não iria impactar 100% no funcionamento da minha loja</a:t>
+            </a:r>
           </a:p>
         </p:txBody>
       </p:sp>
@@ -2679,7 +2893,7 @@
           <a:p>
             <a:fld id="{CB471B41-DA84-4A75-B43F-B62CF19B31B6}" type="slidenum">
               <a:rPr lang="pt-BR" smtClean="0"/>
-              <a:t>10</a:t>
+              <a:t>9</a:t>
             </a:fld>
             <a:endParaRPr lang="pt-BR"/>
           </a:p>
@@ -2688,7 +2902,7 @@
     </p:spTree>
     <p:extLst>
       <p:ext uri="{BB962C8B-B14F-4D97-AF65-F5344CB8AC3E}">
-        <p14:creationId xmlns:p14="http://schemas.microsoft.com/office/powerpoint/2010/main" val="4214288901"/>
+        <p14:creationId xmlns:p14="http://schemas.microsoft.com/office/powerpoint/2010/main" val="3632789029"/>
       </p:ext>
     </p:extLst>
   </p:cSld>
@@ -2845,7 +3059,7 @@
           <a:p>
             <a:fld id="{AD73DC33-42DD-4062-BC62-231C1BBE072E}" type="datetimeFigureOut">
               <a:rPr lang="pt-BR" smtClean="0"/>
-              <a:t>04/10/2021</a:t>
+              <a:t>12/10/2021</a:t>
             </a:fld>
             <a:endParaRPr lang="pt-BR"/>
           </a:p>
@@ -3043,7 +3257,7 @@
           <a:p>
             <a:fld id="{AD73DC33-42DD-4062-BC62-231C1BBE072E}" type="datetimeFigureOut">
               <a:rPr lang="pt-BR" smtClean="0"/>
-              <a:t>04/10/2021</a:t>
+              <a:t>12/10/2021</a:t>
             </a:fld>
             <a:endParaRPr lang="pt-BR"/>
           </a:p>
@@ -3251,7 +3465,7 @@
           <a:p>
             <a:fld id="{AD73DC33-42DD-4062-BC62-231C1BBE072E}" type="datetimeFigureOut">
               <a:rPr lang="pt-BR" smtClean="0"/>
-              <a:t>04/10/2021</a:t>
+              <a:t>12/10/2021</a:t>
             </a:fld>
             <a:endParaRPr lang="pt-BR"/>
           </a:p>
@@ -3449,7 +3663,7 @@
           <a:p>
             <a:fld id="{AD73DC33-42DD-4062-BC62-231C1BBE072E}" type="datetimeFigureOut">
               <a:rPr lang="pt-BR" smtClean="0"/>
-              <a:t>04/10/2021</a:t>
+              <a:t>12/10/2021</a:t>
             </a:fld>
             <a:endParaRPr lang="pt-BR"/>
           </a:p>
@@ -3724,7 +3938,7 @@
           <a:p>
             <a:fld id="{AD73DC33-42DD-4062-BC62-231C1BBE072E}" type="datetimeFigureOut">
               <a:rPr lang="pt-BR" smtClean="0"/>
-              <a:t>04/10/2021</a:t>
+              <a:t>12/10/2021</a:t>
             </a:fld>
             <a:endParaRPr lang="pt-BR"/>
           </a:p>
@@ -3989,7 +4203,7 @@
           <a:p>
             <a:fld id="{AD73DC33-42DD-4062-BC62-231C1BBE072E}" type="datetimeFigureOut">
               <a:rPr lang="pt-BR" smtClean="0"/>
-              <a:t>04/10/2021</a:t>
+              <a:t>12/10/2021</a:t>
             </a:fld>
             <a:endParaRPr lang="pt-BR"/>
           </a:p>
@@ -4401,7 +4615,7 @@
           <a:p>
             <a:fld id="{AD73DC33-42DD-4062-BC62-231C1BBE072E}" type="datetimeFigureOut">
               <a:rPr lang="pt-BR" smtClean="0"/>
-              <a:t>04/10/2021</a:t>
+              <a:t>12/10/2021</a:t>
             </a:fld>
             <a:endParaRPr lang="pt-BR"/>
           </a:p>
@@ -4542,7 +4756,7 @@
           <a:p>
             <a:fld id="{AD73DC33-42DD-4062-BC62-231C1BBE072E}" type="datetimeFigureOut">
               <a:rPr lang="pt-BR" smtClean="0"/>
-              <a:t>04/10/2021</a:t>
+              <a:t>12/10/2021</a:t>
             </a:fld>
             <a:endParaRPr lang="pt-BR"/>
           </a:p>
@@ -4655,7 +4869,7 @@
           <a:p>
             <a:fld id="{AD73DC33-42DD-4062-BC62-231C1BBE072E}" type="datetimeFigureOut">
               <a:rPr lang="pt-BR" smtClean="0"/>
-              <a:t>04/10/2021</a:t>
+              <a:t>12/10/2021</a:t>
             </a:fld>
             <a:endParaRPr lang="pt-BR"/>
           </a:p>
@@ -4966,7 +5180,7 @@
           <a:p>
             <a:fld id="{AD73DC33-42DD-4062-BC62-231C1BBE072E}" type="datetimeFigureOut">
               <a:rPr lang="pt-BR" smtClean="0"/>
-              <a:t>04/10/2021</a:t>
+              <a:t>12/10/2021</a:t>
             </a:fld>
             <a:endParaRPr lang="pt-BR"/>
           </a:p>
@@ -5254,7 +5468,7 @@
           <a:p>
             <a:fld id="{AD73DC33-42DD-4062-BC62-231C1BBE072E}" type="datetimeFigureOut">
               <a:rPr lang="pt-BR" smtClean="0"/>
-              <a:t>04/10/2021</a:t>
+              <a:t>12/10/2021</a:t>
             </a:fld>
             <a:endParaRPr lang="pt-BR"/>
           </a:p>
@@ -5331,9 +5545,12 @@
 <p:sldMaster xmlns:a="http://schemas.openxmlformats.org/drawingml/2006/main" xmlns:r="http://schemas.openxmlformats.org/officeDocument/2006/relationships" xmlns:p="http://schemas.openxmlformats.org/presentationml/2006/main">
   <p:cSld>
     <p:bg>
-      <p:bgRef idx="1001">
-        <a:schemeClr val="bg1"/>
-      </p:bgRef>
+      <p:bgPr>
+        <a:solidFill>
+          <a:srgbClr val="001633"/>
+        </a:solidFill>
+        <a:effectLst/>
+      </p:bgPr>
     </p:bg>
     <p:spTree>
       <p:nvGrpSpPr>
@@ -5495,7 +5712,7 @@
           <a:p>
             <a:fld id="{AD73DC33-42DD-4062-BC62-231C1BBE072E}" type="datetimeFigureOut">
               <a:rPr lang="pt-BR" smtClean="0"/>
-              <a:t>04/10/2021</a:t>
+              <a:t>12/10/2021</a:t>
             </a:fld>
             <a:endParaRPr lang="pt-BR"/>
           </a:p>
@@ -5900,7 +6117,7 @@
   <p:cSld>
     <p:spTree>
       <p:nvGrpSpPr>
-        <p:cNvPr id="1" name=""/>
+        <p:cNvPr id="1" name="Shape 161"/>
         <p:cNvGrpSpPr/>
         <p:nvPr/>
       </p:nvGrpSpPr>
@@ -5914,47 +6131,154 @@
       </p:grpSpPr>
       <p:sp>
         <p:nvSpPr>
-          <p:cNvPr id="2" name="Título 1">
-            <a:extLst>
-              <a:ext uri="{FF2B5EF4-FFF2-40B4-BE49-F238E27FC236}">
-                <a16:creationId xmlns:a16="http://schemas.microsoft.com/office/drawing/2014/main" id="{98B405EF-120C-4BC6-9F38-1FB354BFAA45}"/>
-              </a:ext>
-            </a:extLst>
-          </p:cNvPr>
-          <p:cNvSpPr>
+          <p:cNvPr id="162" name="Google Shape;162;p38"/>
+          <p:cNvSpPr txBox="1">
             <a:spLocks noGrp="1"/>
           </p:cNvSpPr>
           <p:nvPr>
             <p:ph type="ctrTitle"/>
           </p:nvPr>
         </p:nvSpPr>
-        <p:spPr/>
-        <p:txBody>
-          <a:bodyPr/>
+        <p:spPr>
+          <a:xfrm>
+            <a:off x="2901200" y="2600133"/>
+            <a:ext cx="6389600" cy="859600"/>
+          </a:xfrm>
+          <a:prstGeom prst="rect">
+            <a:avLst/>
+          </a:prstGeom>
+          <a:effectLst>
+            <a:outerShdw blurRad="142875" dist="19050" dir="8760000" algn="bl" rotWithShape="0">
+              <a:srgbClr val="76A5AF">
+                <a:alpha val="50000"/>
+              </a:srgbClr>
+            </a:outerShdw>
+          </a:effectLst>
+        </p:spPr>
+        <p:txBody>
+          <a:bodyPr spcFirstLastPara="1" vert="horz" wrap="square" lIns="121900" tIns="121900" rIns="121900" bIns="121900" rtlCol="0" anchor="b" anchorCtr="0">
+            <a:noAutofit/>
+          </a:bodyPr>
           <a:lstStyle/>
           <a:p>
-            <a:r>
-              <a:rPr lang="pt-BR" i="1" dirty="0" err="1"/>
-              <a:t>Circuit</a:t>
-            </a:r>
-            <a:r>
-              <a:rPr lang="pt-BR" i="1" dirty="0"/>
-              <a:t> </a:t>
-            </a:r>
-            <a:r>
-              <a:rPr lang="pt-BR" i="1" dirty="0" err="1"/>
-              <a:t>Breaker</a:t>
-            </a:r>
-            <a:endParaRPr lang="pt-BR" i="1" dirty="0"/>
-          </a:p>
-        </p:txBody>
-      </p:sp>
+            <a:pPr>
+              <a:spcBef>
+                <a:spcPts val="0"/>
+              </a:spcBef>
+            </a:pPr>
+            <a:r>
+              <a:rPr lang="en" dirty="0">
+                <a:solidFill>
+                  <a:schemeClr val="bg1"/>
+                </a:solidFill>
+                <a:latin typeface="Montserrat ExtraBold" panose="00000900000000000000" pitchFamily="2" charset="0"/>
+              </a:rPr>
+              <a:t>CIRCUIT</a:t>
+            </a:r>
+            <a:endParaRPr dirty="0">
+              <a:solidFill>
+                <a:schemeClr val="bg1"/>
+              </a:solidFill>
+              <a:latin typeface="Montserrat ExtraBold" panose="00000900000000000000" pitchFamily="2" charset="0"/>
+            </a:endParaRPr>
+          </a:p>
+        </p:txBody>
+      </p:sp>
+      <p:sp>
+        <p:nvSpPr>
+          <p:cNvPr id="164" name="Google Shape;164;p38"/>
+          <p:cNvSpPr txBox="1">
+            <a:spLocks noGrp="1"/>
+          </p:cNvSpPr>
+          <p:nvPr>
+            <p:ph type="ctrTitle"/>
+          </p:nvPr>
+        </p:nvSpPr>
+        <p:spPr>
+          <a:xfrm>
+            <a:off x="3922200" y="3861799"/>
+            <a:ext cx="4347600" cy="619600"/>
+          </a:xfrm>
+          <a:prstGeom prst="rect">
+            <a:avLst/>
+          </a:prstGeom>
+          <a:effectLst>
+            <a:outerShdw blurRad="100013" dist="19050" dir="8460000" algn="bl" rotWithShape="0">
+              <a:srgbClr val="76A5AF">
+                <a:alpha val="50000"/>
+              </a:srgbClr>
+            </a:outerShdw>
+          </a:effectLst>
+        </p:spPr>
+        <p:txBody>
+          <a:bodyPr spcFirstLastPara="1" vert="horz" wrap="square" lIns="121900" tIns="121900" rIns="121900" bIns="121900" rtlCol="0" anchor="b" anchorCtr="0">
+            <a:noAutofit/>
+          </a:bodyPr>
+          <a:lstStyle/>
+          <a:p>
+            <a:pPr>
+              <a:spcBef>
+                <a:spcPts val="0"/>
+              </a:spcBef>
+            </a:pPr>
+            <a:r>
+              <a:rPr lang="en" b="0" dirty="0">
+                <a:solidFill>
+                  <a:schemeClr val="bg1"/>
+                </a:solidFill>
+                <a:latin typeface="Montserrat ExtraLight"/>
+                <a:ea typeface="Montserrat ExtraLight"/>
+                <a:cs typeface="Montserrat ExtraLight"/>
+                <a:sym typeface="Montserrat ExtraLight"/>
+              </a:rPr>
+              <a:t>BREAKER</a:t>
+            </a:r>
+            <a:endParaRPr b="0" dirty="0">
+              <a:solidFill>
+                <a:schemeClr val="bg1"/>
+              </a:solidFill>
+              <a:latin typeface="Montserrat ExtraLight"/>
+              <a:ea typeface="Montserrat ExtraLight"/>
+              <a:cs typeface="Montserrat ExtraLight"/>
+              <a:sym typeface="Montserrat ExtraLight"/>
+            </a:endParaRPr>
+          </a:p>
+        </p:txBody>
+      </p:sp>
+      <p:cxnSp>
+        <p:nvCxnSpPr>
+          <p:cNvPr id="165" name="Google Shape;165;p38"/>
+          <p:cNvCxnSpPr/>
+          <p:nvPr/>
+        </p:nvCxnSpPr>
+        <p:spPr>
+          <a:xfrm>
+            <a:off x="4254000" y="3420229"/>
+            <a:ext cx="3684000" cy="0"/>
+          </a:xfrm>
+          <a:prstGeom prst="straightConnector1">
+            <a:avLst/>
+          </a:prstGeom>
+          <a:noFill/>
+          <a:ln w="9525" cap="flat" cmpd="sng">
+            <a:solidFill>
+              <a:srgbClr val="FFAC40"/>
+            </a:solidFill>
+            <a:prstDash val="solid"/>
+            <a:round/>
+            <a:headEnd type="none" w="med" len="med"/>
+            <a:tailEnd type="none" w="med" len="med"/>
+          </a:ln>
+          <a:effectLst>
+            <a:outerShdw blurRad="57150" dist="19050" dir="5400000" algn="bl" rotWithShape="0">
+              <a:srgbClr val="FFFFFF">
+                <a:alpha val="50000"/>
+              </a:srgbClr>
+            </a:outerShdw>
+          </a:effectLst>
+        </p:spPr>
+      </p:cxnSp>
     </p:spTree>
-    <p:extLst>
-      <p:ext uri="{BB962C8B-B14F-4D97-AF65-F5344CB8AC3E}">
-        <p14:creationId xmlns:p14="http://schemas.microsoft.com/office/powerpoint/2010/main" val="2633552912"/>
-      </p:ext>
-    </p:extLst>
   </p:cSld>
   <p:clrMapOvr>
     <a:masterClrMapping/>
@@ -6001,10 +6325,20 @@
           <a:lstStyle/>
           <a:p>
             <a:r>
-              <a:rPr lang="pt-BR" i="1" dirty="0" err="1"/>
-              <a:t>Fallback</a:t>
-            </a:r>
-            <a:endParaRPr lang="pt-BR" i="1" dirty="0"/>
+              <a:rPr lang="pt-BR" sz="3600" i="1" dirty="0">
+                <a:solidFill>
+                  <a:srgbClr val="FFAC40"/>
+                </a:solidFill>
+                <a:latin typeface="Montserrat ExtraBold" panose="00000900000000000000" pitchFamily="2" charset="0"/>
+              </a:rPr>
+              <a:t>FALLBACK</a:t>
+            </a:r>
+            <a:endParaRPr lang="pt-BR" i="1" dirty="0">
+              <a:solidFill>
+                <a:srgbClr val="FFAC40"/>
+              </a:solidFill>
+              <a:latin typeface="Montserrat ExtraBold" panose="00000900000000000000" pitchFamily="2" charset="0"/>
+            </a:endParaRPr>
           </a:p>
         </p:txBody>
       </p:sp>
@@ -6030,70 +6364,150 @@
           <a:lstStyle/>
           <a:p>
             <a:r>
-              <a:rPr lang="pt-BR" dirty="0"/>
+              <a:rPr lang="pt-BR" dirty="0">
+                <a:solidFill>
+                  <a:schemeClr val="bg1"/>
+                </a:solidFill>
+                <a:latin typeface="Montserrat" panose="00000500000000000000" pitchFamily="2" charset="0"/>
+              </a:rPr>
               <a:t>Estratégias:</a:t>
             </a:r>
           </a:p>
           <a:p>
-            <a:endParaRPr lang="pt-BR" dirty="0"/>
+            <a:endParaRPr lang="pt-BR" dirty="0">
+              <a:solidFill>
+                <a:schemeClr val="bg1"/>
+              </a:solidFill>
+              <a:latin typeface="Montserrat" panose="00000500000000000000" pitchFamily="2" charset="0"/>
+            </a:endParaRPr>
           </a:p>
           <a:p>
             <a:pPr lvl="1"/>
             <a:r>
-              <a:rPr lang="pt-BR" dirty="0"/>
+              <a:rPr lang="pt-BR" dirty="0">
+                <a:solidFill>
+                  <a:schemeClr val="bg1"/>
+                </a:solidFill>
+                <a:latin typeface="Montserrat" panose="00000500000000000000" pitchFamily="2" charset="0"/>
+              </a:rPr>
               <a:t>Falhar rapidamente (Service </a:t>
             </a:r>
             <a:r>
-              <a:rPr lang="pt-BR" dirty="0" err="1"/>
+              <a:rPr lang="pt-BR" dirty="0" err="1">
+                <a:solidFill>
+                  <a:schemeClr val="bg1"/>
+                </a:solidFill>
+                <a:latin typeface="Montserrat" panose="00000500000000000000" pitchFamily="2" charset="0"/>
+              </a:rPr>
               <a:t>Mesh</a:t>
             </a:r>
             <a:r>
-              <a:rPr lang="pt-BR" dirty="0"/>
+              <a:rPr lang="pt-BR" dirty="0">
+                <a:solidFill>
+                  <a:schemeClr val="bg1"/>
+                </a:solidFill>
+                <a:latin typeface="Montserrat" panose="00000500000000000000" pitchFamily="2" charset="0"/>
+              </a:rPr>
               <a:t> – </a:t>
             </a:r>
             <a:r>
-              <a:rPr lang="pt-BR" dirty="0" err="1"/>
+              <a:rPr lang="pt-BR" dirty="0" err="1">
+                <a:solidFill>
+                  <a:schemeClr val="bg1"/>
+                </a:solidFill>
+                <a:latin typeface="Montserrat" panose="00000500000000000000" pitchFamily="2" charset="0"/>
+              </a:rPr>
               <a:t>Ex</a:t>
             </a:r>
             <a:r>
-              <a:rPr lang="pt-BR" dirty="0"/>
+              <a:rPr lang="pt-BR" dirty="0">
+                <a:solidFill>
+                  <a:schemeClr val="bg1"/>
+                </a:solidFill>
+                <a:latin typeface="Montserrat" panose="00000500000000000000" pitchFamily="2" charset="0"/>
+              </a:rPr>
               <a:t>:  </a:t>
             </a:r>
             <a:r>
               <a:rPr lang="pt-BR" i="1" dirty="0" err="1">
-                <a:hlinkClick r:id="rId3"/>
+                <a:solidFill>
+                  <a:schemeClr val="bg1"/>
+                </a:solidFill>
+                <a:latin typeface="Montserrat" panose="00000500000000000000" pitchFamily="2" charset="0"/>
+                <a:hlinkClick r:id="rId3">
+                  <a:extLst>
+                    <a:ext uri="{A12FA001-AC4F-418D-AE19-62706E023703}">
+                      <ahyp:hlinkClr xmlns:ahyp="http://schemas.microsoft.com/office/drawing/2018/hyperlinkcolor" val="tx"/>
+                    </a:ext>
+                  </a:extLst>
+                </a:hlinkClick>
               </a:rPr>
               <a:t>Istio</a:t>
             </a:r>
             <a:r>
-              <a:rPr lang="pt-BR" dirty="0"/>
+              <a:rPr lang="pt-BR" dirty="0">
+                <a:solidFill>
+                  <a:schemeClr val="bg1"/>
+                </a:solidFill>
+                <a:latin typeface="Montserrat" panose="00000500000000000000" pitchFamily="2" charset="0"/>
+              </a:rPr>
               <a:t>);</a:t>
             </a:r>
           </a:p>
           <a:p>
             <a:pPr lvl="1"/>
-            <a:endParaRPr lang="pt-BR" dirty="0"/>
+            <a:endParaRPr lang="pt-BR" dirty="0">
+              <a:solidFill>
+                <a:schemeClr val="bg1"/>
+              </a:solidFill>
+              <a:latin typeface="Montserrat" panose="00000500000000000000" pitchFamily="2" charset="0"/>
+            </a:endParaRPr>
           </a:p>
           <a:p>
             <a:pPr lvl="1"/>
             <a:r>
-              <a:rPr lang="pt-BR" dirty="0"/>
+              <a:rPr lang="pt-BR" dirty="0">
+                <a:solidFill>
+                  <a:schemeClr val="bg1"/>
+                </a:solidFill>
+                <a:latin typeface="Montserrat" panose="00000500000000000000" pitchFamily="2" charset="0"/>
+              </a:rPr>
               <a:t>Substituir por algo que depende da lógica de negócios (</a:t>
             </a:r>
             <a:r>
-              <a:rPr lang="pt-BR" dirty="0" err="1"/>
+              <a:rPr lang="pt-BR" dirty="0" err="1">
+                <a:solidFill>
+                  <a:schemeClr val="bg1"/>
+                </a:solidFill>
+                <a:latin typeface="Montserrat" panose="00000500000000000000" pitchFamily="2" charset="0"/>
+              </a:rPr>
               <a:t>Libs</a:t>
             </a:r>
             <a:r>
-              <a:rPr lang="pt-BR" dirty="0"/>
+              <a:rPr lang="pt-BR" dirty="0">
+                <a:solidFill>
+                  <a:schemeClr val="bg1"/>
+                </a:solidFill>
+                <a:latin typeface="Montserrat" panose="00000500000000000000" pitchFamily="2" charset="0"/>
+              </a:rPr>
               <a:t> + Implementação dentro do código – </a:t>
             </a:r>
             <a:r>
-              <a:rPr lang="pt-BR" dirty="0" err="1"/>
+              <a:rPr lang="pt-BR" dirty="0" err="1">
+                <a:solidFill>
+                  <a:schemeClr val="bg1"/>
+                </a:solidFill>
+                <a:latin typeface="Montserrat" panose="00000500000000000000" pitchFamily="2" charset="0"/>
+              </a:rPr>
               <a:t>Ex</a:t>
             </a:r>
             <a:r>
-              <a:rPr lang="pt-BR" dirty="0"/>
+              <a:rPr lang="pt-BR" dirty="0">
+                <a:solidFill>
+                  <a:schemeClr val="bg1"/>
+                </a:solidFill>
+                <a:latin typeface="Montserrat" panose="00000500000000000000" pitchFamily="2" charset="0"/>
+              </a:rPr>
               <a:t>: Resilience4J)</a:t>
             </a:r>
           </a:p>
@@ -6147,18 +6561,20 @@
         </p:nvSpPr>
         <p:spPr/>
         <p:txBody>
-          <a:bodyPr/>
+          <a:bodyPr>
+            <a:normAutofit/>
+          </a:bodyPr>
           <a:lstStyle/>
           <a:p>
             <a:r>
-              <a:rPr lang="pt-BR" i="1" dirty="0"/>
-              <a:t>Service </a:t>
-            </a:r>
-            <a:r>
-              <a:rPr lang="pt-BR" i="1" dirty="0" err="1"/>
-              <a:t>Mesh</a:t>
-            </a:r>
-            <a:endParaRPr lang="pt-BR" i="1" dirty="0"/>
+              <a:rPr lang="pt-BR" sz="3600" i="1" dirty="0">
+                <a:solidFill>
+                  <a:srgbClr val="FFAC40"/>
+                </a:solidFill>
+                <a:latin typeface="Montserrat ExtraBold" panose="00000900000000000000" pitchFamily="2" charset="0"/>
+              </a:rPr>
+              <a:t>SERVICE MESH</a:t>
+            </a:r>
           </a:p>
         </p:txBody>
       </p:sp>
@@ -6180,73 +6596,155 @@
         </p:nvSpPr>
         <p:spPr/>
         <p:txBody>
-          <a:bodyPr/>
+          <a:bodyPr>
+            <a:normAutofit/>
+          </a:bodyPr>
           <a:lstStyle/>
           <a:p>
             <a:r>
-              <a:rPr lang="pt-BR" dirty="0"/>
+              <a:rPr lang="pt-BR" sz="2400" dirty="0">
+                <a:solidFill>
+                  <a:schemeClr val="bg1"/>
+                </a:solidFill>
+                <a:latin typeface="Montserrat" panose="00000500000000000000" pitchFamily="2" charset="0"/>
+              </a:rPr>
               <a:t>Um </a:t>
             </a:r>
             <a:r>
-              <a:rPr lang="pt-BR" i="1" dirty="0"/>
+              <a:rPr lang="pt-BR" sz="2400" i="1" dirty="0">
+                <a:solidFill>
+                  <a:schemeClr val="bg1"/>
+                </a:solidFill>
+                <a:latin typeface="Montserrat" panose="00000500000000000000" pitchFamily="2" charset="0"/>
+              </a:rPr>
               <a:t>Service </a:t>
             </a:r>
             <a:r>
-              <a:rPr lang="pt-BR" i="1" dirty="0" err="1"/>
+              <a:rPr lang="pt-BR" sz="2400" i="1" dirty="0" err="1">
+                <a:solidFill>
+                  <a:schemeClr val="bg1"/>
+                </a:solidFill>
+                <a:latin typeface="Montserrat" panose="00000500000000000000" pitchFamily="2" charset="0"/>
+              </a:rPr>
               <a:t>Mesh</a:t>
             </a:r>
             <a:r>
-              <a:rPr lang="pt-BR" dirty="0"/>
+              <a:rPr lang="pt-BR" sz="2400" dirty="0">
+                <a:solidFill>
+                  <a:schemeClr val="bg1"/>
+                </a:solidFill>
+                <a:latin typeface="Montserrat" panose="00000500000000000000" pitchFamily="2" charset="0"/>
+              </a:rPr>
               <a:t>, é uma camada de infraestrutura de baixa latência configurável, projetada para lidar com alto volume de comunicações entre </a:t>
             </a:r>
             <a:r>
-              <a:rPr lang="pt-BR" i="1" dirty="0" err="1"/>
+              <a:rPr lang="pt-BR" sz="2400" i="1" dirty="0" err="1">
+                <a:solidFill>
+                  <a:schemeClr val="bg1"/>
+                </a:solidFill>
+                <a:latin typeface="Montserrat" panose="00000500000000000000" pitchFamily="2" charset="0"/>
+              </a:rPr>
               <a:t>API</a:t>
             </a:r>
             <a:r>
-              <a:rPr lang="pt-BR" dirty="0" err="1"/>
+              <a:rPr lang="pt-BR" sz="2400" dirty="0" err="1">
+                <a:solidFill>
+                  <a:schemeClr val="bg1"/>
+                </a:solidFill>
+                <a:latin typeface="Montserrat" panose="00000500000000000000" pitchFamily="2" charset="0"/>
+              </a:rPr>
               <a:t>'s</a:t>
             </a:r>
             <a:r>
-              <a:rPr lang="pt-BR" dirty="0"/>
+              <a:rPr lang="pt-BR" sz="2400" dirty="0">
+                <a:solidFill>
+                  <a:schemeClr val="bg1"/>
+                </a:solidFill>
+                <a:latin typeface="Montserrat" panose="00000500000000000000" pitchFamily="2" charset="0"/>
+              </a:rPr>
               <a:t>.</a:t>
             </a:r>
           </a:p>
           <a:p>
             <a:r>
-              <a:rPr lang="pt-BR" dirty="0"/>
+              <a:rPr lang="pt-BR" sz="2400" dirty="0">
+                <a:solidFill>
+                  <a:schemeClr val="bg1"/>
+                </a:solidFill>
+                <a:latin typeface="Montserrat" panose="00000500000000000000" pitchFamily="2" charset="0"/>
+              </a:rPr>
               <a:t>Ela garante que a comunicação entre as instancias dos serviços, flexível, confiável e rápida. Além disso fornece algumas capacidades como </a:t>
             </a:r>
             <a:r>
-              <a:rPr lang="pt-BR" i="1" dirty="0" err="1"/>
+              <a:rPr lang="pt-BR" sz="2400" i="1" dirty="0" err="1">
+                <a:solidFill>
+                  <a:schemeClr val="bg1"/>
+                </a:solidFill>
+                <a:latin typeface="Montserrat" panose="00000500000000000000" pitchFamily="2" charset="0"/>
+              </a:rPr>
               <a:t>Load</a:t>
             </a:r>
             <a:r>
-              <a:rPr lang="pt-BR" i="1" dirty="0"/>
+              <a:rPr lang="pt-BR" sz="2400" i="1" dirty="0">
+                <a:solidFill>
+                  <a:schemeClr val="bg1"/>
+                </a:solidFill>
+                <a:latin typeface="Montserrat" panose="00000500000000000000" pitchFamily="2" charset="0"/>
+              </a:rPr>
               <a:t> </a:t>
             </a:r>
             <a:r>
-              <a:rPr lang="pt-BR" i="1" dirty="0" err="1"/>
+              <a:rPr lang="pt-BR" sz="2400" i="1" dirty="0" err="1">
+                <a:solidFill>
+                  <a:schemeClr val="bg1"/>
+                </a:solidFill>
+                <a:latin typeface="Montserrat" panose="00000500000000000000" pitchFamily="2" charset="0"/>
+              </a:rPr>
               <a:t>Balancers</a:t>
             </a:r>
             <a:r>
-              <a:rPr lang="pt-BR" dirty="0"/>
+              <a:rPr lang="pt-BR" sz="2400" dirty="0">
+                <a:solidFill>
+                  <a:schemeClr val="bg1"/>
+                </a:solidFill>
+                <a:latin typeface="Montserrat" panose="00000500000000000000" pitchFamily="2" charset="0"/>
+              </a:rPr>
               <a:t>, Criptografia, Autenticação, suporte para os padrões de </a:t>
             </a:r>
             <a:r>
-              <a:rPr lang="pt-BR" i="1" dirty="0" err="1"/>
+              <a:rPr lang="pt-BR" sz="2400" i="1" dirty="0" err="1">
+                <a:solidFill>
+                  <a:schemeClr val="bg1"/>
+                </a:solidFill>
+                <a:latin typeface="Montserrat" panose="00000500000000000000" pitchFamily="2" charset="0"/>
+              </a:rPr>
               <a:t>Circuit</a:t>
             </a:r>
             <a:r>
-              <a:rPr lang="pt-BR" i="1" dirty="0"/>
+              <a:rPr lang="pt-BR" sz="2400" i="1" dirty="0">
+                <a:solidFill>
+                  <a:schemeClr val="bg1"/>
+                </a:solidFill>
+                <a:latin typeface="Montserrat" panose="00000500000000000000" pitchFamily="2" charset="0"/>
+              </a:rPr>
               <a:t> </a:t>
             </a:r>
             <a:r>
-              <a:rPr lang="pt-BR" i="1" dirty="0" err="1"/>
+              <a:rPr lang="pt-BR" sz="2400" i="1" dirty="0" err="1">
+                <a:solidFill>
+                  <a:schemeClr val="bg1"/>
+                </a:solidFill>
+                <a:latin typeface="Montserrat" panose="00000500000000000000" pitchFamily="2" charset="0"/>
+              </a:rPr>
               <a:t>Breakers</a:t>
             </a:r>
             <a:r>
-              <a:rPr lang="pt-BR" dirty="0"/>
+              <a:rPr lang="pt-BR" sz="2400" dirty="0">
+                <a:solidFill>
+                  <a:schemeClr val="bg1"/>
+                </a:solidFill>
+                <a:latin typeface="Montserrat" panose="00000500000000000000" pitchFamily="2" charset="0"/>
+              </a:rPr>
               <a:t>, dentre outras.</a:t>
             </a:r>
           </a:p>
@@ -6292,9 +6790,20 @@
           <a:lstStyle/>
           <a:p>
             <a:r>
-              <a:rPr lang="pt-BR" dirty="0"/>
+              <a:rPr lang="pt-BR" sz="1600" dirty="0">
+                <a:solidFill>
+                  <a:schemeClr val="bg1"/>
+                </a:solidFill>
+                <a:latin typeface="Montserrat" panose="00000500000000000000" pitchFamily="2" charset="0"/>
+              </a:rPr>
               <a:t>Container</a:t>
             </a:r>
+            <a:endParaRPr lang="pt-BR" dirty="0">
+              <a:solidFill>
+                <a:schemeClr val="bg1"/>
+              </a:solidFill>
+              <a:latin typeface="Montserrat" panose="00000500000000000000" pitchFamily="2" charset="0"/>
+            </a:endParaRPr>
           </a:p>
         </p:txBody>
       </p:sp>
@@ -6312,7 +6821,7 @@
         </p:nvSpPr>
         <p:spPr>
           <a:xfrm>
-            <a:off x="2403297" y="4987533"/>
+            <a:off x="2430191" y="4987533"/>
             <a:ext cx="1561673" cy="914400"/>
           </a:xfrm>
           <a:prstGeom prst="roundRect">
@@ -6339,9 +6848,20 @@
           <a:p>
             <a:pPr algn="ctr"/>
             <a:r>
-              <a:rPr lang="pt-BR" dirty="0"/>
+              <a:rPr lang="pt-BR" sz="1600" dirty="0">
+                <a:solidFill>
+                  <a:schemeClr val="bg1"/>
+                </a:solidFill>
+                <a:latin typeface="Montserrat" panose="00000500000000000000" pitchFamily="2" charset="0"/>
+              </a:rPr>
               <a:t>Aplicação A</a:t>
             </a:r>
+            <a:endParaRPr lang="pt-BR" dirty="0">
+              <a:solidFill>
+                <a:schemeClr val="bg1"/>
+              </a:solidFill>
+              <a:latin typeface="Montserrat" panose="00000500000000000000" pitchFamily="2" charset="0"/>
+            </a:endParaRPr>
           </a:p>
         </p:txBody>
       </p:sp>
@@ -6386,9 +6906,20 @@
           <a:p>
             <a:pPr algn="ctr"/>
             <a:r>
-              <a:rPr lang="pt-BR" dirty="0"/>
+              <a:rPr lang="pt-BR" sz="1600" dirty="0">
+                <a:solidFill>
+                  <a:schemeClr val="bg1"/>
+                </a:solidFill>
+                <a:latin typeface="Montserrat" panose="00000500000000000000" pitchFamily="2" charset="0"/>
+              </a:rPr>
               <a:t>Proxy</a:t>
             </a:r>
+            <a:endParaRPr lang="pt-BR" dirty="0">
+              <a:solidFill>
+                <a:schemeClr val="bg1"/>
+              </a:solidFill>
+              <a:latin typeface="Montserrat" panose="00000500000000000000" pitchFamily="2" charset="0"/>
+            </a:endParaRPr>
           </a:p>
         </p:txBody>
       </p:sp>
@@ -6409,13 +6940,16 @@
         </p:nvCxnSpPr>
         <p:spPr>
           <a:xfrm>
-            <a:off x="3964970" y="5444733"/>
-            <a:ext cx="630485" cy="0"/>
+            <a:off x="3991864" y="5444733"/>
+            <a:ext cx="603591" cy="0"/>
           </a:xfrm>
           <a:prstGeom prst="straightConnector1">
             <a:avLst/>
           </a:prstGeom>
           <a:ln>
+            <a:solidFill>
+              <a:srgbClr val="FFAC40"/>
+            </a:solidFill>
             <a:tailEnd type="triangle"/>
           </a:ln>
         </p:spPr>
@@ -6518,9 +7052,20 @@
           <a:p>
             <a:pPr algn="ctr"/>
             <a:r>
-              <a:rPr lang="pt-BR" dirty="0"/>
+              <a:rPr lang="pt-BR" sz="1600" dirty="0">
+                <a:solidFill>
+                  <a:schemeClr val="bg1"/>
+                </a:solidFill>
+                <a:latin typeface="Montserrat" panose="00000500000000000000" pitchFamily="2" charset="0"/>
+              </a:rPr>
               <a:t>Proxy</a:t>
             </a:r>
+            <a:endParaRPr lang="pt-BR" dirty="0">
+              <a:solidFill>
+                <a:schemeClr val="bg1"/>
+              </a:solidFill>
+              <a:latin typeface="Montserrat" panose="00000500000000000000" pitchFamily="2" charset="0"/>
+            </a:endParaRPr>
           </a:p>
         </p:txBody>
       </p:sp>
@@ -6549,6 +7094,9 @@
             <a:avLst/>
           </a:prstGeom>
           <a:ln>
+            <a:solidFill>
+              <a:srgbClr val="FFAC40"/>
+            </a:solidFill>
             <a:tailEnd type="triangle"/>
           </a:ln>
         </p:spPr>
@@ -6608,7 +7156,12 @@
           <a:p>
             <a:pPr algn="ctr"/>
             <a:r>
-              <a:rPr lang="pt-BR" dirty="0"/>
+              <a:rPr lang="pt-BR" sz="1600" dirty="0">
+                <a:solidFill>
+                  <a:schemeClr val="bg1"/>
+                </a:solidFill>
+                <a:latin typeface="Montserrat" panose="00000500000000000000" pitchFamily="2" charset="0"/>
+              </a:rPr>
               <a:t>Aplicação B</a:t>
             </a:r>
           </a:p>
@@ -6639,6 +7192,9 @@
             <a:avLst/>
           </a:prstGeom>
           <a:ln>
+            <a:solidFill>
+              <a:srgbClr val="FFAC40"/>
+            </a:solidFill>
             <a:tailEnd type="triangle"/>
           </a:ln>
         </p:spPr>
@@ -6705,16 +7261,33 @@
         </p:nvSpPr>
         <p:spPr/>
         <p:txBody>
-          <a:bodyPr/>
+          <a:bodyPr>
+            <a:normAutofit/>
+          </a:bodyPr>
           <a:lstStyle/>
           <a:p>
             <a:r>
-              <a:rPr lang="pt-BR" i="1" dirty="0">
-                <a:hlinkClick r:id="rId3"/>
-              </a:rPr>
-              <a:t>Resilience4J</a:t>
-            </a:r>
-            <a:endParaRPr lang="pt-BR" i="1" dirty="0"/>
+              <a:rPr lang="pt-BR" sz="3600" i="1" dirty="0">
+                <a:solidFill>
+                  <a:srgbClr val="FFAC40"/>
+                </a:solidFill>
+                <a:latin typeface="Montserrat ExtraBold" panose="00000900000000000000" pitchFamily="2" charset="0"/>
+                <a:hlinkClick r:id="rId3">
+                  <a:extLst>
+                    <a:ext uri="{A12FA001-AC4F-418D-AE19-62706E023703}">
+                      <ahyp:hlinkClr xmlns:ahyp="http://schemas.microsoft.com/office/drawing/2018/hyperlinkcolor" val="tx"/>
+                    </a:ext>
+                  </a:extLst>
+                </a:hlinkClick>
+              </a:rPr>
+              <a:t>RESILIENCE4J</a:t>
+            </a:r>
+            <a:endParaRPr lang="pt-BR" sz="3600" i="1" dirty="0">
+              <a:solidFill>
+                <a:srgbClr val="FFAC40"/>
+              </a:solidFill>
+              <a:latin typeface="Montserrat ExtraBold" panose="00000900000000000000" pitchFamily="2" charset="0"/>
+            </a:endParaRPr>
           </a:p>
         </p:txBody>
       </p:sp>
@@ -6737,92 +7310,192 @@
         <p:spPr/>
         <p:txBody>
           <a:bodyPr>
-            <a:normAutofit lnSpcReduction="10000"/>
+            <a:normAutofit fontScale="92500"/>
           </a:bodyPr>
           <a:lstStyle/>
           <a:p>
             <a:r>
-              <a:rPr lang="pt-BR" dirty="0"/>
+              <a:rPr lang="pt-BR" sz="2600" dirty="0">
+                <a:solidFill>
+                  <a:schemeClr val="bg1"/>
+                </a:solidFill>
+                <a:latin typeface="Montserrat" panose="00000500000000000000" pitchFamily="2" charset="0"/>
+              </a:rPr>
               <a:t>“É uma biblioteca de tolerância à falhas leve e fácil de usar, que foi inspirada na biblioteca da Netflix </a:t>
             </a:r>
             <a:r>
-              <a:rPr lang="pt-BR" dirty="0" err="1"/>
+              <a:rPr lang="pt-BR" sz="2600" dirty="0" err="1">
+                <a:solidFill>
+                  <a:schemeClr val="bg1"/>
+                </a:solidFill>
+                <a:latin typeface="Montserrat" panose="00000500000000000000" pitchFamily="2" charset="0"/>
+              </a:rPr>
               <a:t>Hystrix</a:t>
             </a:r>
             <a:r>
-              <a:rPr lang="pt-BR" dirty="0"/>
+              <a:rPr lang="pt-BR" sz="2600" dirty="0">
+                <a:solidFill>
+                  <a:schemeClr val="bg1"/>
+                </a:solidFill>
+                <a:latin typeface="Montserrat" panose="00000500000000000000" pitchFamily="2" charset="0"/>
+              </a:rPr>
               <a:t>, porém projetado para Java 8 e programação funcional”.</a:t>
             </a:r>
           </a:p>
           <a:p>
             <a:r>
-              <a:rPr lang="pt-BR" dirty="0"/>
+              <a:rPr lang="pt-BR" sz="2600" dirty="0">
+                <a:solidFill>
+                  <a:schemeClr val="bg1"/>
+                </a:solidFill>
+                <a:latin typeface="Montserrat" panose="00000500000000000000" pitchFamily="2" charset="0"/>
+              </a:rPr>
               <a:t>Recursos modularizados:</a:t>
             </a:r>
           </a:p>
           <a:p>
             <a:pPr lvl="1"/>
             <a:r>
-              <a:rPr lang="pt-BR" i="1" dirty="0" err="1"/>
+              <a:rPr lang="pt-BR" i="1" dirty="0" err="1">
+                <a:solidFill>
+                  <a:schemeClr val="bg1"/>
+                </a:solidFill>
+                <a:latin typeface="Montserrat" panose="00000500000000000000" pitchFamily="2" charset="0"/>
+              </a:rPr>
               <a:t>CircuitBreaker</a:t>
             </a:r>
-            <a:endParaRPr lang="pt-BR" i="1" dirty="0"/>
+            <a:endParaRPr lang="pt-BR" i="1" dirty="0">
+              <a:solidFill>
+                <a:schemeClr val="bg1"/>
+              </a:solidFill>
+              <a:latin typeface="Montserrat" panose="00000500000000000000" pitchFamily="2" charset="0"/>
+            </a:endParaRPr>
           </a:p>
           <a:p>
             <a:pPr lvl="1"/>
             <a:r>
-              <a:rPr lang="pt-BR" i="1" dirty="0" err="1"/>
+              <a:rPr lang="pt-BR" i="1" dirty="0" err="1">
+                <a:solidFill>
+                  <a:schemeClr val="bg1"/>
+                </a:solidFill>
+                <a:latin typeface="Montserrat" panose="00000500000000000000" pitchFamily="2" charset="0"/>
+              </a:rPr>
               <a:t>Bulkhead</a:t>
             </a:r>
-            <a:endParaRPr lang="pt-BR" i="1" dirty="0"/>
+            <a:endParaRPr lang="pt-BR" i="1" dirty="0">
+              <a:solidFill>
+                <a:schemeClr val="bg1"/>
+              </a:solidFill>
+              <a:latin typeface="Montserrat" panose="00000500000000000000" pitchFamily="2" charset="0"/>
+            </a:endParaRPr>
           </a:p>
           <a:p>
             <a:pPr lvl="1"/>
             <a:r>
-              <a:rPr lang="pt-BR" i="1" dirty="0" err="1"/>
+              <a:rPr lang="pt-BR" i="1" dirty="0" err="1">
+                <a:solidFill>
+                  <a:schemeClr val="bg1"/>
+                </a:solidFill>
+                <a:latin typeface="Montserrat" panose="00000500000000000000" pitchFamily="2" charset="0"/>
+              </a:rPr>
               <a:t>RateLimiter</a:t>
             </a:r>
-            <a:endParaRPr lang="pt-BR" i="1" dirty="0"/>
+            <a:endParaRPr lang="pt-BR" i="1" dirty="0">
+              <a:solidFill>
+                <a:schemeClr val="bg1"/>
+              </a:solidFill>
+              <a:latin typeface="Montserrat" panose="00000500000000000000" pitchFamily="2" charset="0"/>
+            </a:endParaRPr>
           </a:p>
           <a:p>
             <a:pPr lvl="1"/>
             <a:r>
-              <a:rPr lang="pt-BR" i="1" dirty="0" err="1"/>
+              <a:rPr lang="pt-BR" i="1" dirty="0" err="1">
+                <a:solidFill>
+                  <a:schemeClr val="bg1"/>
+                </a:solidFill>
+                <a:latin typeface="Montserrat" panose="00000500000000000000" pitchFamily="2" charset="0"/>
+              </a:rPr>
               <a:t>Retry</a:t>
             </a:r>
-            <a:endParaRPr lang="pt-BR" i="1" dirty="0"/>
+            <a:endParaRPr lang="pt-BR" i="1" dirty="0">
+              <a:solidFill>
+                <a:schemeClr val="bg1"/>
+              </a:solidFill>
+              <a:latin typeface="Montserrat" panose="00000500000000000000" pitchFamily="2" charset="0"/>
+            </a:endParaRPr>
           </a:p>
           <a:p>
             <a:pPr lvl="1"/>
             <a:r>
-              <a:rPr lang="pt-BR" i="1" dirty="0" err="1"/>
+              <a:rPr lang="pt-BR" i="1" dirty="0" err="1">
+                <a:solidFill>
+                  <a:schemeClr val="bg1"/>
+                </a:solidFill>
+                <a:latin typeface="Montserrat" panose="00000500000000000000" pitchFamily="2" charset="0"/>
+              </a:rPr>
               <a:t>TimeLimiter</a:t>
             </a:r>
-            <a:endParaRPr lang="pt-BR" i="1" dirty="0"/>
+            <a:endParaRPr lang="pt-BR" i="1" dirty="0">
+              <a:solidFill>
+                <a:schemeClr val="bg1"/>
+              </a:solidFill>
+              <a:latin typeface="Montserrat" panose="00000500000000000000" pitchFamily="2" charset="0"/>
+            </a:endParaRPr>
           </a:p>
           <a:p>
             <a:pPr lvl="1"/>
             <a:r>
-              <a:rPr lang="pt-BR" i="1" dirty="0"/>
+              <a:rPr lang="pt-BR" i="1" dirty="0">
+                <a:solidFill>
+                  <a:schemeClr val="bg1"/>
+                </a:solidFill>
+                <a:latin typeface="Montserrat" panose="00000500000000000000" pitchFamily="2" charset="0"/>
+              </a:rPr>
               <a:t>Cache</a:t>
             </a:r>
           </a:p>
           <a:p>
             <a:r>
-              <a:rPr lang="pt-BR" dirty="0"/>
+              <a:rPr lang="pt-BR" sz="2600" dirty="0">
+                <a:solidFill>
+                  <a:schemeClr val="bg1"/>
+                </a:solidFill>
+                <a:latin typeface="Montserrat" panose="00000500000000000000" pitchFamily="2" charset="0"/>
+              </a:rPr>
               <a:t>Usa algumas interfaces funcionais do Java 8 e é baseado no </a:t>
             </a:r>
             <a:r>
-              <a:rPr lang="pt-BR" i="1" dirty="0" err="1">
-                <a:hlinkClick r:id="rId4"/>
+              <a:rPr lang="pt-BR" sz="2600" i="1" dirty="0" err="1">
+                <a:solidFill>
+                  <a:schemeClr val="bg1"/>
+                </a:solidFill>
+                <a:latin typeface="Montserrat" panose="00000500000000000000" pitchFamily="2" charset="0"/>
+                <a:hlinkClick r:id="rId4">
+                  <a:extLst>
+                    <a:ext uri="{A12FA001-AC4F-418D-AE19-62706E023703}">
+                      <ahyp:hlinkClr xmlns:ahyp="http://schemas.microsoft.com/office/drawing/2018/hyperlinkcolor" val="tx"/>
+                    </a:ext>
+                  </a:extLst>
+                </a:hlinkClick>
               </a:rPr>
               <a:t>Vavr</a:t>
             </a:r>
             <a:r>
-              <a:rPr lang="pt-BR" i="1" dirty="0"/>
+              <a:rPr lang="pt-BR" sz="2600" i="1" dirty="0">
+                <a:solidFill>
+                  <a:schemeClr val="bg1"/>
+                </a:solidFill>
+                <a:latin typeface="Montserrat" panose="00000500000000000000" pitchFamily="2" charset="0"/>
+              </a:rPr>
               <a:t>.</a:t>
             </a:r>
-            <a:endParaRPr lang="pt-BR" dirty="0"/>
+            <a:endParaRPr lang="pt-BR" sz="2600" dirty="0">
+              <a:solidFill>
+                <a:schemeClr val="bg1"/>
+              </a:solidFill>
+              <a:latin typeface="Montserrat" panose="00000500000000000000" pitchFamily="2" charset="0"/>
+            </a:endParaRPr>
           </a:p>
         </p:txBody>
       </p:sp>
@@ -6830,6 +7503,124 @@
     <p:extLst>
       <p:ext uri="{BB962C8B-B14F-4D97-AF65-F5344CB8AC3E}">
         <p14:creationId xmlns:p14="http://schemas.microsoft.com/office/powerpoint/2010/main" val="2641428068"/>
+      </p:ext>
+    </p:extLst>
+  </p:cSld>
+  <p:clrMapOvr>
+    <a:masterClrMapping/>
+  </p:clrMapOvr>
+</p:sld>
+</file>
+
+<file path=ppt/slides/slide13.xml><?xml version="1.0" encoding="utf-8"?>
+<p:sld xmlns:a="http://schemas.openxmlformats.org/drawingml/2006/main" xmlns:r="http://schemas.openxmlformats.org/officeDocument/2006/relationships" xmlns:p="http://schemas.openxmlformats.org/presentationml/2006/main">
+  <p:cSld>
+    <p:spTree>
+      <p:nvGrpSpPr>
+        <p:cNvPr id="1" name="Shape 161"/>
+        <p:cNvGrpSpPr/>
+        <p:nvPr/>
+      </p:nvGrpSpPr>
+      <p:grpSpPr>
+        <a:xfrm>
+          <a:off x="0" y="0"/>
+          <a:ext cx="0" cy="0"/>
+          <a:chOff x="0" y="0"/>
+          <a:chExt cx="0" cy="0"/>
+        </a:xfrm>
+      </p:grpSpPr>
+      <p:sp>
+        <p:nvSpPr>
+          <p:cNvPr id="162" name="Google Shape;162;p38"/>
+          <p:cNvSpPr txBox="1">
+            <a:spLocks noGrp="1"/>
+          </p:cNvSpPr>
+          <p:nvPr>
+            <p:ph type="ctrTitle"/>
+          </p:nvPr>
+        </p:nvSpPr>
+        <p:spPr>
+          <a:xfrm>
+            <a:off x="2901200" y="2600133"/>
+            <a:ext cx="6389600" cy="859600"/>
+          </a:xfrm>
+          <a:prstGeom prst="rect">
+            <a:avLst/>
+          </a:prstGeom>
+          <a:effectLst>
+            <a:outerShdw blurRad="142875" dist="19050" dir="8760000" algn="bl" rotWithShape="0">
+              <a:srgbClr val="76A5AF">
+                <a:alpha val="50000"/>
+              </a:srgbClr>
+            </a:outerShdw>
+          </a:effectLst>
+        </p:spPr>
+        <p:txBody>
+          <a:bodyPr spcFirstLastPara="1" vert="horz" wrap="square" lIns="121900" tIns="121900" rIns="121900" bIns="121900" rtlCol="0" anchor="b" anchorCtr="0">
+            <a:noAutofit/>
+          </a:bodyPr>
+          <a:lstStyle/>
+          <a:p>
+            <a:pPr>
+              <a:spcBef>
+                <a:spcPts val="0"/>
+              </a:spcBef>
+            </a:pPr>
+            <a:r>
+              <a:rPr lang="en" dirty="0">
+                <a:solidFill>
+                  <a:schemeClr val="bg1"/>
+                </a:solidFill>
+                <a:latin typeface="Montserrat ExtraBold" panose="00000900000000000000" pitchFamily="2" charset="0"/>
+              </a:rPr>
+              <a:t>DEMO</a:t>
+            </a:r>
+            <a:endParaRPr dirty="0">
+              <a:solidFill>
+                <a:schemeClr val="bg1"/>
+              </a:solidFill>
+              <a:latin typeface="Montserrat ExtraBold" panose="00000900000000000000" pitchFamily="2" charset="0"/>
+            </a:endParaRPr>
+          </a:p>
+        </p:txBody>
+      </p:sp>
+      <p:cxnSp>
+        <p:nvCxnSpPr>
+          <p:cNvPr id="165" name="Google Shape;165;p38"/>
+          <p:cNvCxnSpPr/>
+          <p:nvPr/>
+        </p:nvCxnSpPr>
+        <p:spPr>
+          <a:xfrm>
+            <a:off x="4254000" y="3420229"/>
+            <a:ext cx="3684000" cy="0"/>
+          </a:xfrm>
+          <a:prstGeom prst="straightConnector1">
+            <a:avLst/>
+          </a:prstGeom>
+          <a:noFill/>
+          <a:ln w="9525" cap="flat" cmpd="sng">
+            <a:solidFill>
+              <a:srgbClr val="FFAC40"/>
+            </a:solidFill>
+            <a:prstDash val="solid"/>
+            <a:round/>
+            <a:headEnd type="none" w="med" len="med"/>
+            <a:tailEnd type="none" w="med" len="med"/>
+          </a:ln>
+          <a:effectLst>
+            <a:outerShdw blurRad="57150" dist="19050" dir="5400000" algn="bl" rotWithShape="0">
+              <a:srgbClr val="FFFFFF">
+                <a:alpha val="50000"/>
+              </a:srgbClr>
+            </a:outerShdw>
+          </a:effectLst>
+        </p:spPr>
+      </p:cxnSp>
+    </p:spTree>
+    <p:extLst>
+      <p:ext uri="{BB962C8B-B14F-4D97-AF65-F5344CB8AC3E}">
+        <p14:creationId xmlns:p14="http://schemas.microsoft.com/office/powerpoint/2010/main" val="4112746522"/>
       </p:ext>
     </p:extLst>
   </p:cSld>
@@ -6878,29 +7669,29 @@
           <a:lstStyle/>
           <a:p>
             <a:r>
-              <a:rPr lang="pt-BR" dirty="0"/>
-              <a:t>O termo: </a:t>
-            </a:r>
-            <a:r>
-              <a:rPr lang="pt-BR" i="1" dirty="0"/>
-              <a:t>“</a:t>
-            </a:r>
-            <a:r>
-              <a:rPr lang="pt-BR" i="1" dirty="0" err="1"/>
-              <a:t>Circuit</a:t>
-            </a:r>
-            <a:r>
-              <a:rPr lang="pt-BR" i="1" dirty="0"/>
-              <a:t> </a:t>
-            </a:r>
-            <a:r>
-              <a:rPr lang="pt-BR" i="1" dirty="0" err="1"/>
-              <a:t>Breaker</a:t>
-            </a:r>
-            <a:r>
-              <a:rPr lang="pt-BR" i="1" dirty="0"/>
-              <a:t>”</a:t>
-            </a:r>
+              <a:rPr lang="pt-BR" sz="3600" dirty="0">
+                <a:solidFill>
+                  <a:srgbClr val="FFAC40"/>
+                </a:solidFill>
+                <a:latin typeface="Montserrat ExtraBold" panose="00000900000000000000" pitchFamily="2" charset="0"/>
+              </a:rPr>
+              <a:t>O TERMO: </a:t>
+            </a:r>
+            <a:r>
+              <a:rPr lang="pt-BR" sz="3600" i="1" dirty="0">
+                <a:solidFill>
+                  <a:srgbClr val="FFAC40"/>
+                </a:solidFill>
+                <a:latin typeface="Montserrat ExtraBold" panose="00000900000000000000" pitchFamily="2" charset="0"/>
+              </a:rPr>
+              <a:t>“CIRCUIT BREAKER”</a:t>
+            </a:r>
+            <a:endParaRPr lang="pt-BR" i="1" dirty="0">
+              <a:solidFill>
+                <a:srgbClr val="FFAC40"/>
+              </a:solidFill>
+              <a:latin typeface="Montserrat ExtraBold" panose="00000900000000000000" pitchFamily="2" charset="0"/>
+            </a:endParaRPr>
           </a:p>
         </p:txBody>
       </p:sp>
@@ -6931,11 +7722,21 @@
           <a:lstStyle/>
           <a:p>
             <a:r>
-              <a:rPr lang="pt-BR" b="1" dirty="0"/>
+              <a:rPr lang="pt-BR" sz="2400" b="1" dirty="0">
+                <a:solidFill>
+                  <a:schemeClr val="bg1"/>
+                </a:solidFill>
+                <a:latin typeface="Montserrat" panose="00000500000000000000" pitchFamily="2" charset="0"/>
+              </a:rPr>
               <a:t>Disjuntor</a:t>
             </a:r>
             <a:r>
-              <a:rPr lang="pt-BR" dirty="0"/>
+              <a:rPr lang="pt-BR" sz="2400" dirty="0">
+                <a:solidFill>
+                  <a:schemeClr val="bg1"/>
+                </a:solidFill>
+                <a:latin typeface="Montserrat" panose="00000500000000000000" pitchFamily="2" charset="0"/>
+              </a:rPr>
               <a:t> – Protege o Circuito Elétrico: </a:t>
             </a:r>
           </a:p>
@@ -6944,7 +7745,12 @@
               <a:buNone/>
             </a:pPr>
             <a:r>
-              <a:rPr lang="pt-BR" dirty="0"/>
+              <a:rPr lang="pt-BR" sz="2400" dirty="0">
+                <a:solidFill>
+                  <a:schemeClr val="bg1"/>
+                </a:solidFill>
+                <a:latin typeface="Montserrat" panose="00000500000000000000" pitchFamily="2" charset="0"/>
+              </a:rPr>
               <a:t>	- Excesso de carga</a:t>
             </a:r>
           </a:p>
@@ -6953,7 +7759,12 @@
               <a:buNone/>
             </a:pPr>
             <a:r>
-              <a:rPr lang="pt-BR" dirty="0"/>
+              <a:rPr lang="pt-BR" sz="2400" dirty="0">
+                <a:solidFill>
+                  <a:schemeClr val="bg1"/>
+                </a:solidFill>
+                <a:latin typeface="Montserrat" panose="00000500000000000000" pitchFamily="2" charset="0"/>
+              </a:rPr>
               <a:t>	- Curto Circuito</a:t>
             </a:r>
           </a:p>
@@ -7011,10 +7822,10 @@
       </p:pic>
       <p:pic>
         <p:nvPicPr>
-          <p:cNvPr id="5" name="Espaço Reservado para Conteúdo 4">
-            <a:extLst>
-              <a:ext uri="{FF2B5EF4-FFF2-40B4-BE49-F238E27FC236}">
-                <a16:creationId xmlns:a16="http://schemas.microsoft.com/office/drawing/2014/main" id="{8779741A-4809-495D-8A0A-CF82D04CB51C}"/>
+          <p:cNvPr id="8" name="Imagem 7" descr="Caixa de metal&#10;&#10;Descrição gerada automaticamente com confiança baixa">
+            <a:extLst>
+              <a:ext uri="{FF2B5EF4-FFF2-40B4-BE49-F238E27FC236}">
+                <a16:creationId xmlns:a16="http://schemas.microsoft.com/office/drawing/2014/main" id="{56FC61E5-4C56-4DE3-B7FB-AD51F8392557}"/>
               </a:ext>
             </a:extLst>
           </p:cNvPr>
@@ -7024,15 +7835,21 @@
           <p:nvPr/>
         </p:nvPicPr>
         <p:blipFill>
-          <a:blip r:embed="rId4"/>
+          <a:blip r:embed="rId4">
+            <a:extLst>
+              <a:ext uri="{28A0092B-C50C-407E-A947-70E740481C1C}">
+                <a14:useLocalDpi xmlns:a14="http://schemas.microsoft.com/office/drawing/2010/main" val="0"/>
+              </a:ext>
+            </a:extLst>
+          </a:blip>
           <a:stretch>
             <a:fillRect/>
           </a:stretch>
         </p:blipFill>
         <p:spPr>
           <a:xfrm>
-            <a:off x="7280953" y="1573242"/>
-            <a:ext cx="3781425" cy="4305300"/>
+            <a:off x="4754656" y="1573242"/>
+            <a:ext cx="8572500" cy="4762500"/>
           </a:xfrm>
           <a:prstGeom prst="rect">
             <a:avLst/>
@@ -7091,9 +7908,20 @@
           <a:lstStyle/>
           <a:p>
             <a:r>
-              <a:rPr lang="pt-BR" dirty="0"/>
-              <a:t>Qual o problema que ele busca resolver?</a:t>
-            </a:r>
+              <a:rPr lang="pt-BR" sz="2800" dirty="0">
+                <a:solidFill>
+                  <a:srgbClr val="FFAC40"/>
+                </a:solidFill>
+                <a:latin typeface="Montserrat ExtraBold" panose="00000900000000000000" pitchFamily="2" charset="0"/>
+              </a:rPr>
+              <a:t>QUAL O PROBLEMA QUE ELE BUSCA RESOLVER?</a:t>
+            </a:r>
+            <a:endParaRPr lang="pt-BR" dirty="0">
+              <a:solidFill>
+                <a:srgbClr val="FFAC40"/>
+              </a:solidFill>
+              <a:latin typeface="Montserrat ExtraBold" panose="00000900000000000000" pitchFamily="2" charset="0"/>
+            </a:endParaRPr>
           </a:p>
         </p:txBody>
       </p:sp>
@@ -7198,16 +8026,32 @@
           <a:p>
             <a:pPr algn="ctr"/>
             <a:r>
-              <a:rPr lang="pt-BR" dirty="0"/>
+              <a:rPr lang="pt-BR" sz="1600" dirty="0">
+                <a:solidFill>
+                  <a:schemeClr val="bg1"/>
+                </a:solidFill>
+                <a:latin typeface="Montserrat" panose="00000500000000000000" pitchFamily="2" charset="0"/>
+              </a:rPr>
               <a:t>Micro serviço A</a:t>
             </a:r>
           </a:p>
           <a:p>
             <a:pPr algn="ctr"/>
             <a:r>
-              <a:rPr lang="pt-BR" dirty="0"/>
+              <a:rPr lang="pt-BR" sz="1600" dirty="0">
+                <a:solidFill>
+                  <a:schemeClr val="bg1"/>
+                </a:solidFill>
+                <a:latin typeface="Montserrat" panose="00000500000000000000" pitchFamily="2" charset="0"/>
+              </a:rPr>
               <a:t>Recomendação de Produtos</a:t>
             </a:r>
+            <a:endParaRPr lang="pt-BR" dirty="0">
+              <a:solidFill>
+                <a:schemeClr val="bg1"/>
+              </a:solidFill>
+              <a:latin typeface="Montserrat" panose="00000500000000000000" pitchFamily="2" charset="0"/>
+            </a:endParaRPr>
           </a:p>
         </p:txBody>
       </p:sp>
@@ -7252,17 +8096,37 @@
           <a:p>
             <a:pPr algn="ctr"/>
             <a:r>
-              <a:rPr lang="pt-BR" dirty="0"/>
+              <a:rPr lang="pt-BR" sz="1600" dirty="0">
+                <a:solidFill>
+                  <a:schemeClr val="bg1"/>
+                </a:solidFill>
+                <a:latin typeface="Montserrat" panose="00000500000000000000" pitchFamily="2" charset="0"/>
+              </a:rPr>
               <a:t>Micro serviço B</a:t>
             </a:r>
             <a:br>
-              <a:rPr lang="pt-BR" dirty="0"/>
+              <a:rPr lang="pt-BR" sz="1600" dirty="0">
+                <a:solidFill>
+                  <a:schemeClr val="bg1"/>
+                </a:solidFill>
+                <a:latin typeface="Montserrat" panose="00000500000000000000" pitchFamily="2" charset="0"/>
+              </a:rPr>
             </a:br>
             <a:br>
-              <a:rPr lang="pt-BR" dirty="0"/>
+              <a:rPr lang="pt-BR" sz="1600" dirty="0">
+                <a:solidFill>
+                  <a:schemeClr val="bg1"/>
+                </a:solidFill>
+                <a:latin typeface="Montserrat" panose="00000500000000000000" pitchFamily="2" charset="0"/>
+              </a:rPr>
             </a:br>
             <a:r>
-              <a:rPr lang="pt-BR" dirty="0"/>
+              <a:rPr lang="pt-BR" sz="1600" dirty="0">
+                <a:solidFill>
+                  <a:schemeClr val="bg1"/>
+                </a:solidFill>
+                <a:latin typeface="Montserrat" panose="00000500000000000000" pitchFamily="2" charset="0"/>
+              </a:rPr>
               <a:t>Preço</a:t>
             </a:r>
           </a:p>
@@ -7309,19 +8173,45 @@
           <a:p>
             <a:pPr algn="ctr"/>
             <a:r>
-              <a:rPr lang="pt-BR" dirty="0"/>
+              <a:rPr lang="pt-BR" sz="1600" dirty="0">
+                <a:solidFill>
+                  <a:schemeClr val="bg1"/>
+                </a:solidFill>
+                <a:latin typeface="Montserrat" panose="00000500000000000000" pitchFamily="2" charset="0"/>
+              </a:rPr>
               <a:t>Micro serviço C</a:t>
             </a:r>
             <a:br>
-              <a:rPr lang="pt-BR" dirty="0"/>
+              <a:rPr lang="pt-BR" sz="1600" dirty="0">
+                <a:solidFill>
+                  <a:schemeClr val="bg1"/>
+                </a:solidFill>
+                <a:latin typeface="Montserrat" panose="00000500000000000000" pitchFamily="2" charset="0"/>
+              </a:rPr>
             </a:br>
             <a:br>
-              <a:rPr lang="pt-BR" dirty="0"/>
+              <a:rPr lang="pt-BR" sz="1600" dirty="0">
+                <a:solidFill>
+                  <a:schemeClr val="bg1"/>
+                </a:solidFill>
+                <a:latin typeface="Montserrat" panose="00000500000000000000" pitchFamily="2" charset="0"/>
+              </a:rPr>
             </a:br>
             <a:r>
-              <a:rPr lang="pt-BR" dirty="0"/>
+              <a:rPr lang="pt-BR" sz="1600" dirty="0">
+                <a:solidFill>
+                  <a:schemeClr val="bg1"/>
+                </a:solidFill>
+                <a:latin typeface="Montserrat" panose="00000500000000000000" pitchFamily="2" charset="0"/>
+              </a:rPr>
               <a:t>Pagamento</a:t>
             </a:r>
+            <a:endParaRPr lang="pt-BR" dirty="0">
+              <a:solidFill>
+                <a:schemeClr val="bg1"/>
+              </a:solidFill>
+              <a:latin typeface="Montserrat" panose="00000500000000000000" pitchFamily="2" charset="0"/>
+            </a:endParaRPr>
           </a:p>
         </p:txBody>
       </p:sp>
@@ -7350,6 +8240,9 @@
             <a:avLst/>
           </a:prstGeom>
           <a:ln>
+            <a:solidFill>
+              <a:srgbClr val="FFAC40"/>
+            </a:solidFill>
             <a:tailEnd type="triangle"/>
           </a:ln>
         </p:spPr>
@@ -7392,6 +8285,9 @@
             <a:avLst/>
           </a:prstGeom>
           <a:ln>
+            <a:solidFill>
+              <a:srgbClr val="FFAC40"/>
+            </a:solidFill>
             <a:tailEnd type="triangle"/>
           </a:ln>
         </p:spPr>
@@ -7509,9 +8405,20 @@
           <a:lstStyle/>
           <a:p>
             <a:r>
-              <a:rPr lang="pt-BR" dirty="0"/>
-              <a:t>Caso de uso: Web-Loja</a:t>
-            </a:r>
+              <a:rPr lang="pt-BR" sz="3600" dirty="0">
+                <a:solidFill>
+                  <a:srgbClr val="FFAC40"/>
+                </a:solidFill>
+                <a:latin typeface="Montserrat ExtraBold" panose="00000900000000000000" pitchFamily="2" charset="0"/>
+              </a:rPr>
+              <a:t>CASO DE USO: WEB-LOJA</a:t>
+            </a:r>
+            <a:endParaRPr lang="pt-BR" dirty="0">
+              <a:solidFill>
+                <a:srgbClr val="FFAC40"/>
+              </a:solidFill>
+              <a:latin typeface="Montserrat ExtraBold" panose="00000900000000000000" pitchFamily="2" charset="0"/>
+            </a:endParaRPr>
           </a:p>
         </p:txBody>
       </p:sp>
@@ -7529,7 +8436,7 @@
         </p:nvSpPr>
         <p:spPr>
           <a:xfrm>
-            <a:off x="8863820" y="1754319"/>
+            <a:off x="8855256" y="1766540"/>
             <a:ext cx="1916126" cy="958063"/>
           </a:xfrm>
           <a:prstGeom prst="roundRect">
@@ -7556,17 +8463,37 @@
           <a:p>
             <a:pPr algn="ctr"/>
             <a:r>
-              <a:rPr lang="pt-BR" dirty="0"/>
+              <a:rPr lang="pt-BR" sz="1600" dirty="0">
+                <a:solidFill>
+                  <a:schemeClr val="bg1"/>
+                </a:solidFill>
+                <a:latin typeface="Montserrat" panose="00000500000000000000" pitchFamily="2" charset="0"/>
+              </a:rPr>
               <a:t>Micro serviço C</a:t>
             </a:r>
             <a:br>
-              <a:rPr lang="pt-BR" dirty="0"/>
+              <a:rPr lang="pt-BR" sz="1600" dirty="0">
+                <a:solidFill>
+                  <a:schemeClr val="bg1"/>
+                </a:solidFill>
+                <a:latin typeface="Montserrat" panose="00000500000000000000" pitchFamily="2" charset="0"/>
+              </a:rPr>
             </a:br>
             <a:br>
-              <a:rPr lang="pt-BR" dirty="0"/>
+              <a:rPr lang="pt-BR" sz="1600" dirty="0">
+                <a:solidFill>
+                  <a:schemeClr val="bg1"/>
+                </a:solidFill>
+                <a:latin typeface="Montserrat" panose="00000500000000000000" pitchFamily="2" charset="0"/>
+              </a:rPr>
             </a:br>
             <a:r>
-              <a:rPr lang="pt-BR" dirty="0"/>
+              <a:rPr lang="pt-BR" sz="1600" dirty="0">
+                <a:solidFill>
+                  <a:schemeClr val="bg1"/>
+                </a:solidFill>
+                <a:latin typeface="Montserrat" panose="00000500000000000000" pitchFamily="2" charset="0"/>
+              </a:rPr>
               <a:t>Pagamento</a:t>
             </a:r>
           </a:p>
@@ -7595,6 +8522,11 @@
           <a:solidFill>
             <a:srgbClr val="FF0000"/>
           </a:solidFill>
+          <a:ln>
+            <a:solidFill>
+              <a:srgbClr val="FFAC40"/>
+            </a:solidFill>
+          </a:ln>
         </p:spPr>
         <p:style>
           <a:lnRef idx="2">
@@ -7635,7 +8567,7 @@
         </p:nvSpPr>
         <p:spPr>
           <a:xfrm>
-            <a:off x="5142862" y="1758335"/>
+            <a:off x="5134298" y="1757109"/>
             <a:ext cx="1916128" cy="958064"/>
           </a:xfrm>
           <a:prstGeom prst="roundRect">
@@ -7662,17 +8594,37 @@
           <a:p>
             <a:pPr algn="ctr"/>
             <a:r>
-              <a:rPr lang="pt-BR" dirty="0"/>
+              <a:rPr lang="pt-BR" sz="1600" dirty="0">
+                <a:solidFill>
+                  <a:schemeClr val="bg1"/>
+                </a:solidFill>
+                <a:latin typeface="Montserrat" panose="00000500000000000000" pitchFamily="2" charset="0"/>
+              </a:rPr>
               <a:t>Micro serviço B</a:t>
             </a:r>
             <a:br>
-              <a:rPr lang="pt-BR" dirty="0"/>
+              <a:rPr lang="pt-BR" sz="1600" dirty="0">
+                <a:solidFill>
+                  <a:schemeClr val="bg1"/>
+                </a:solidFill>
+                <a:latin typeface="Montserrat" panose="00000500000000000000" pitchFamily="2" charset="0"/>
+              </a:rPr>
             </a:br>
             <a:br>
-              <a:rPr lang="pt-BR" dirty="0"/>
+              <a:rPr lang="pt-BR" sz="1600" dirty="0">
+                <a:solidFill>
+                  <a:schemeClr val="bg1"/>
+                </a:solidFill>
+                <a:latin typeface="Montserrat" panose="00000500000000000000" pitchFamily="2" charset="0"/>
+              </a:rPr>
             </a:br>
             <a:r>
-              <a:rPr lang="pt-BR" dirty="0"/>
+              <a:rPr lang="pt-BR" sz="1600" dirty="0">
+                <a:solidFill>
+                  <a:schemeClr val="bg1"/>
+                </a:solidFill>
+                <a:latin typeface="Montserrat" panose="00000500000000000000" pitchFamily="2" charset="0"/>
+              </a:rPr>
               <a:t>Preço</a:t>
             </a:r>
           </a:p>
@@ -7701,6 +8653,11 @@
           <a:solidFill>
             <a:srgbClr val="FF0000"/>
           </a:solidFill>
+          <a:ln>
+            <a:solidFill>
+              <a:srgbClr val="FFAC40"/>
+            </a:solidFill>
+          </a:ln>
         </p:spPr>
         <p:style>
           <a:lnRef idx="2">
@@ -7741,7 +8698,7 @@
         </p:nvSpPr>
         <p:spPr>
           <a:xfrm>
-            <a:off x="1146642" y="1752609"/>
+            <a:off x="1138078" y="1764830"/>
             <a:ext cx="1989761" cy="958065"/>
           </a:xfrm>
           <a:prstGeom prst="roundRect">
@@ -7768,14 +8725,24 @@
           <a:p>
             <a:pPr algn="ctr"/>
             <a:r>
-              <a:rPr lang="pt-BR" dirty="0"/>
+              <a:rPr lang="pt-BR" sz="1600" dirty="0">
+                <a:solidFill>
+                  <a:schemeClr val="bg1"/>
+                </a:solidFill>
+                <a:latin typeface="Montserrat" panose="00000500000000000000" pitchFamily="2" charset="0"/>
+              </a:rPr>
               <a:t>Micro serviço A</a:t>
             </a:r>
           </a:p>
           <a:p>
             <a:pPr algn="ctr"/>
             <a:r>
-              <a:rPr lang="pt-BR" dirty="0"/>
+              <a:rPr lang="pt-BR" sz="1600" dirty="0">
+                <a:solidFill>
+                  <a:schemeClr val="bg1"/>
+                </a:solidFill>
+                <a:latin typeface="Montserrat" panose="00000500000000000000" pitchFamily="2" charset="0"/>
+              </a:rPr>
               <a:t>Recomendação de Produtos</a:t>
             </a:r>
           </a:p>
@@ -7804,6 +8771,11 @@
           <a:solidFill>
             <a:srgbClr val="FF0000"/>
           </a:solidFill>
+          <a:ln>
+            <a:solidFill>
+              <a:srgbClr val="FFAC40"/>
+            </a:solidFill>
+          </a:ln>
         </p:spPr>
         <p:style>
           <a:lnRef idx="2">
@@ -8533,14 +9505,24 @@
           <a:p>
             <a:pPr algn="ctr"/>
             <a:r>
-              <a:rPr lang="pt-BR" dirty="0"/>
+              <a:rPr lang="pt-BR" sz="1600" dirty="0">
+                <a:solidFill>
+                  <a:schemeClr val="bg1"/>
+                </a:solidFill>
+                <a:latin typeface="Montserrat" panose="00000500000000000000" pitchFamily="2" charset="0"/>
+              </a:rPr>
               <a:t>Micro serviço A</a:t>
             </a:r>
           </a:p>
           <a:p>
             <a:pPr algn="ctr"/>
             <a:r>
-              <a:rPr lang="pt-BR" dirty="0"/>
+              <a:rPr lang="pt-BR" sz="1600" dirty="0">
+                <a:solidFill>
+                  <a:schemeClr val="bg1"/>
+                </a:solidFill>
+                <a:latin typeface="Montserrat" panose="00000500000000000000" pitchFamily="2" charset="0"/>
+              </a:rPr>
               <a:t>Recomendação de Produtos</a:t>
             </a:r>
           </a:p>
@@ -8587,19 +9569,45 @@
           <a:p>
             <a:pPr algn="ctr"/>
             <a:r>
-              <a:rPr lang="pt-BR" dirty="0"/>
+              <a:rPr lang="pt-BR" sz="1600" dirty="0">
+                <a:solidFill>
+                  <a:schemeClr val="bg1"/>
+                </a:solidFill>
+                <a:latin typeface="Montserrat" panose="00000500000000000000" pitchFamily="2" charset="0"/>
+              </a:rPr>
               <a:t>Micro serviço B</a:t>
             </a:r>
             <a:br>
-              <a:rPr lang="pt-BR" dirty="0"/>
+              <a:rPr lang="pt-BR" sz="1600" dirty="0">
+                <a:solidFill>
+                  <a:schemeClr val="bg1"/>
+                </a:solidFill>
+                <a:latin typeface="Montserrat" panose="00000500000000000000" pitchFamily="2" charset="0"/>
+              </a:rPr>
             </a:br>
             <a:br>
-              <a:rPr lang="pt-BR" dirty="0"/>
+              <a:rPr lang="pt-BR" sz="1600" dirty="0">
+                <a:solidFill>
+                  <a:schemeClr val="bg1"/>
+                </a:solidFill>
+                <a:latin typeface="Montserrat" panose="00000500000000000000" pitchFamily="2" charset="0"/>
+              </a:rPr>
             </a:br>
             <a:r>
-              <a:rPr lang="pt-BR" dirty="0"/>
+              <a:rPr lang="pt-BR" sz="1600" dirty="0">
+                <a:solidFill>
+                  <a:schemeClr val="bg1"/>
+                </a:solidFill>
+                <a:latin typeface="Montserrat" panose="00000500000000000000" pitchFamily="2" charset="0"/>
+              </a:rPr>
               <a:t>Preço</a:t>
             </a:r>
+            <a:endParaRPr lang="pt-BR" dirty="0">
+              <a:solidFill>
+                <a:schemeClr val="bg1"/>
+              </a:solidFill>
+              <a:latin typeface="Montserrat" panose="00000500000000000000" pitchFamily="2" charset="0"/>
+            </a:endParaRPr>
           </a:p>
         </p:txBody>
       </p:sp>
@@ -8644,19 +9652,45 @@
           <a:p>
             <a:pPr algn="ctr"/>
             <a:r>
-              <a:rPr lang="pt-BR" dirty="0"/>
+              <a:rPr lang="pt-BR" sz="1600" dirty="0">
+                <a:solidFill>
+                  <a:schemeClr val="bg1"/>
+                </a:solidFill>
+                <a:latin typeface="Montserrat" panose="00000500000000000000" pitchFamily="2" charset="0"/>
+              </a:rPr>
               <a:t>Micro serviço C</a:t>
             </a:r>
             <a:br>
-              <a:rPr lang="pt-BR" dirty="0"/>
+              <a:rPr lang="pt-BR" sz="1600" dirty="0">
+                <a:solidFill>
+                  <a:schemeClr val="bg1"/>
+                </a:solidFill>
+                <a:latin typeface="Montserrat" panose="00000500000000000000" pitchFamily="2" charset="0"/>
+              </a:rPr>
             </a:br>
             <a:br>
-              <a:rPr lang="pt-BR" dirty="0"/>
+              <a:rPr lang="pt-BR" sz="1600" dirty="0">
+                <a:solidFill>
+                  <a:schemeClr val="bg1"/>
+                </a:solidFill>
+                <a:latin typeface="Montserrat" panose="00000500000000000000" pitchFamily="2" charset="0"/>
+              </a:rPr>
             </a:br>
             <a:r>
-              <a:rPr lang="pt-BR" dirty="0"/>
+              <a:rPr lang="pt-BR" sz="1600" dirty="0">
+                <a:solidFill>
+                  <a:schemeClr val="bg1"/>
+                </a:solidFill>
+                <a:latin typeface="Montserrat" panose="00000500000000000000" pitchFamily="2" charset="0"/>
+              </a:rPr>
               <a:t>Pagamento</a:t>
             </a:r>
+            <a:endParaRPr lang="pt-BR" dirty="0">
+              <a:solidFill>
+                <a:schemeClr val="bg1"/>
+              </a:solidFill>
+              <a:latin typeface="Montserrat" panose="00000500000000000000" pitchFamily="2" charset="0"/>
+            </a:endParaRPr>
           </a:p>
         </p:txBody>
       </p:sp>
@@ -8683,6 +9717,11 @@
           <a:solidFill>
             <a:srgbClr val="FF0000"/>
           </a:solidFill>
+          <a:ln>
+            <a:solidFill>
+              <a:srgbClr val="FFAC40"/>
+            </a:solidFill>
+          </a:ln>
         </p:spPr>
         <p:style>
           <a:lnRef idx="2">
@@ -8769,6 +9808,9 @@
             <a:avLst/>
           </a:prstGeom>
           <a:ln>
+            <a:solidFill>
+              <a:srgbClr val="FFAC40"/>
+            </a:solidFill>
             <a:tailEnd type="triangle"/>
           </a:ln>
         </p:spPr>
@@ -8847,6 +9889,9 @@
             <a:avLst/>
           </a:prstGeom>
           <a:ln>
+            <a:solidFill>
+              <a:srgbClr val="FFAC40"/>
+            </a:solidFill>
             <a:tailEnd type="triangle"/>
           </a:ln>
         </p:spPr>
@@ -8892,18 +9937,29 @@
           <a:lstStyle/>
           <a:p>
             <a:r>
-              <a:rPr lang="pt-BR" dirty="0"/>
-              <a:t>Caso de uso: Web-Loja</a:t>
-            </a:r>
+              <a:rPr lang="pt-BR" sz="3600" dirty="0">
+                <a:solidFill>
+                  <a:srgbClr val="FFAC40"/>
+                </a:solidFill>
+                <a:latin typeface="Montserrat ExtraBold" panose="00000900000000000000" pitchFamily="2" charset="0"/>
+              </a:rPr>
+              <a:t>CASO DE USO: WEB-LOJA</a:t>
+            </a:r>
+            <a:endParaRPr lang="pt-BR" dirty="0">
+              <a:solidFill>
+                <a:srgbClr val="FFAC40"/>
+              </a:solidFill>
+              <a:latin typeface="Montserrat ExtraBold" panose="00000900000000000000" pitchFamily="2" charset="0"/>
+            </a:endParaRPr>
           </a:p>
         </p:txBody>
       </p:sp>
       <p:cxnSp>
         <p:nvCxnSpPr>
-          <p:cNvPr id="16" name="Conector de Seta Reta 15">
-            <a:extLst>
-              <a:ext uri="{FF2B5EF4-FFF2-40B4-BE49-F238E27FC236}">
-                <a16:creationId xmlns:a16="http://schemas.microsoft.com/office/drawing/2014/main" id="{34C5456C-4716-4804-BF3A-60C004CF72B8}"/>
+          <p:cNvPr id="12" name="Conector de Seta Reta 11">
+            <a:extLst>
+              <a:ext uri="{FF2B5EF4-FFF2-40B4-BE49-F238E27FC236}">
+                <a16:creationId xmlns:a16="http://schemas.microsoft.com/office/drawing/2014/main" id="{52DACA75-8ED6-4B4F-A74E-3779A8E8728E}"/>
               </a:ext>
             </a:extLst>
           </p:cNvPr>
@@ -8914,13 +9970,16 @@
         </p:nvCxnSpPr>
         <p:spPr>
           <a:xfrm flipV="1">
-            <a:off x="3127839" y="2233350"/>
+            <a:off x="3163066" y="2233350"/>
             <a:ext cx="2010097" cy="1"/>
           </a:xfrm>
           <a:prstGeom prst="straightConnector1">
             <a:avLst/>
           </a:prstGeom>
           <a:ln>
+            <a:solidFill>
+              <a:srgbClr val="FFAC40"/>
+            </a:solidFill>
             <a:tailEnd type="triangle"/>
           </a:ln>
         </p:spPr>
@@ -8987,7 +10046,7 @@
                                       <p:cBhvr>
                                         <p:cTn id="6" dur="500"/>
                                         <p:tgtEl>
-                                          <p:spTgt spid="16"/>
+                                          <p:spTgt spid="12"/>
                                         </p:tgtEl>
                                       </p:cBhvr>
                                     </p:animEffect>
@@ -8999,7 +10058,7 @@
                                           </p:stCondLst>
                                         </p:cTn>
                                         <p:tgtEl>
-                                          <p:spTgt spid="16"/>
+                                          <p:spTgt spid="12"/>
                                         </p:tgtEl>
                                         <p:attrNameLst>
                                           <p:attrName>style.visibility</p:attrName>
@@ -9044,7 +10103,7 @@
                                           </p:stCondLst>
                                         </p:cTn>
                                         <p:tgtEl>
-                                          <p:spTgt spid="11"/>
+                                          <p:spTgt spid="10"/>
                                         </p:tgtEl>
                                         <p:attrNameLst>
                                           <p:attrName>style.visibility</p:attrName>
@@ -9058,46 +10117,28 @@
                                       <p:cBhvr>
                                         <p:cTn id="12" dur="500"/>
                                         <p:tgtEl>
-                                          <p:spTgt spid="11"/>
+                                          <p:spTgt spid="10"/>
                                         </p:tgtEl>
                                       </p:cBhvr>
                                     </p:animEffect>
                                   </p:childTnLst>
                                 </p:cTn>
                               </p:par>
-                            </p:childTnLst>
-                          </p:cTn>
-                        </p:par>
-                      </p:childTnLst>
-                    </p:cTn>
-                  </p:par>
-                  <p:par>
-                    <p:cTn id="13" fill="hold">
-                      <p:stCondLst>
-                        <p:cond delay="indefinite"/>
-                      </p:stCondLst>
-                      <p:childTnLst>
-                        <p:par>
-                          <p:cTn id="14" fill="hold">
-                            <p:stCondLst>
-                              <p:cond delay="0"/>
-                            </p:stCondLst>
-                            <p:childTnLst>
                               <p:par>
-                                <p:cTn id="15" presetID="14" presetClass="entr" presetSubtype="10" fill="hold" nodeType="clickEffect">
+                                <p:cTn id="13" presetID="14" presetClass="entr" presetSubtype="10" fill="hold" nodeType="withEffect">
                                   <p:stCondLst>
                                     <p:cond delay="0"/>
                                   </p:stCondLst>
                                   <p:childTnLst>
                                     <p:set>
                                       <p:cBhvr>
-                                        <p:cTn id="16" dur="1" fill="hold">
+                                        <p:cTn id="14" dur="1" fill="hold">
                                           <p:stCondLst>
                                             <p:cond delay="0"/>
                                           </p:stCondLst>
                                         </p:cTn>
                                         <p:tgtEl>
-                                          <p:spTgt spid="10"/>
+                                          <p:spTgt spid="11"/>
                                         </p:tgtEl>
                                         <p:attrNameLst>
                                           <p:attrName>style.visibility</p:attrName>
@@ -9109,9 +10150,9 @@
                                     </p:set>
                                     <p:animEffect transition="in" filter="randombar(horizontal)">
                                       <p:cBhvr>
-                                        <p:cTn id="17" dur="500"/>
+                                        <p:cTn id="15" dur="500"/>
                                         <p:tgtEl>
-                                          <p:spTgt spid="10"/>
+                                          <p:spTgt spid="11"/>
                                         </p:tgtEl>
                                       </p:cBhvr>
                                     </p:animEffect>
@@ -9186,6 +10227,14 @@
           <a:prstGeom prst="roundRect">
             <a:avLst/>
           </a:prstGeom>
+          <a:solidFill>
+            <a:srgbClr val="FFAC40"/>
+          </a:solidFill>
+          <a:ln>
+            <a:solidFill>
+              <a:schemeClr val="accent2"/>
+            </a:solidFill>
+          </a:ln>
         </p:spPr>
         <p:style>
           <a:lnRef idx="2">
@@ -9209,9 +10258,14 @@
           <a:p>
             <a:pPr algn="ctr"/>
             <a:r>
-              <a:rPr lang="pt-BR" dirty="0"/>
+              <a:rPr lang="pt-BR" sz="1600" dirty="0">
+                <a:latin typeface="Montserrat" panose="00000500000000000000" pitchFamily="2" charset="0"/>
+              </a:rPr>
               <a:t>Aberto</a:t>
             </a:r>
+            <a:endParaRPr lang="pt-BR" dirty="0">
+              <a:latin typeface="Montserrat" panose="00000500000000000000" pitchFamily="2" charset="0"/>
+            </a:endParaRPr>
           </a:p>
         </p:txBody>
       </p:sp>
@@ -9235,6 +10289,14 @@
           <a:prstGeom prst="roundRect">
             <a:avLst/>
           </a:prstGeom>
+          <a:solidFill>
+            <a:srgbClr val="FFAC40"/>
+          </a:solidFill>
+          <a:ln>
+            <a:solidFill>
+              <a:schemeClr val="accent2"/>
+            </a:solidFill>
+          </a:ln>
         </p:spPr>
         <p:style>
           <a:lnRef idx="2">
@@ -9258,9 +10320,14 @@
           <a:p>
             <a:pPr algn="ctr"/>
             <a:r>
-              <a:rPr lang="pt-BR" dirty="0"/>
+              <a:rPr lang="pt-BR" sz="1600" dirty="0">
+                <a:latin typeface="Montserrat" panose="00000500000000000000" pitchFamily="2" charset="0"/>
+              </a:rPr>
               <a:t>Meio Aberto</a:t>
             </a:r>
+            <a:endParaRPr lang="pt-BR" dirty="0">
+              <a:latin typeface="Montserrat" panose="00000500000000000000" pitchFamily="2" charset="0"/>
+            </a:endParaRPr>
           </a:p>
         </p:txBody>
       </p:sp>
@@ -9284,6 +10351,14 @@
           <a:prstGeom prst="roundRect">
             <a:avLst/>
           </a:prstGeom>
+          <a:solidFill>
+            <a:srgbClr val="FFAC40"/>
+          </a:solidFill>
+          <a:ln>
+            <a:solidFill>
+              <a:schemeClr val="accent2"/>
+            </a:solidFill>
+          </a:ln>
         </p:spPr>
         <p:style>
           <a:lnRef idx="2">
@@ -9307,9 +10382,14 @@
           <a:p>
             <a:pPr algn="ctr"/>
             <a:r>
-              <a:rPr lang="pt-BR" dirty="0"/>
+              <a:rPr lang="pt-BR" sz="1600" dirty="0">
+                <a:latin typeface="Montserrat" panose="00000500000000000000" pitchFamily="2" charset="0"/>
+              </a:rPr>
               <a:t>Fechado</a:t>
             </a:r>
+            <a:endParaRPr lang="pt-BR" dirty="0">
+              <a:latin typeface="Montserrat" panose="00000500000000000000" pitchFamily="2" charset="0"/>
+            </a:endParaRPr>
           </a:p>
         </p:txBody>
       </p:sp>
@@ -9337,6 +10417,9 @@
             <a:avLst/>
           </a:prstGeom>
           <a:ln w="25400">
+            <a:solidFill>
+              <a:srgbClr val="FFAC40"/>
+            </a:solidFill>
             <a:tailEnd type="triangle"/>
           </a:ln>
         </p:spPr>
@@ -9380,6 +10463,9 @@
             <a:avLst/>
           </a:prstGeom>
           <a:ln w="25400">
+            <a:solidFill>
+              <a:srgbClr val="FFAC40"/>
+            </a:solidFill>
             <a:tailEnd type="triangle"/>
           </a:ln>
         </p:spPr>
@@ -9423,6 +10509,9 @@
             <a:avLst/>
           </a:prstGeom>
           <a:ln w="25400">
+            <a:solidFill>
+              <a:srgbClr val="FFAC40"/>
+            </a:solidFill>
             <a:tailEnd type="triangle"/>
           </a:ln>
         </p:spPr>
@@ -9470,6 +10559,9 @@
             </a:avLst>
           </a:prstGeom>
           <a:ln w="25400">
+            <a:solidFill>
+              <a:srgbClr val="FFAC40"/>
+            </a:solidFill>
             <a:tailEnd type="triangle"/>
           </a:ln>
         </p:spPr>
@@ -9515,6 +10607,9 @@
             </a:avLst>
           </a:prstGeom>
           <a:ln w="25400">
+            <a:solidFill>
+              <a:srgbClr val="FFAC40"/>
+            </a:solidFill>
             <a:tailEnd type="triangle"/>
           </a:ln>
         </p:spPr>
@@ -9561,6 +10656,9 @@
             </a:avLst>
           </a:prstGeom>
           <a:ln w="25400">
+            <a:solidFill>
+              <a:srgbClr val="FFAC40"/>
+            </a:solidFill>
             <a:tailEnd type="triangle"/>
           </a:ln>
         </p:spPr>
@@ -9594,12 +10692,16 @@
         <p:spPr>
           <a:xfrm>
             <a:off x="4866156" y="5971889"/>
-            <a:ext cx="1935402" cy="369332"/>
+            <a:ext cx="2122697" cy="338554"/>
           </a:xfrm>
           <a:prstGeom prst="rect">
             <a:avLst/>
           </a:prstGeom>
-          <a:ln w="25400"/>
+          <a:ln w="25400">
+            <a:solidFill>
+              <a:srgbClr val="FFAC40"/>
+            </a:solidFill>
+          </a:ln>
         </p:spPr>
         <p:style>
           <a:lnRef idx="2">
@@ -9622,9 +10724,14 @@
           <a:lstStyle/>
           <a:p>
             <a:r>
-              <a:rPr lang="pt-BR" dirty="0"/>
+              <a:rPr lang="pt-BR" sz="1600" dirty="0">
+                <a:latin typeface="Montserrat" panose="00000500000000000000" pitchFamily="2" charset="0"/>
+              </a:rPr>
               <a:t>Continua com erro</a:t>
             </a:r>
+            <a:endParaRPr lang="pt-BR" dirty="0">
+              <a:latin typeface="Montserrat" panose="00000500000000000000" pitchFamily="2" charset="0"/>
+            </a:endParaRPr>
           </a:p>
         </p:txBody>
       </p:sp>
@@ -9643,12 +10750,16 @@
         <p:spPr>
           <a:xfrm>
             <a:off x="5320068" y="1482883"/>
-            <a:ext cx="926857" cy="369332"/>
+            <a:ext cx="1018227" cy="338554"/>
           </a:xfrm>
           <a:prstGeom prst="rect">
             <a:avLst/>
           </a:prstGeom>
-          <a:ln w="25400"/>
+          <a:ln w="25400">
+            <a:solidFill>
+              <a:srgbClr val="FFAC40"/>
+            </a:solidFill>
+          </a:ln>
         </p:spPr>
         <p:style>
           <a:lnRef idx="2">
@@ -9671,9 +10782,14 @@
           <a:lstStyle/>
           <a:p>
             <a:r>
-              <a:rPr lang="pt-BR" dirty="0"/>
+              <a:rPr lang="pt-BR" sz="1600" dirty="0">
+                <a:latin typeface="Montserrat" panose="00000500000000000000" pitchFamily="2" charset="0"/>
+              </a:rPr>
               <a:t>Sucesso</a:t>
             </a:r>
+            <a:endParaRPr lang="pt-BR" dirty="0">
+              <a:latin typeface="Montserrat" panose="00000500000000000000" pitchFamily="2" charset="0"/>
+            </a:endParaRPr>
           </a:p>
         </p:txBody>
       </p:sp>
@@ -9692,12 +10808,16 @@
         <p:spPr>
           <a:xfrm>
             <a:off x="8340049" y="4714125"/>
-            <a:ext cx="1326261" cy="369332"/>
+            <a:ext cx="1465466" cy="338554"/>
           </a:xfrm>
           <a:prstGeom prst="rect">
             <a:avLst/>
           </a:prstGeom>
-          <a:ln w="25400"/>
+          <a:ln w="25400">
+            <a:solidFill>
+              <a:srgbClr val="FFAC40"/>
+            </a:solidFill>
+          </a:ln>
         </p:spPr>
         <p:style>
           <a:lnRef idx="2">
@@ -9720,9 +10840,14 @@
           <a:lstStyle/>
           <a:p>
             <a:r>
-              <a:rPr lang="pt-BR" dirty="0"/>
+              <a:rPr lang="pt-BR" sz="1600" dirty="0">
+                <a:latin typeface="Montserrat" panose="00000500000000000000" pitchFamily="2" charset="0"/>
+              </a:rPr>
               <a:t>Falha rápida</a:t>
             </a:r>
+            <a:endParaRPr lang="pt-BR" dirty="0">
+              <a:latin typeface="Montserrat" panose="00000500000000000000" pitchFamily="2" charset="0"/>
+            </a:endParaRPr>
           </a:p>
         </p:txBody>
       </p:sp>
@@ -9740,13 +10865,17 @@
         </p:nvSpPr>
         <p:spPr>
           <a:xfrm>
-            <a:off x="4791425" y="5306516"/>
-            <a:ext cx="2084865" cy="369332"/>
+            <a:off x="4669917" y="5306516"/>
+            <a:ext cx="2327881" cy="338554"/>
           </a:xfrm>
           <a:prstGeom prst="rect">
             <a:avLst/>
           </a:prstGeom>
-          <a:ln w="25400"/>
+          <a:ln w="25400">
+            <a:solidFill>
+              <a:srgbClr val="FFAC40"/>
+            </a:solidFill>
+          </a:ln>
         </p:spPr>
         <p:style>
           <a:lnRef idx="2">
@@ -9770,9 +10899,14 @@
           <a:p>
             <a:pPr algn="ctr"/>
             <a:r>
-              <a:rPr lang="pt-BR" dirty="0"/>
+              <a:rPr lang="pt-BR" sz="1600" dirty="0">
+                <a:latin typeface="Montserrat" panose="00000500000000000000" pitchFamily="2" charset="0"/>
+              </a:rPr>
               <a:t>Checagem periódica</a:t>
             </a:r>
+            <a:endParaRPr lang="pt-BR" dirty="0">
+              <a:latin typeface="Montserrat" panose="00000500000000000000" pitchFamily="2" charset="0"/>
+            </a:endParaRPr>
           </a:p>
         </p:txBody>
       </p:sp>
@@ -9790,13 +10924,17 @@
         </p:nvSpPr>
         <p:spPr>
           <a:xfrm>
-            <a:off x="2682744" y="3579001"/>
-            <a:ext cx="2366032" cy="646331"/>
+            <a:off x="2595220" y="3579001"/>
+            <a:ext cx="2541080" cy="584775"/>
           </a:xfrm>
           <a:prstGeom prst="rect">
             <a:avLst/>
           </a:prstGeom>
-          <a:ln w="25400"/>
+          <a:ln w="25400">
+            <a:solidFill>
+              <a:srgbClr val="FFAC40"/>
+            </a:solidFill>
+          </a:ln>
         </p:spPr>
         <p:style>
           <a:lnRef idx="2">
@@ -9820,16 +10958,23 @@
           <a:p>
             <a:pPr algn="ctr"/>
             <a:r>
-              <a:rPr lang="pt-BR" dirty="0"/>
+              <a:rPr lang="pt-BR" sz="1600" dirty="0">
+                <a:latin typeface="Montserrat" panose="00000500000000000000" pitchFamily="2" charset="0"/>
+              </a:rPr>
               <a:t>Consegue efetuar </a:t>
             </a:r>
           </a:p>
           <a:p>
             <a:pPr algn="ctr"/>
             <a:r>
-              <a:rPr lang="pt-BR" dirty="0"/>
+              <a:rPr lang="pt-BR" sz="1600" dirty="0">
+                <a:latin typeface="Montserrat" panose="00000500000000000000" pitchFamily="2" charset="0"/>
+              </a:rPr>
               <a:t>chamada com sucesso</a:t>
             </a:r>
+            <a:endParaRPr lang="pt-BR" dirty="0">
+              <a:latin typeface="Montserrat" panose="00000500000000000000" pitchFamily="2" charset="0"/>
+            </a:endParaRPr>
           </a:p>
         </p:txBody>
       </p:sp>
@@ -9847,13 +10992,17 @@
         </p:nvSpPr>
         <p:spPr>
           <a:xfrm>
-            <a:off x="6455660" y="3602590"/>
-            <a:ext cx="970137" cy="646331"/>
+            <a:off x="6417187" y="3602590"/>
+            <a:ext cx="1047082" cy="584775"/>
           </a:xfrm>
           <a:prstGeom prst="rect">
             <a:avLst/>
           </a:prstGeom>
-          <a:ln w="25400"/>
+          <a:ln w="25400">
+            <a:solidFill>
+              <a:srgbClr val="FFAC40"/>
+            </a:solidFill>
+          </a:ln>
         </p:spPr>
         <p:style>
           <a:lnRef idx="2">
@@ -9877,16 +11026,23 @@
           <a:p>
             <a:pPr algn="ctr"/>
             <a:r>
-              <a:rPr lang="pt-BR" dirty="0"/>
+              <a:rPr lang="pt-BR" sz="1600" dirty="0">
+                <a:latin typeface="Montserrat" panose="00000500000000000000" pitchFamily="2" charset="0"/>
+              </a:rPr>
               <a:t>Erro ou</a:t>
             </a:r>
           </a:p>
           <a:p>
             <a:pPr algn="ctr"/>
             <a:r>
-              <a:rPr lang="pt-BR" dirty="0"/>
+              <a:rPr lang="pt-BR" sz="1600" dirty="0">
+                <a:latin typeface="Montserrat" panose="00000500000000000000" pitchFamily="2" charset="0"/>
+              </a:rPr>
               <a:t>Timeout</a:t>
             </a:r>
+            <a:endParaRPr lang="pt-BR" dirty="0">
+              <a:latin typeface="Montserrat" panose="00000500000000000000" pitchFamily="2" charset="0"/>
+            </a:endParaRPr>
           </a:p>
         </p:txBody>
       </p:sp>
@@ -9917,22 +11073,29 @@
           <a:lstStyle/>
           <a:p>
             <a:r>
-              <a:rPr lang="pt-BR" dirty="0"/>
-              <a:t>Estados do </a:t>
-            </a:r>
-            <a:r>
-              <a:rPr lang="pt-BR" i="1" dirty="0" err="1"/>
-              <a:t>Circuit</a:t>
-            </a:r>
-            <a:r>
-              <a:rPr lang="pt-BR" i="1" dirty="0"/>
-              <a:t> </a:t>
-            </a:r>
-            <a:r>
-              <a:rPr lang="pt-BR" i="1" dirty="0" err="1"/>
-              <a:t>Breaker</a:t>
-            </a:r>
-            <a:endParaRPr lang="pt-BR" i="1" dirty="0"/>
+              <a:rPr lang="pt-BR" sz="3600" dirty="0">
+                <a:solidFill>
+                  <a:srgbClr val="FFAC40"/>
+                </a:solidFill>
+                <a:latin typeface="Montserrat ExtraBold" panose="00000900000000000000" pitchFamily="2" charset="0"/>
+              </a:rPr>
+              <a:t>ESTADOS DO </a:t>
+            </a:r>
+            <a:r>
+              <a:rPr lang="pt-BR" sz="3600" i="1" dirty="0">
+                <a:solidFill>
+                  <a:srgbClr val="FFAC40"/>
+                </a:solidFill>
+                <a:latin typeface="Montserrat ExtraBold" panose="00000900000000000000" pitchFamily="2" charset="0"/>
+              </a:rPr>
+              <a:t>CIRCUIT BREAKER</a:t>
+            </a:r>
+            <a:endParaRPr lang="pt-BR" i="1" dirty="0">
+              <a:solidFill>
+                <a:srgbClr val="FFAC40"/>
+              </a:solidFill>
+              <a:latin typeface="Montserrat ExtraBold" panose="00000900000000000000" pitchFamily="2" charset="0"/>
+            </a:endParaRPr>
           </a:p>
         </p:txBody>
       </p:sp>
@@ -9984,12 +11147,19 @@
         </p:nvSpPr>
         <p:spPr/>
         <p:txBody>
-          <a:bodyPr/>
+          <a:bodyPr>
+            <a:normAutofit/>
+          </a:bodyPr>
           <a:lstStyle/>
           <a:p>
             <a:r>
-              <a:rPr lang="pt-BR" dirty="0"/>
-              <a:t>Opções de configuração</a:t>
+              <a:rPr lang="pt-BR" sz="3600" dirty="0">
+                <a:solidFill>
+                  <a:srgbClr val="FFAC40"/>
+                </a:solidFill>
+                <a:latin typeface="Montserrat ExtraBold" panose="00000900000000000000" pitchFamily="2" charset="0"/>
+              </a:rPr>
+              <a:t>OPÇÕES DE CONFIGURAÇÃO</a:t>
             </a:r>
           </a:p>
         </p:txBody>
@@ -10016,47 +11186,87 @@
           <a:lstStyle/>
           <a:p>
             <a:r>
-              <a:rPr lang="pt-BR" dirty="0"/>
+              <a:rPr lang="pt-BR" sz="2400" dirty="0">
+                <a:solidFill>
+                  <a:schemeClr val="bg1"/>
+                </a:solidFill>
+                <a:latin typeface="Montserrat" panose="00000500000000000000" pitchFamily="2" charset="0"/>
+              </a:rPr>
               <a:t>Número de chamadas com falhas</a:t>
             </a:r>
           </a:p>
           <a:p>
-            <a:endParaRPr lang="pt-BR" dirty="0"/>
-          </a:p>
-          <a:p>
-            <a:r>
-              <a:rPr lang="pt-BR" dirty="0"/>
+            <a:endParaRPr lang="pt-BR" sz="2400" dirty="0">
+              <a:solidFill>
+                <a:schemeClr val="bg1"/>
+              </a:solidFill>
+              <a:latin typeface="Montserrat" panose="00000500000000000000" pitchFamily="2" charset="0"/>
+            </a:endParaRPr>
+          </a:p>
+          <a:p>
+            <a:r>
+              <a:rPr lang="pt-BR" sz="2400" dirty="0">
+                <a:solidFill>
+                  <a:schemeClr val="bg1"/>
+                </a:solidFill>
+                <a:latin typeface="Montserrat" panose="00000500000000000000" pitchFamily="2" charset="0"/>
+              </a:rPr>
               <a:t>Estratégia de checagem periódica:</a:t>
             </a:r>
           </a:p>
           <a:p>
             <a:pPr lvl="1"/>
             <a:r>
-              <a:rPr lang="pt-BR" dirty="0"/>
+              <a:rPr lang="pt-BR" sz="2000" dirty="0">
+                <a:solidFill>
+                  <a:schemeClr val="bg1"/>
+                </a:solidFill>
+                <a:latin typeface="Montserrat" panose="00000500000000000000" pitchFamily="2" charset="0"/>
+              </a:rPr>
               <a:t>Tempo fixo</a:t>
             </a:r>
           </a:p>
           <a:p>
             <a:pPr lvl="1"/>
             <a:r>
-              <a:rPr lang="pt-BR" dirty="0"/>
+              <a:rPr lang="pt-BR" sz="2000" dirty="0">
+                <a:solidFill>
+                  <a:schemeClr val="bg1"/>
+                </a:solidFill>
+                <a:latin typeface="Montserrat" panose="00000500000000000000" pitchFamily="2" charset="0"/>
+              </a:rPr>
               <a:t>Dobrar o tempo</a:t>
             </a:r>
           </a:p>
           <a:p>
             <a:pPr lvl="1"/>
             <a:r>
-              <a:rPr lang="pt-BR" dirty="0"/>
+              <a:rPr lang="pt-BR" sz="2000" dirty="0">
+                <a:solidFill>
+                  <a:schemeClr val="bg1"/>
+                </a:solidFill>
+                <a:latin typeface="Montserrat" panose="00000500000000000000" pitchFamily="2" charset="0"/>
+              </a:rPr>
               <a:t>Outros.</a:t>
             </a:r>
           </a:p>
           <a:p>
             <a:pPr lvl="1"/>
-            <a:endParaRPr lang="pt-BR" dirty="0"/>
-          </a:p>
-          <a:p>
-            <a:r>
-              <a:rPr lang="pt-BR" dirty="0"/>
+            <a:endParaRPr lang="pt-BR" dirty="0">
+              <a:solidFill>
+                <a:schemeClr val="bg1"/>
+              </a:solidFill>
+              <a:latin typeface="Montserrat" panose="00000500000000000000" pitchFamily="2" charset="0"/>
+            </a:endParaRPr>
+          </a:p>
+          <a:p>
+            <a:r>
+              <a:rPr lang="pt-BR" sz="2400" dirty="0">
+                <a:solidFill>
+                  <a:schemeClr val="bg1"/>
+                </a:solidFill>
+                <a:latin typeface="Montserrat" panose="00000500000000000000" pitchFamily="2" charset="0"/>
+              </a:rPr>
               <a:t>Número de chamadas com sucesso</a:t>
             </a:r>
           </a:p>
@@ -10110,6 +11320,43 @@
           <a:chExt cx="0" cy="0"/>
         </a:xfrm>
       </p:grpSpPr>
+      <p:pic>
+        <p:nvPicPr>
+          <p:cNvPr id="5" name="Imagem 4" descr="Homem com os braços para cima&#10;&#10;Descrição gerada automaticamente com confiança média">
+            <a:extLst>
+              <a:ext uri="{FF2B5EF4-FFF2-40B4-BE49-F238E27FC236}">
+                <a16:creationId xmlns:a16="http://schemas.microsoft.com/office/drawing/2014/main" id="{F2C16034-3747-4CE3-BF84-F5BC83C97368}"/>
+              </a:ext>
+            </a:extLst>
+          </p:cNvPr>
+          <p:cNvPicPr>
+            <a:picLocks noChangeAspect="1"/>
+          </p:cNvPicPr>
+          <p:nvPr/>
+        </p:nvPicPr>
+        <p:blipFill>
+          <a:blip r:embed="rId3">
+            <a:extLst>
+              <a:ext uri="{28A0092B-C50C-407E-A947-70E740481C1C}">
+                <a14:useLocalDpi xmlns:a14="http://schemas.microsoft.com/office/drawing/2010/main" val="0"/>
+              </a:ext>
+            </a:extLst>
+          </a:blip>
+          <a:stretch>
+            <a:fillRect/>
+          </a:stretch>
+        </p:blipFill>
+        <p:spPr>
+          <a:xfrm>
+            <a:off x="6320118" y="274964"/>
+            <a:ext cx="5836024" cy="3776943"/>
+          </a:xfrm>
+          <a:prstGeom prst="rect">
+            <a:avLst/>
+          </a:prstGeom>
+          <a:noFill/>
+        </p:spPr>
+      </p:pic>
       <p:sp>
         <p:nvSpPr>
           <p:cNvPr id="2" name="Título 1">
@@ -10126,16 +11373,31 @@
             <p:ph type="title"/>
           </p:nvPr>
         </p:nvSpPr>
-        <p:spPr/>
+        <p:spPr>
+          <a:xfrm>
+            <a:off x="838200" y="338231"/>
+            <a:ext cx="10515600" cy="1325563"/>
+          </a:xfrm>
+        </p:spPr>
         <p:txBody>
           <a:bodyPr/>
           <a:lstStyle/>
           <a:p>
             <a:r>
-              <a:rPr lang="pt-BR" i="1" dirty="0" err="1"/>
-              <a:t>Fallback</a:t>
-            </a:r>
-            <a:endParaRPr lang="pt-BR" i="1" dirty="0"/>
+              <a:rPr lang="pt-BR" sz="3600" i="1" dirty="0">
+                <a:solidFill>
+                  <a:srgbClr val="FFAC40"/>
+                </a:solidFill>
+                <a:latin typeface="Montserrat ExtraBold" panose="00000900000000000000" pitchFamily="2" charset="0"/>
+              </a:rPr>
+              <a:t>FALLBACK</a:t>
+            </a:r>
+            <a:endParaRPr lang="pt-BR" i="1" dirty="0">
+              <a:solidFill>
+                <a:srgbClr val="FFAC40"/>
+              </a:solidFill>
+              <a:latin typeface="Montserrat ExtraBold" panose="00000900000000000000" pitchFamily="2" charset="0"/>
+            </a:endParaRPr>
           </a:p>
         </p:txBody>
       </p:sp>
@@ -10174,7 +11436,12 @@
           <a:p>
             <a:pPr algn="ctr"/>
             <a:r>
-              <a:rPr lang="pt-BR" dirty="0"/>
+              <a:rPr lang="pt-BR" sz="2400" dirty="0">
+                <a:solidFill>
+                  <a:schemeClr val="bg1"/>
+                </a:solidFill>
+                <a:latin typeface="Montserrat" panose="00000500000000000000" pitchFamily="2" charset="0"/>
+              </a:rPr>
               <a:t>O que fazer caso hajam falhas nas chamadas à outros micros serviços?</a:t>
             </a:r>
           </a:p>
@@ -10251,14 +11518,24 @@
           <a:p>
             <a:pPr algn="ctr"/>
             <a:r>
-              <a:rPr lang="pt-BR" dirty="0"/>
+              <a:rPr lang="pt-BR" sz="1600" dirty="0">
+                <a:solidFill>
+                  <a:schemeClr val="bg1"/>
+                </a:solidFill>
+                <a:latin typeface="Montserrat" panose="00000500000000000000" pitchFamily="2" charset="0"/>
+              </a:rPr>
               <a:t>Micro serviço A</a:t>
             </a:r>
           </a:p>
           <a:p>
             <a:pPr algn="ctr"/>
             <a:r>
-              <a:rPr lang="pt-BR" dirty="0"/>
+              <a:rPr lang="pt-BR" sz="1600" dirty="0">
+                <a:solidFill>
+                  <a:schemeClr val="bg1"/>
+                </a:solidFill>
+                <a:latin typeface="Montserrat" panose="00000500000000000000" pitchFamily="2" charset="0"/>
+              </a:rPr>
               <a:t>Recomendação de Produtos</a:t>
             </a:r>
           </a:p>
@@ -10305,17 +11582,37 @@
           <a:p>
             <a:pPr algn="ctr"/>
             <a:r>
-              <a:rPr lang="pt-BR" dirty="0"/>
+              <a:rPr lang="pt-BR" sz="1600" dirty="0">
+                <a:solidFill>
+                  <a:schemeClr val="bg1"/>
+                </a:solidFill>
+                <a:latin typeface="Montserrat" panose="00000500000000000000" pitchFamily="2" charset="0"/>
+              </a:rPr>
               <a:t>Micro serviço B</a:t>
             </a:r>
             <a:br>
-              <a:rPr lang="pt-BR" dirty="0"/>
+              <a:rPr lang="pt-BR" sz="1600" dirty="0">
+                <a:solidFill>
+                  <a:schemeClr val="bg1"/>
+                </a:solidFill>
+                <a:latin typeface="Montserrat" panose="00000500000000000000" pitchFamily="2" charset="0"/>
+              </a:rPr>
             </a:br>
             <a:br>
-              <a:rPr lang="pt-BR" dirty="0"/>
+              <a:rPr lang="pt-BR" sz="1600" dirty="0">
+                <a:solidFill>
+                  <a:schemeClr val="bg1"/>
+                </a:solidFill>
+                <a:latin typeface="Montserrat" panose="00000500000000000000" pitchFamily="2" charset="0"/>
+              </a:rPr>
             </a:br>
             <a:r>
-              <a:rPr lang="pt-BR" dirty="0"/>
+              <a:rPr lang="pt-BR" sz="1600" dirty="0">
+                <a:solidFill>
+                  <a:schemeClr val="bg1"/>
+                </a:solidFill>
+                <a:latin typeface="Montserrat" panose="00000500000000000000" pitchFamily="2" charset="0"/>
+              </a:rPr>
               <a:t>Preço</a:t>
             </a:r>
           </a:p>
@@ -10362,17 +11659,37 @@
           <a:p>
             <a:pPr algn="ctr"/>
             <a:r>
-              <a:rPr lang="pt-BR" dirty="0"/>
+              <a:rPr lang="pt-BR" sz="1600" dirty="0">
+                <a:solidFill>
+                  <a:schemeClr val="bg1"/>
+                </a:solidFill>
+                <a:latin typeface="Montserrat" panose="00000500000000000000" pitchFamily="2" charset="0"/>
+              </a:rPr>
               <a:t>Micro serviço C</a:t>
             </a:r>
             <a:br>
-              <a:rPr lang="pt-BR" dirty="0"/>
+              <a:rPr lang="pt-BR" sz="1600" dirty="0">
+                <a:solidFill>
+                  <a:schemeClr val="bg1"/>
+                </a:solidFill>
+                <a:latin typeface="Montserrat" panose="00000500000000000000" pitchFamily="2" charset="0"/>
+              </a:rPr>
             </a:br>
             <a:br>
-              <a:rPr lang="pt-BR" dirty="0"/>
+              <a:rPr lang="pt-BR" sz="1600" dirty="0">
+                <a:solidFill>
+                  <a:schemeClr val="bg1"/>
+                </a:solidFill>
+                <a:latin typeface="Montserrat" panose="00000500000000000000" pitchFamily="2" charset="0"/>
+              </a:rPr>
             </a:br>
             <a:r>
-              <a:rPr lang="pt-BR" dirty="0"/>
+              <a:rPr lang="pt-BR" sz="1600" dirty="0">
+                <a:solidFill>
+                  <a:schemeClr val="bg1"/>
+                </a:solidFill>
+                <a:latin typeface="Montserrat" panose="00000500000000000000" pitchFamily="2" charset="0"/>
+              </a:rPr>
               <a:t>Pagamento</a:t>
             </a:r>
           </a:p>
@@ -10438,6 +11755,9 @@
             <a:avLst/>
           </a:prstGeom>
           <a:ln>
+            <a:solidFill>
+              <a:srgbClr val="FFAC40"/>
+            </a:solidFill>
             <a:tailEnd type="triangle"/>
           </a:ln>
         </p:spPr>
@@ -10516,6 +11836,9 @@
             <a:avLst/>
           </a:prstGeom>
           <a:ln>
+            <a:solidFill>
+              <a:srgbClr val="FFAC40"/>
+            </a:solidFill>
             <a:tailEnd type="triangle"/>
           </a:ln>
         </p:spPr>
@@ -10561,9 +11884,20 @@
           <a:lstStyle/>
           <a:p>
             <a:r>
-              <a:rPr lang="pt-BR" dirty="0"/>
-              <a:t>Caso de uso: Web-Loja</a:t>
-            </a:r>
+              <a:rPr lang="pt-BR" sz="3600" dirty="0">
+                <a:solidFill>
+                  <a:srgbClr val="FFAC40"/>
+                </a:solidFill>
+                <a:latin typeface="Montserrat ExtraBold" panose="00000900000000000000" pitchFamily="2" charset="0"/>
+              </a:rPr>
+              <a:t>CASO DE USO: WEB-LOJA</a:t>
+            </a:r>
+            <a:endParaRPr lang="pt-BR" dirty="0">
+              <a:solidFill>
+                <a:srgbClr val="FFAC40"/>
+              </a:solidFill>
+              <a:latin typeface="Montserrat ExtraBold" panose="00000900000000000000" pitchFamily="2" charset="0"/>
+            </a:endParaRPr>
           </a:p>
         </p:txBody>
       </p:sp>
@@ -10608,20 +11942,45 @@
           <a:p>
             <a:pPr algn="ctr"/>
             <a:r>
-              <a:rPr lang="pt-BR" dirty="0"/>
+              <a:rPr lang="pt-BR" sz="1600" dirty="0">
+                <a:solidFill>
+                  <a:schemeClr val="bg1"/>
+                </a:solidFill>
+                <a:latin typeface="Montserrat" panose="00000500000000000000" pitchFamily="2" charset="0"/>
+              </a:rPr>
               <a:t>Micro serviço D</a:t>
             </a:r>
             <a:br>
-              <a:rPr lang="pt-BR" dirty="0"/>
+              <a:rPr lang="pt-BR" sz="1600" dirty="0">
+                <a:solidFill>
+                  <a:schemeClr val="bg1"/>
+                </a:solidFill>
+                <a:latin typeface="Montserrat" panose="00000500000000000000" pitchFamily="2" charset="0"/>
+              </a:rPr>
             </a:br>
             <a:br>
-              <a:rPr lang="pt-BR" dirty="0"/>
+              <a:rPr lang="pt-BR" sz="1600" dirty="0">
+                <a:solidFill>
+                  <a:schemeClr val="bg1"/>
+                </a:solidFill>
+                <a:latin typeface="Montserrat" panose="00000500000000000000" pitchFamily="2" charset="0"/>
+              </a:rPr>
             </a:br>
             <a:r>
-              <a:rPr lang="pt-BR" dirty="0" err="1"/>
+              <a:rPr lang="pt-BR" sz="1600" dirty="0" err="1">
+                <a:solidFill>
+                  <a:schemeClr val="bg1"/>
+                </a:solidFill>
+                <a:latin typeface="Montserrat" panose="00000500000000000000" pitchFamily="2" charset="0"/>
+              </a:rPr>
               <a:t>Logging</a:t>
             </a:r>
-            <a:endParaRPr lang="pt-BR" dirty="0"/>
+            <a:endParaRPr lang="pt-BR" sz="1600" dirty="0">
+              <a:solidFill>
+                <a:schemeClr val="bg1"/>
+              </a:solidFill>
+              <a:latin typeface="Montserrat" panose="00000500000000000000" pitchFamily="2" charset="0"/>
+            </a:endParaRPr>
           </a:p>
         </p:txBody>
       </p:sp>
@@ -10650,6 +12009,9 @@
             <a:avLst/>
           </a:prstGeom>
           <a:ln>
+            <a:solidFill>
+              <a:srgbClr val="FFAC40"/>
+            </a:solidFill>
             <a:tailEnd type="triangle"/>
           </a:ln>
         </p:spPr>
